--- a/Track - Machine Learning/Unsupervised-Learning-in-R/Unsupervised Learning in R.pptx
+++ b/Track - Machine Learning/Unsupervised-Learning-in-R/Unsupervised Learning in R.pptx
@@ -9,11 +9,8 @@
     <p:sldId id="257" r:id="rId3"/>
     <p:sldId id="270" r:id="rId4"/>
     <p:sldId id="258" r:id="rId5"/>
-    <p:sldId id="265" r:id="rId6"/>
-    <p:sldId id="266" r:id="rId7"/>
-    <p:sldId id="267" r:id="rId8"/>
-    <p:sldId id="268" r:id="rId9"/>
-    <p:sldId id="269" r:id="rId10"/>
+    <p:sldId id="271" r:id="rId6"/>
+    <p:sldId id="272" r:id="rId7"/>
   </p:sldIdLst>
   <p:sldSz cx="9144000" cy="6858000" type="screen4x3"/>
   <p:notesSz cx="7010400" cy="9296400"/>
@@ -263,7 +260,7 @@
             <a:fld id="{B61BEF0D-F0BB-DE4B-95CE-6DB70DBA9567}" type="datetimeFigureOut">
               <a:rPr lang="en-US" smtClean="0"/>
               <a:pPr/>
-              <a:t>6/14/2019</a:t>
+              <a:t>6/17/2019</a:t>
             </a:fld>
             <a:endParaRPr lang="en-US" dirty="0"/>
           </a:p>
@@ -435,7 +432,7 @@
             <a:fld id="{B61BEF0D-F0BB-DE4B-95CE-6DB70DBA9567}" type="datetimeFigureOut">
               <a:rPr lang="en-US" smtClean="0"/>
               <a:pPr/>
-              <a:t>6/14/2019</a:t>
+              <a:t>6/17/2019</a:t>
             </a:fld>
             <a:endParaRPr lang="en-US" dirty="0"/>
           </a:p>
@@ -617,7 +614,7 @@
             <a:fld id="{B61BEF0D-F0BB-DE4B-95CE-6DB70DBA9567}" type="datetimeFigureOut">
               <a:rPr lang="en-US" smtClean="0"/>
               <a:pPr/>
-              <a:t>6/14/2019</a:t>
+              <a:t>6/17/2019</a:t>
             </a:fld>
             <a:endParaRPr lang="en-US" dirty="0"/>
           </a:p>
@@ -789,7 +786,7 @@
             <a:fld id="{B61BEF0D-F0BB-DE4B-95CE-6DB70DBA9567}" type="datetimeFigureOut">
               <a:rPr lang="en-US" smtClean="0"/>
               <a:pPr/>
-              <a:t>6/14/2019</a:t>
+              <a:t>6/17/2019</a:t>
             </a:fld>
             <a:endParaRPr lang="en-US" dirty="0"/>
           </a:p>
@@ -1035,7 +1032,7 @@
             <a:fld id="{B61BEF0D-F0BB-DE4B-95CE-6DB70DBA9567}" type="datetimeFigureOut">
               <a:rPr lang="en-US" smtClean="0"/>
               <a:pPr/>
-              <a:t>6/14/2019</a:t>
+              <a:t>6/17/2019</a:t>
             </a:fld>
             <a:endParaRPr lang="en-US" dirty="0"/>
           </a:p>
@@ -1269,7 +1266,7 @@
             <a:fld id="{B61BEF0D-F0BB-DE4B-95CE-6DB70DBA9567}" type="datetimeFigureOut">
               <a:rPr lang="en-US" smtClean="0"/>
               <a:pPr/>
-              <a:t>6/14/2019</a:t>
+              <a:t>6/17/2019</a:t>
             </a:fld>
             <a:endParaRPr lang="en-US" dirty="0"/>
           </a:p>
@@ -1638,7 +1635,7 @@
             <a:fld id="{B61BEF0D-F0BB-DE4B-95CE-6DB70DBA9567}" type="datetimeFigureOut">
               <a:rPr lang="en-US" smtClean="0"/>
               <a:pPr/>
-              <a:t>6/14/2019</a:t>
+              <a:t>6/17/2019</a:t>
             </a:fld>
             <a:endParaRPr lang="en-US" dirty="0"/>
           </a:p>
@@ -1758,7 +1755,7 @@
             <a:fld id="{B61BEF0D-F0BB-DE4B-95CE-6DB70DBA9567}" type="datetimeFigureOut">
               <a:rPr lang="en-US" smtClean="0"/>
               <a:pPr/>
-              <a:t>6/14/2019</a:t>
+              <a:t>6/17/2019</a:t>
             </a:fld>
             <a:endParaRPr lang="en-US" dirty="0"/>
           </a:p>
@@ -1855,7 +1852,7 @@
             <a:fld id="{B61BEF0D-F0BB-DE4B-95CE-6DB70DBA9567}" type="datetimeFigureOut">
               <a:rPr lang="en-US" smtClean="0"/>
               <a:pPr/>
-              <a:t>6/14/2019</a:t>
+              <a:t>6/17/2019</a:t>
             </a:fld>
             <a:endParaRPr lang="en-US" dirty="0"/>
           </a:p>
@@ -2134,7 +2131,7 @@
             <a:fld id="{B61BEF0D-F0BB-DE4B-95CE-6DB70DBA9567}" type="datetimeFigureOut">
               <a:rPr lang="en-US" smtClean="0"/>
               <a:pPr/>
-              <a:t>6/14/2019</a:t>
+              <a:t>6/17/2019</a:t>
             </a:fld>
             <a:endParaRPr lang="en-US" dirty="0"/>
           </a:p>
@@ -2393,7 +2390,7 @@
             <a:fld id="{B61BEF0D-F0BB-DE4B-95CE-6DB70DBA9567}" type="datetimeFigureOut">
               <a:rPr lang="en-US" smtClean="0"/>
               <a:pPr/>
-              <a:t>6/14/2019</a:t>
+              <a:t>6/17/2019</a:t>
             </a:fld>
             <a:endParaRPr lang="en-US" dirty="0"/>
           </a:p>
@@ -2608,7 +2605,7 @@
             <a:fld id="{B61BEF0D-F0BB-DE4B-95CE-6DB70DBA9567}" type="datetimeFigureOut">
               <a:rPr lang="en-US" smtClean="0"/>
               <a:pPr/>
-              <a:t>6/14/2019</a:t>
+              <a:t>6/17/2019</a:t>
             </a:fld>
             <a:endParaRPr lang="en-US" dirty="0"/>
           </a:p>
@@ -3068,7 +3065,7 @@
           <a:lstStyle/>
           <a:p>
             <a:r>
-              <a:rPr lang="en-US" smtClean="0"/>
+              <a:rPr lang="en-US"/>
               <a:t>Unsupervised Learning in R</a:t>
             </a:r>
             <a:endParaRPr lang="en-US" dirty="0"/>
@@ -3169,7 +3166,7 @@
               <a:buAutoNum type="arabicPeriod"/>
             </a:pPr>
             <a:r>
-              <a:rPr lang="en-US" sz="1350" smtClean="0"/>
+              <a:rPr lang="en-US" sz="1350"/>
               <a:t>Unsupervised Learning in R</a:t>
             </a:r>
             <a:endParaRPr lang="en-US" sz="1350" dirty="0"/>
@@ -3222,7 +3219,7 @@
               <a:buChar char="Ø"/>
             </a:pPr>
             <a:r>
-              <a:rPr lang="en-US" sz="1050" smtClean="0"/>
+              <a:rPr lang="en-US" sz="1050"/>
               <a:t>Results of kmeans()</a:t>
             </a:r>
           </a:p>
@@ -3232,7 +3229,7 @@
               <a:buChar char="Ø"/>
             </a:pPr>
             <a:r>
-              <a:rPr lang="en-US" sz="1050" smtClean="0"/>
+              <a:rPr lang="en-US" sz="1050"/>
               <a:t>Visualizing and interpreting results of kmeans()</a:t>
             </a:r>
           </a:p>
@@ -3242,7 +3239,7 @@
               <a:buChar char="Ø"/>
             </a:pPr>
             <a:r>
-              <a:rPr lang="en-US" sz="1050" smtClean="0"/>
+              <a:rPr lang="en-US" sz="1050"/>
               <a:t>How kmeans() works and practical matters</a:t>
             </a:r>
           </a:p>
@@ -3252,7 +3249,7 @@
               <a:buChar char="Ø"/>
             </a:pPr>
             <a:r>
-              <a:rPr lang="en-US" sz="1050" smtClean="0"/>
+              <a:rPr lang="en-US" sz="1050"/>
               <a:t>Handling random algorithms</a:t>
             </a:r>
           </a:p>
@@ -3262,7 +3259,7 @@
               <a:buChar char="Ø"/>
             </a:pPr>
             <a:r>
-              <a:rPr lang="en-US" sz="1050" smtClean="0"/>
+              <a:rPr lang="en-US" sz="1050"/>
               <a:t>Selecting number of clusters</a:t>
             </a:r>
           </a:p>
@@ -3272,7 +3269,7 @@
               <a:buChar char="Ø"/>
             </a:pPr>
             <a:r>
-              <a:rPr lang="en-US" sz="1050" smtClean="0"/>
+              <a:rPr lang="en-US" sz="1050"/>
               <a:t>Introduction to the Pokemon data</a:t>
             </a:r>
           </a:p>
@@ -3282,7 +3279,7 @@
               <a:buChar char="Ø"/>
             </a:pPr>
             <a:r>
-              <a:rPr lang="en-US" sz="1050" smtClean="0"/>
+              <a:rPr lang="en-US" sz="1050"/>
               <a:t>Practical matters: working with real data</a:t>
             </a:r>
           </a:p>
@@ -3292,10 +3289,9 @@
               <a:buChar char="Ø"/>
             </a:pPr>
             <a:r>
-              <a:rPr lang="en-US" sz="1050" smtClean="0"/>
+              <a:rPr lang="en-US" sz="1050"/>
               <a:t>Review of k-means clustering</a:t>
             </a:r>
-            <a:endParaRPr lang="en-US" sz="1050"/>
           </a:p>
           <a:p>
             <a:pPr marL="342900" indent="-342900">
@@ -3303,10 +3299,9 @@
               <a:buAutoNum type="arabicPeriod"/>
             </a:pPr>
             <a:r>
-              <a:rPr lang="en-US" sz="1350" smtClean="0"/>
+              <a:rPr lang="en-US" sz="1350"/>
               <a:t>Hierarchical Clustering</a:t>
             </a:r>
-            <a:endParaRPr lang="en-US" sz="1350"/>
           </a:p>
           <a:p>
             <a:pPr lvl="1">
@@ -3314,7 +3309,7 @@
               <a:buChar char="Ø"/>
             </a:pPr>
             <a:r>
-              <a:rPr lang="en-US" sz="1050" smtClean="0"/>
+              <a:rPr lang="en-US" sz="1050"/>
               <a:t>Introduction to hierarchical clustering</a:t>
             </a:r>
           </a:p>
@@ -3324,7 +3319,7 @@
               <a:buChar char="Ø"/>
             </a:pPr>
             <a:r>
-              <a:rPr lang="en-US" sz="1050" smtClean="0"/>
+              <a:rPr lang="en-US" sz="1050"/>
               <a:t>Hierarchical clustering with results</a:t>
             </a:r>
           </a:p>
@@ -3334,7 +3329,7 @@
               <a:buChar char="Ø"/>
             </a:pPr>
             <a:r>
-              <a:rPr lang="en-US" sz="1050" smtClean="0"/>
+              <a:rPr lang="en-US" sz="1050"/>
               <a:t>Selecting number of clusters</a:t>
             </a:r>
           </a:p>
@@ -3344,7 +3339,7 @@
               <a:buChar char="Ø"/>
             </a:pPr>
             <a:r>
-              <a:rPr lang="en-US" sz="1050" smtClean="0"/>
+              <a:rPr lang="en-US" sz="1050"/>
               <a:t>Interpreting dendrogram</a:t>
             </a:r>
           </a:p>
@@ -3354,7 +3349,7 @@
               <a:buChar char="Ø"/>
             </a:pPr>
             <a:r>
-              <a:rPr lang="en-US" sz="1050" smtClean="0"/>
+              <a:rPr lang="en-US" sz="1050"/>
               <a:t>Cutting the tree</a:t>
             </a:r>
           </a:p>
@@ -3364,7 +3359,7 @@
               <a:buChar char="Ø"/>
             </a:pPr>
             <a:r>
-              <a:rPr lang="en-US" sz="1050" smtClean="0"/>
+              <a:rPr lang="en-US" sz="1050"/>
               <a:t>Clustering linkage and practical matters</a:t>
             </a:r>
           </a:p>
@@ -3374,7 +3369,7 @@
               <a:buChar char="Ø"/>
             </a:pPr>
             <a:r>
-              <a:rPr lang="en-US" sz="1050" smtClean="0"/>
+              <a:rPr lang="en-US" sz="1050"/>
               <a:t>Linkage methods</a:t>
             </a:r>
           </a:p>
@@ -3384,7 +3379,7 @@
               <a:buChar char="Ø"/>
             </a:pPr>
             <a:r>
-              <a:rPr lang="en-US" sz="1050" smtClean="0"/>
+              <a:rPr lang="en-US" sz="1050"/>
               <a:t>Comparing linkage methods</a:t>
             </a:r>
           </a:p>
@@ -3394,7 +3389,7 @@
               <a:buChar char="Ø"/>
             </a:pPr>
             <a:r>
-              <a:rPr lang="en-US" sz="1050" smtClean="0"/>
+              <a:rPr lang="en-US" sz="1050"/>
               <a:t>Practical matters: scaling</a:t>
             </a:r>
           </a:p>
@@ -3404,7 +3399,7 @@
               <a:buChar char="Ø"/>
             </a:pPr>
             <a:r>
-              <a:rPr lang="en-US" sz="1050" smtClean="0"/>
+              <a:rPr lang="en-US" sz="1050"/>
               <a:t>Comparing kmeans() and hclust()</a:t>
             </a:r>
           </a:p>
@@ -3414,7 +3409,7 @@
               <a:buChar char="Ø"/>
             </a:pPr>
             <a:r>
-              <a:rPr lang="en-US" sz="1050" smtClean="0"/>
+              <a:rPr lang="en-US" sz="1050"/>
               <a:t>Review of hierarchical clustering</a:t>
             </a:r>
           </a:p>
@@ -3447,7 +3442,7 @@
               <a:buAutoNum type="arabicPeriod" startAt="3"/>
             </a:pPr>
             <a:r>
-              <a:rPr lang="en-US" sz="1350" smtClean="0"/>
+              <a:rPr lang="en-US" sz="1350"/>
               <a:t>Dimensionality Reduction with PCA</a:t>
             </a:r>
             <a:endParaRPr lang="en-US" sz="1350" dirty="0"/>
@@ -3458,7 +3453,7 @@
               <a:buChar char="Ø"/>
             </a:pPr>
             <a:r>
-              <a:rPr lang="en-US" sz="1050" smtClean="0"/>
+              <a:rPr lang="en-US" sz="1050"/>
               <a:t>Introduction to PCA</a:t>
             </a:r>
           </a:p>
@@ -3468,7 +3463,7 @@
               <a:buChar char="Ø"/>
             </a:pPr>
             <a:r>
-              <a:rPr lang="en-US" sz="1050" smtClean="0"/>
+              <a:rPr lang="en-US" sz="1050"/>
               <a:t>PCA using prcomp()</a:t>
             </a:r>
           </a:p>
@@ -3478,7 +3473,7 @@
               <a:buChar char="Ø"/>
             </a:pPr>
             <a:r>
-              <a:rPr lang="en-US" sz="1050" smtClean="0"/>
+              <a:rPr lang="en-US" sz="1050"/>
               <a:t>Results of PCA</a:t>
             </a:r>
           </a:p>
@@ -3488,7 +3483,7 @@
               <a:buChar char="Ø"/>
             </a:pPr>
             <a:r>
-              <a:rPr lang="en-US" sz="1050" smtClean="0"/>
+              <a:rPr lang="en-US" sz="1050"/>
               <a:t>Additional results of PCA</a:t>
             </a:r>
           </a:p>
@@ -3498,7 +3493,7 @@
               <a:buChar char="Ø"/>
             </a:pPr>
             <a:r>
-              <a:rPr lang="en-US" sz="1050" smtClean="0"/>
+              <a:rPr lang="en-US" sz="1050"/>
               <a:t>Visualizing and interpreting PCA results</a:t>
             </a:r>
           </a:p>
@@ -3508,7 +3503,7 @@
               <a:buChar char="Ø"/>
             </a:pPr>
             <a:r>
-              <a:rPr lang="en-US" sz="1050" smtClean="0"/>
+              <a:rPr lang="en-US" sz="1050"/>
               <a:t>Interpreting biplots(1)</a:t>
             </a:r>
           </a:p>
@@ -3518,7 +3513,7 @@
               <a:buChar char="Ø"/>
             </a:pPr>
             <a:r>
-              <a:rPr lang="en-US" sz="1050" smtClean="0"/>
+              <a:rPr lang="en-US" sz="1050"/>
               <a:t>Interpreting biplots(2)</a:t>
             </a:r>
           </a:p>
@@ -3528,7 +3523,7 @@
               <a:buChar char="Ø"/>
             </a:pPr>
             <a:r>
-              <a:rPr lang="en-US" sz="1050" smtClean="0"/>
+              <a:rPr lang="en-US" sz="1050"/>
               <a:t>Variance explained</a:t>
             </a:r>
           </a:p>
@@ -3538,7 +3533,7 @@
               <a:buChar char="Ø"/>
             </a:pPr>
             <a:r>
-              <a:rPr lang="en-US" sz="1050" smtClean="0"/>
+              <a:rPr lang="en-US" sz="1050"/>
               <a:t>Visualize variance explained</a:t>
             </a:r>
           </a:p>
@@ -3548,7 +3543,7 @@
               <a:buChar char="Ø"/>
             </a:pPr>
             <a:r>
-              <a:rPr lang="en-US" sz="1050" smtClean="0"/>
+              <a:rPr lang="en-US" sz="1050"/>
               <a:t>Practical issues with PCA</a:t>
             </a:r>
           </a:p>
@@ -3558,7 +3553,7 @@
               <a:buChar char="Ø"/>
             </a:pPr>
             <a:r>
-              <a:rPr lang="en-US" sz="1050" smtClean="0"/>
+              <a:rPr lang="en-US" sz="1050"/>
               <a:t>Practical issues: scaling</a:t>
             </a:r>
           </a:p>
@@ -3568,10 +3563,9 @@
               <a:buChar char="Ø"/>
             </a:pPr>
             <a:r>
-              <a:rPr lang="en-US" sz="1050" smtClean="0"/>
+              <a:rPr lang="en-US" sz="1050"/>
               <a:t>Additional uses of PCA and wrap-up</a:t>
             </a:r>
-            <a:endParaRPr lang="en-US" sz="1050"/>
           </a:p>
           <a:p>
             <a:pPr marL="385763" indent="-385763">
@@ -3579,7 +3573,7 @@
               <a:buAutoNum type="arabicPeriod" startAt="3"/>
             </a:pPr>
             <a:r>
-              <a:rPr lang="en-US" sz="1350" smtClean="0"/>
+              <a:rPr lang="en-US" sz="1350"/>
               <a:t>Putting It All Together with a Case Study</a:t>
             </a:r>
           </a:p>
@@ -3589,7 +3583,7 @@
               <a:buChar char="Ø"/>
             </a:pPr>
             <a:r>
-              <a:rPr lang="en-US" sz="1050" smtClean="0"/>
+              <a:rPr lang="en-US" sz="1050"/>
               <a:t>Introduction to the case study</a:t>
             </a:r>
           </a:p>
@@ -3599,7 +3593,7 @@
               <a:buChar char="Ø"/>
             </a:pPr>
             <a:r>
-              <a:rPr lang="en-US" sz="1050" smtClean="0"/>
+              <a:rPr lang="en-US" sz="1050"/>
               <a:t>Preparing the data</a:t>
             </a:r>
           </a:p>
@@ -3609,7 +3603,7 @@
               <a:buChar char="Ø"/>
             </a:pPr>
             <a:r>
-              <a:rPr lang="en-US" sz="1050" smtClean="0"/>
+              <a:rPr lang="en-US" sz="1050"/>
               <a:t>Exploratory data analysis</a:t>
             </a:r>
           </a:p>
@@ -3619,7 +3613,7 @@
               <a:buChar char="Ø"/>
             </a:pPr>
             <a:r>
-              <a:rPr lang="en-US" sz="1050" smtClean="0"/>
+              <a:rPr lang="en-US" sz="1050"/>
               <a:t>Performing PCA</a:t>
             </a:r>
           </a:p>
@@ -3629,7 +3623,7 @@
               <a:buChar char="Ø"/>
             </a:pPr>
             <a:r>
-              <a:rPr lang="en-US" sz="1050" smtClean="0"/>
+              <a:rPr lang="en-US" sz="1050"/>
               <a:t>Interpreting PCA results</a:t>
             </a:r>
           </a:p>
@@ -3639,7 +3633,7 @@
               <a:buChar char="Ø"/>
             </a:pPr>
             <a:r>
-              <a:rPr lang="en-US" sz="1050" smtClean="0"/>
+              <a:rPr lang="en-US" sz="1050"/>
               <a:t>Variance explained</a:t>
             </a:r>
           </a:p>
@@ -3649,7 +3643,7 @@
               <a:buChar char="Ø"/>
             </a:pPr>
             <a:r>
-              <a:rPr lang="en-US" sz="1050" smtClean="0"/>
+              <a:rPr lang="en-US" sz="1050"/>
               <a:t>Communicating PCA results</a:t>
             </a:r>
           </a:p>
@@ -3659,7 +3653,7 @@
               <a:buChar char="Ø"/>
             </a:pPr>
             <a:r>
-              <a:rPr lang="en-US" sz="1050" smtClean="0"/>
+              <a:rPr lang="en-US" sz="1050"/>
               <a:t>PCA review and next steps</a:t>
             </a:r>
           </a:p>
@@ -3669,7 +3663,7 @@
               <a:buChar char="Ø"/>
             </a:pPr>
             <a:r>
-              <a:rPr lang="en-US" sz="1050" smtClean="0"/>
+              <a:rPr lang="en-US" sz="1050"/>
               <a:t>Hierarchical clustering of case data</a:t>
             </a:r>
           </a:p>
@@ -3679,7 +3673,7 @@
               <a:buChar char="Ø"/>
             </a:pPr>
             <a:r>
-              <a:rPr lang="en-US" sz="1050" smtClean="0"/>
+              <a:rPr lang="en-US" sz="1050"/>
               <a:t>Results of hierarchical clustering</a:t>
             </a:r>
           </a:p>
@@ -3689,7 +3683,7 @@
               <a:buChar char="Ø"/>
             </a:pPr>
             <a:r>
-              <a:rPr lang="en-US" sz="1050" smtClean="0"/>
+              <a:rPr lang="en-US" sz="1050"/>
               <a:t>Selecting number of clusters</a:t>
             </a:r>
           </a:p>
@@ -3699,7 +3693,7 @@
               <a:buChar char="Ø"/>
             </a:pPr>
             <a:r>
-              <a:rPr lang="en-US" sz="1050" smtClean="0"/>
+              <a:rPr lang="en-US" sz="1050"/>
               <a:t>k-means clustering and comparing results</a:t>
             </a:r>
           </a:p>
@@ -3709,7 +3703,7 @@
               <a:buChar char="Ø"/>
             </a:pPr>
             <a:r>
-              <a:rPr lang="en-US" sz="1050" smtClean="0"/>
+              <a:rPr lang="en-US" sz="1050"/>
               <a:t>Cluster on PCA results</a:t>
             </a:r>
           </a:p>
@@ -3719,7 +3713,7 @@
               <a:buChar char="Ø"/>
             </a:pPr>
             <a:r>
-              <a:rPr lang="en-US" sz="1050" smtClean="0"/>
+              <a:rPr lang="en-US" sz="1050"/>
               <a:t>Wrap-up and review</a:t>
             </a:r>
             <a:endParaRPr lang="en-US" sz="1050" dirty="0"/>
@@ -3779,7 +3773,7 @@
           <a:lstStyle/>
           <a:p>
             <a:r>
-              <a:rPr lang="en-US" smtClean="0">
+              <a:rPr lang="en-US">
                 <a:latin typeface="+mn-lt"/>
               </a:rPr>
               <a:t>Discussion</a:t>
@@ -3816,7 +3810,7 @@
               <a:buNone/>
             </a:pPr>
             <a:r>
-              <a:rPr lang="en-US" sz="1200" smtClean="0"/>
+              <a:rPr lang="en-US" sz="1200" dirty="0"/>
               <a:t>Many times in ML, the goals is to find patterns in data without trying to make predictions – this is referred to as unsupervised learning. More specifically, this course focuses on clustering and dimensionality reduction.</a:t>
             </a:r>
           </a:p>
@@ -3825,7 +3819,7 @@
               <a:buNone/>
             </a:pPr>
             <a:r>
-              <a:rPr lang="en-US" sz="1200" smtClean="0"/>
+              <a:rPr lang="en-US" sz="1200" dirty="0"/>
               <a:t>There are two primary goals of unsupervised learning:</a:t>
             </a:r>
           </a:p>
@@ -3834,7 +3828,7 @@
               <a:buNone/>
             </a:pPr>
             <a:r>
-              <a:rPr lang="en-US" sz="1200" smtClean="0"/>
+              <a:rPr lang="en-US" sz="1200" dirty="0"/>
               <a:t>	Find homogenous subgroups within larger group</a:t>
             </a:r>
           </a:p>
@@ -3843,34 +3837,22 @@
               <a:buNone/>
             </a:pPr>
             <a:r>
-              <a:rPr lang="en-US" sz="1200"/>
-              <a:t>	</a:t>
-            </a:r>
-            <a:r>
-              <a:rPr lang="en-US" sz="1200" smtClean="0"/>
-              <a:t>Find </a:t>
-            </a:r>
-            <a:r>
-              <a:rPr lang="en-US" sz="1200" smtClean="0"/>
-              <a:t>patterns </a:t>
-            </a:r>
-            <a:r>
-              <a:rPr lang="en-US" sz="1200" smtClean="0"/>
-              <a:t>in the features of the data (dimensionality reduction is one way to do this)</a:t>
+              <a:rPr lang="en-US" sz="1200" dirty="0"/>
+              <a:t>	Find patterns in the features of the data (dimensionality reduction is one way to do this)</a:t>
             </a:r>
           </a:p>
           <a:p>
             <a:pPr marL="460375" indent="-460375">
               <a:buNone/>
             </a:pPr>
-            <a:endParaRPr lang="en-US" sz="1200"/>
+            <a:endParaRPr lang="en-US" sz="1200" dirty="0"/>
           </a:p>
           <a:p>
             <a:pPr marL="460375" indent="-460375">
               <a:buNone/>
             </a:pPr>
             <a:r>
-              <a:rPr lang="en-US" sz="1200" smtClean="0"/>
+              <a:rPr lang="en-US" sz="1200" dirty="0"/>
               <a:t>There are three primary goals of dimensionality reduction:</a:t>
             </a:r>
           </a:p>
@@ -3879,12 +3861,8 @@
               <a:buNone/>
             </a:pPr>
             <a:r>
-              <a:rPr lang="en-US" sz="1200"/>
-              <a:t>	</a:t>
-            </a:r>
-            <a:r>
-              <a:rPr lang="en-US" sz="1200" smtClean="0"/>
-              <a:t>Find patters in the features of the data</a:t>
+              <a:rPr lang="en-US" sz="1200" dirty="0"/>
+              <a:t>	Find patters in the features of the data</a:t>
             </a:r>
           </a:p>
           <a:p>
@@ -3892,12 +3870,8 @@
               <a:buNone/>
             </a:pPr>
             <a:r>
-              <a:rPr lang="en-US" sz="1200"/>
-              <a:t>	</a:t>
-            </a:r>
-            <a:r>
-              <a:rPr lang="en-US" sz="1200" smtClean="0"/>
-              <a:t>Visualization of high dimensional data</a:t>
+              <a:rPr lang="en-US" sz="1200" dirty="0"/>
+              <a:t>	Visualization of high dimensional data</a:t>
             </a:r>
           </a:p>
           <a:p>
@@ -3905,26 +3879,22 @@
               <a:buNone/>
             </a:pPr>
             <a:r>
-              <a:rPr lang="en-US" sz="1200"/>
-              <a:t>	</a:t>
-            </a:r>
-            <a:r>
-              <a:rPr lang="en-US" sz="1200" smtClean="0"/>
-              <a:t>Pre-processing before supervised learning</a:t>
+              <a:rPr lang="en-US" sz="1200" dirty="0"/>
+              <a:t>	Pre-processing before supervised learning</a:t>
             </a:r>
           </a:p>
           <a:p>
             <a:pPr marL="460375" indent="-460375">
               <a:buNone/>
             </a:pPr>
-            <a:endParaRPr lang="en-US" sz="1200"/>
+            <a:endParaRPr lang="en-US" sz="1200" dirty="0"/>
           </a:p>
           <a:p>
             <a:pPr marL="460375" indent="-460375">
               <a:buNone/>
             </a:pPr>
             <a:r>
-              <a:rPr lang="en-US" sz="1200" smtClean="0"/>
+              <a:rPr lang="en-US" sz="1200" dirty="0"/>
               <a:t>Challenges and benefits of unsupervised learning:</a:t>
             </a:r>
           </a:p>
@@ -3933,12 +3903,16 @@
               <a:buNone/>
             </a:pPr>
             <a:r>
-              <a:rPr lang="en-US" sz="1200"/>
-              <a:t>	</a:t>
-            </a:r>
-            <a:r>
-              <a:rPr lang="en-US" sz="1200" smtClean="0"/>
-              <a:t>No signle goal of the analysis</a:t>
+              <a:rPr lang="en-US" sz="1200" dirty="0"/>
+              <a:t>	No </a:t>
+            </a:r>
+            <a:r>
+              <a:rPr lang="en-US" sz="1200" dirty="0" err="1"/>
+              <a:t>signle</a:t>
+            </a:r>
+            <a:r>
+              <a:rPr lang="en-US" sz="1200" dirty="0"/>
+              <a:t> goal of the analysis</a:t>
             </a:r>
           </a:p>
           <a:p>
@@ -3946,12 +3920,8 @@
               <a:buNone/>
             </a:pPr>
             <a:r>
-              <a:rPr lang="en-US" sz="1200"/>
-              <a:t>	</a:t>
-            </a:r>
-            <a:r>
-              <a:rPr lang="en-US" sz="1200" smtClean="0"/>
-              <a:t>Requires more creativity</a:t>
+              <a:rPr lang="en-US" sz="1200" dirty="0"/>
+              <a:t>	Requires more creativity</a:t>
             </a:r>
           </a:p>
           <a:p>
@@ -3959,14 +3929,9 @@
               <a:buNone/>
             </a:pPr>
             <a:r>
-              <a:rPr lang="en-US" sz="1200"/>
-              <a:t>	</a:t>
-            </a:r>
-            <a:r>
-              <a:rPr lang="en-US" sz="1200" smtClean="0"/>
-              <a:t>Much more unlabeled data available than cleanly labels data</a:t>
-            </a:r>
-            <a:endParaRPr lang="en-US" sz="1200"/>
+              <a:rPr lang="en-US" sz="1200" dirty="0"/>
+              <a:t>	Much more unlabeled data available than cleanly labels data</a:t>
+            </a:r>
           </a:p>
         </p:txBody>
       </p:sp>
@@ -4029,7 +3994,7 @@
           <a:lstStyle/>
           <a:p>
             <a:r>
-              <a:rPr lang="en-US" sz="1050" smtClean="0">
+              <a:rPr lang="en-US" sz="1050">
                 <a:latin typeface="Consolas" panose="020B0609020204030204" pitchFamily="49" charset="0"/>
               </a:rPr>
               <a:t>km.out &lt;- kmeans(x, centers = 3, nstart = 20)</a:t>
@@ -4042,7 +4007,7 @@
           </a:p>
           <a:p>
             <a:r>
-              <a:rPr lang="en-US" sz="1050" smtClean="0">
+              <a:rPr lang="en-US" sz="1050">
                 <a:latin typeface="Consolas" panose="020B0609020204030204" pitchFamily="49" charset="0"/>
               </a:rPr>
               <a:t>summary(km.out)</a:t>
@@ -4055,7 +4020,7 @@
           </a:p>
           <a:p>
             <a:r>
-              <a:rPr lang="en-US" sz="1050" smtClean="0">
+              <a:rPr lang="en-US" sz="1050">
                 <a:latin typeface="Consolas" panose="020B0609020204030204" pitchFamily="49" charset="0"/>
               </a:rPr>
               <a:t>print(km.out$cluster)</a:t>
@@ -4068,16 +4033,10 @@
           </a:p>
           <a:p>
             <a:r>
-              <a:rPr lang="en-US" sz="1050" smtClean="0">
-                <a:latin typeface="Consolas" panose="020B0609020204030204" pitchFamily="49" charset="0"/>
-              </a:rPr>
-              <a:t>print(km.out</a:t>
-            </a:r>
-            <a:r>
-              <a:rPr lang="en-US" sz="1050" smtClean="0">
-                <a:latin typeface="Consolas" panose="020B0609020204030204" pitchFamily="49" charset="0"/>
-              </a:rPr>
-              <a:t>)</a:t>
+              <a:rPr lang="en-US" sz="1050">
+                <a:latin typeface="Consolas" panose="020B0609020204030204" pitchFamily="49" charset="0"/>
+              </a:rPr>
+              <a:t>print(km.out)</a:t>
             </a:r>
           </a:p>
           <a:p>
@@ -4086,62 +4045,37 @@
             </a:endParaRPr>
           </a:p>
           <a:p>
-            <a:endParaRPr lang="en-US" sz="1050" smtClean="0">
-              <a:latin typeface="Consolas" panose="020B0609020204030204" pitchFamily="49" charset="0"/>
-            </a:endParaRPr>
-          </a:p>
-          <a:p>
             <a:endParaRPr lang="en-US" sz="1050">
               <a:latin typeface="Consolas" panose="020B0609020204030204" pitchFamily="49" charset="0"/>
             </a:endParaRPr>
           </a:p>
           <a:p>
-            <a:r>
-              <a:rPr lang="en-US" sz="1050" smtClean="0">
-                <a:latin typeface="Consolas" panose="020B0609020204030204" pitchFamily="49" charset="0"/>
-              </a:rPr>
-              <a:t>plot(x, col = km.out$cluster,</a:t>
-            </a:r>
-          </a:p>
-          <a:p>
-            <a:r>
-              <a:rPr lang="en-US" sz="1050">
-                <a:latin typeface="Consolas" panose="020B0609020204030204" pitchFamily="49" charset="0"/>
-              </a:rPr>
-              <a:t>	</a:t>
-            </a:r>
-            <a:r>
-              <a:rPr lang="en-US" sz="1050" smtClean="0">
-                <a:latin typeface="Consolas" panose="020B0609020204030204" pitchFamily="49" charset="0"/>
-              </a:rPr>
-              <a:t>main = “k-means with 3 clusters,</a:t>
-            </a:r>
-          </a:p>
-          <a:p>
-            <a:r>
-              <a:rPr lang="en-US" sz="1050">
-                <a:latin typeface="Consolas" panose="020B0609020204030204" pitchFamily="49" charset="0"/>
-              </a:rPr>
-              <a:t>	</a:t>
-            </a:r>
-            <a:r>
-              <a:rPr lang="en-US" sz="1050" smtClean="0">
-                <a:latin typeface="Consolas" panose="020B0609020204030204" pitchFamily="49" charset="0"/>
-              </a:rPr>
-              <a:t>xlab = “”, ylab = “”)</a:t>
-            </a:r>
-          </a:p>
-          <a:p>
             <a:endParaRPr lang="en-US" sz="1050">
               <a:latin typeface="Consolas" panose="020B0609020204030204" pitchFamily="49" charset="0"/>
             </a:endParaRPr>
           </a:p>
           <a:p>
             <a:r>
-              <a:rPr lang="en-US" sz="1050" smtClean="0">
-                <a:latin typeface="Consolas" panose="020B0609020204030204" pitchFamily="49" charset="0"/>
-              </a:rPr>
-              <a:t>par(mfrow = c(2, 3))</a:t>
+              <a:rPr lang="en-US" sz="1050">
+                <a:latin typeface="Consolas" panose="020B0609020204030204" pitchFamily="49" charset="0"/>
+              </a:rPr>
+              <a:t>plot(x, col = km.out$cluster,</a:t>
+            </a:r>
+          </a:p>
+          <a:p>
+            <a:r>
+              <a:rPr lang="en-US" sz="1050">
+                <a:latin typeface="Consolas" panose="020B0609020204030204" pitchFamily="49" charset="0"/>
+              </a:rPr>
+              <a:t>	main = “k-means with 3 clusters,</a:t>
+            </a:r>
+          </a:p>
+          <a:p>
+            <a:r>
+              <a:rPr lang="en-US" sz="1050">
+                <a:latin typeface="Consolas" panose="020B0609020204030204" pitchFamily="49" charset="0"/>
+              </a:rPr>
+              <a:t>	xlab = “”, ylab = “”)</a:t>
             </a:r>
           </a:p>
           <a:p>
@@ -4151,10 +4085,10 @@
           </a:p>
           <a:p>
             <a:r>
-              <a:rPr lang="en-US" sz="1050" smtClean="0">
-                <a:latin typeface="Consolas" panose="020B0609020204030204" pitchFamily="49" charset="0"/>
-              </a:rPr>
-              <a:t>set.set(1)</a:t>
+              <a:rPr lang="en-US" sz="1050">
+                <a:latin typeface="Consolas" panose="020B0609020204030204" pitchFamily="49" charset="0"/>
+              </a:rPr>
+              <a:t>par(mfrow = c(2, 3))</a:t>
             </a:r>
           </a:p>
           <a:p>
@@ -4164,24 +4098,10 @@
           </a:p>
           <a:p>
             <a:r>
-              <a:rPr lang="en-US" sz="1050" smtClean="0">
-                <a:latin typeface="Consolas" panose="020B0609020204030204" pitchFamily="49" charset="0"/>
-              </a:rPr>
-              <a:t>for (i in 1:6) {</a:t>
-            </a:r>
-          </a:p>
-          <a:p>
-            <a:r>
               <a:rPr lang="en-US" sz="1050">
                 <a:latin typeface="Consolas" panose="020B0609020204030204" pitchFamily="49" charset="0"/>
               </a:rPr>
-              <a:t>	</a:t>
-            </a:r>
-            <a:r>
-              <a:rPr lang="en-US" sz="1050" smtClean="0">
-                <a:latin typeface="Consolas" panose="020B0609020204030204" pitchFamily="49" charset="0"/>
-              </a:rPr>
-              <a:t>km.out &lt;- kmeans(x, centers = 3, start = 1, iter.max = 50)</a:t>
+              <a:t>set.set(1)</a:t>
             </a:r>
           </a:p>
           <a:p>
@@ -4191,24 +4111,10 @@
           </a:p>
           <a:p>
             <a:r>
-              <a:rPr lang="en-US" sz="1050" smtClean="0">
-                <a:latin typeface="Consolas" panose="020B0609020204030204" pitchFamily="49" charset="0"/>
-              </a:rPr>
-              <a:t>	plot(x, col = km.out$cluster,</a:t>
-            </a:r>
-          </a:p>
-          <a:p>
-            <a:r>
               <a:rPr lang="en-US" sz="1050">
                 <a:latin typeface="Consolas" panose="020B0609020204030204" pitchFamily="49" charset="0"/>
               </a:rPr>
-              <a:t>	</a:t>
-            </a:r>
-            <a:r>
-              <a:rPr lang="en-US" sz="1050" smtClean="0">
-                <a:latin typeface="Consolas" panose="020B0609020204030204" pitchFamily="49" charset="0"/>
-              </a:rPr>
-              <a:t>	main = km.out$tot.withinss,</a:t>
+              <a:t>for (i in 1:6) {</a:t>
             </a:r>
           </a:p>
           <a:p>
@@ -4216,21 +4122,7 @@
               <a:rPr lang="en-US" sz="1050">
                 <a:latin typeface="Consolas" panose="020B0609020204030204" pitchFamily="49" charset="0"/>
               </a:rPr>
-              <a:t>	</a:t>
-            </a:r>
-            <a:r>
-              <a:rPr lang="en-US" sz="1050" smtClean="0">
-                <a:latin typeface="Consolas" panose="020B0609020204030204" pitchFamily="49" charset="0"/>
-              </a:rPr>
-              <a:t>	xlab = “”, ylab = “”)</a:t>
-            </a:r>
-          </a:p>
-          <a:p>
-            <a:r>
-              <a:rPr lang="en-US" sz="1050" smtClean="0">
-                <a:latin typeface="Consolas" panose="020B0609020204030204" pitchFamily="49" charset="0"/>
-              </a:rPr>
-              <a:t>}</a:t>
+              <a:t>	km.out &lt;- kmeans(x, centers = 3, start = 1, iter.max = 50)</a:t>
             </a:r>
           </a:p>
           <a:p>
@@ -4239,16 +4131,35 @@
             </a:endParaRPr>
           </a:p>
           <a:p>
-            <a:endParaRPr lang="en-US" sz="1050" smtClean="0">
-              <a:latin typeface="Consolas" panose="020B0609020204030204" pitchFamily="49" charset="0"/>
-            </a:endParaRPr>
-          </a:p>
-          <a:p>
-            <a:r>
-              <a:rPr lang="en-US" sz="1050" smtClean="0">
-                <a:latin typeface="Consolas" panose="020B0609020204030204" pitchFamily="49" charset="0"/>
-              </a:rPr>
-              <a:t>wss &lt;- 0</a:t>
+            <a:r>
+              <a:rPr lang="en-US" sz="1050">
+                <a:latin typeface="Consolas" panose="020B0609020204030204" pitchFamily="49" charset="0"/>
+              </a:rPr>
+              <a:t>	plot(x, col = km.out$cluster,</a:t>
+            </a:r>
+          </a:p>
+          <a:p>
+            <a:r>
+              <a:rPr lang="en-US" sz="1050">
+                <a:latin typeface="Consolas" panose="020B0609020204030204" pitchFamily="49" charset="0"/>
+              </a:rPr>
+              <a:t>		main = km.out$tot.withinss,</a:t>
+            </a:r>
+          </a:p>
+          <a:p>
+            <a:r>
+              <a:rPr lang="en-US" sz="1050">
+                <a:latin typeface="Consolas" panose="020B0609020204030204" pitchFamily="49" charset="0"/>
+              </a:rPr>
+              <a:t>		xlab = “”, ylab = “”)</a:t>
+            </a:r>
+          </a:p>
+          <a:p>
+            <a:r>
+              <a:rPr lang="en-US" sz="1050">
+                <a:latin typeface="Consolas" panose="020B0609020204030204" pitchFamily="49" charset="0"/>
+              </a:rPr>
+              <a:t>}</a:t>
             </a:r>
           </a:p>
           <a:p>
@@ -4257,57 +4168,63 @@
             </a:endParaRPr>
           </a:p>
           <a:p>
-            <a:r>
-              <a:rPr lang="en-US" sz="1050" smtClean="0">
-                <a:latin typeface="Consolas" panose="020B0609020204030204" pitchFamily="49" charset="0"/>
-              </a:rPr>
-              <a:t>for (i in 1:15) {</a:t>
-            </a:r>
-          </a:p>
-          <a:p>
-            <a:r>
-              <a:rPr lang="en-US" sz="1050">
-                <a:latin typeface="Consolas" panose="020B0609020204030204" pitchFamily="49" charset="0"/>
-              </a:rPr>
-              <a:t>	</a:t>
-            </a:r>
-            <a:r>
-              <a:rPr lang="en-US" sz="1050" smtClean="0">
-                <a:latin typeface="Consolas" panose="020B0609020204030204" pitchFamily="49" charset="0"/>
-              </a:rPr>
-              <a:t>km.out &lt;- kmeans(x, centers = i, nstart = 20)</a:t>
-            </a:r>
-          </a:p>
-          <a:p>
-            <a:r>
-              <a:rPr lang="en-US" sz="1050">
-                <a:latin typeface="Consolas" panose="020B0609020204030204" pitchFamily="49" charset="0"/>
-              </a:rPr>
-              <a:t>	</a:t>
-            </a:r>
-            <a:r>
-              <a:rPr lang="en-US" sz="1050" smtClean="0">
-                <a:latin typeface="Consolas" panose="020B0609020204030204" pitchFamily="49" charset="0"/>
-              </a:rPr>
-              <a:t>wss[i] &lt;- km.out$tot.withinss</a:t>
-            </a:r>
-          </a:p>
-          <a:p>
-            <a:r>
-              <a:rPr lang="en-US" sz="1050" smtClean="0">
-                <a:latin typeface="Consolas" panose="020B0609020204030204" pitchFamily="49" charset="0"/>
-              </a:rPr>
-              <a:t>}</a:t>
-            </a:r>
-          </a:p>
-          <a:p>
             <a:endParaRPr lang="en-US" sz="1050">
               <a:latin typeface="Consolas" panose="020B0609020204030204" pitchFamily="49" charset="0"/>
             </a:endParaRPr>
           </a:p>
           <a:p>
             <a:r>
-              <a:rPr lang="en-US" sz="1050" smtClean="0">
+              <a:rPr lang="en-US" sz="1050">
+                <a:latin typeface="Consolas" panose="020B0609020204030204" pitchFamily="49" charset="0"/>
+              </a:rPr>
+              <a:t>wss &lt;- 0</a:t>
+            </a:r>
+          </a:p>
+          <a:p>
+            <a:endParaRPr lang="en-US" sz="1050">
+              <a:latin typeface="Consolas" panose="020B0609020204030204" pitchFamily="49" charset="0"/>
+            </a:endParaRPr>
+          </a:p>
+          <a:p>
+            <a:r>
+              <a:rPr lang="en-US" sz="1050">
+                <a:latin typeface="Consolas" panose="020B0609020204030204" pitchFamily="49" charset="0"/>
+              </a:rPr>
+              <a:t>for (i in 1:15) {</a:t>
+            </a:r>
+          </a:p>
+          <a:p>
+            <a:r>
+              <a:rPr lang="en-US" sz="1050">
+                <a:latin typeface="Consolas" panose="020B0609020204030204" pitchFamily="49" charset="0"/>
+              </a:rPr>
+              <a:t>	km.out &lt;- kmeans(x, centers = i, nstart = 20)</a:t>
+            </a:r>
+          </a:p>
+          <a:p>
+            <a:r>
+              <a:rPr lang="en-US" sz="1050">
+                <a:latin typeface="Consolas" panose="020B0609020204030204" pitchFamily="49" charset="0"/>
+              </a:rPr>
+              <a:t>	wss[i] &lt;- km.out$tot.withinss</a:t>
+            </a:r>
+          </a:p>
+          <a:p>
+            <a:r>
+              <a:rPr lang="en-US" sz="1050">
+                <a:latin typeface="Consolas" panose="020B0609020204030204" pitchFamily="49" charset="0"/>
+              </a:rPr>
+              <a:t>}</a:t>
+            </a:r>
+          </a:p>
+          <a:p>
+            <a:endParaRPr lang="en-US" sz="1050">
+              <a:latin typeface="Consolas" panose="020B0609020204030204" pitchFamily="49" charset="0"/>
+            </a:endParaRPr>
+          </a:p>
+          <a:p>
+            <a:r>
+              <a:rPr lang="en-US" sz="1050">
                 <a:latin typeface="Consolas" panose="020B0609020204030204" pitchFamily="49" charset="0"/>
               </a:rPr>
               <a:t>plot(1:15, wss, type = “b”,</a:t>
@@ -4318,13 +4235,7 @@
               <a:rPr lang="en-US" sz="1050">
                 <a:latin typeface="Consolas" panose="020B0609020204030204" pitchFamily="49" charset="0"/>
               </a:rPr>
-              <a:t>	</a:t>
-            </a:r>
-            <a:r>
-              <a:rPr lang="en-US" sz="1050" smtClean="0">
-                <a:latin typeface="Consolas" panose="020B0609020204030204" pitchFamily="49" charset="0"/>
-              </a:rPr>
-              <a:t>xlab = “Number of Clusters”,</a:t>
+              <a:t>	xlab = “Number of Clusters”,</a:t>
             </a:r>
           </a:p>
           <a:p>
@@ -4332,13 +4243,7 @@
               <a:rPr lang="en-US" sz="1050">
                 <a:latin typeface="Consolas" panose="020B0609020204030204" pitchFamily="49" charset="0"/>
               </a:rPr>
-              <a:t>	</a:t>
-            </a:r>
-            <a:r>
-              <a:rPr lang="en-US" sz="1050" smtClean="0">
-                <a:latin typeface="Consolas" panose="020B0609020204030204" pitchFamily="49" charset="0"/>
-              </a:rPr>
-              <a:t>ylab = “Within groups sum of squares”)</a:t>
+              <a:t>	ylab = “Within groups sum of squares”)</a:t>
             </a:r>
             <a:endParaRPr lang="en-US" sz="1050" dirty="0">
               <a:latin typeface="Consolas" panose="020B0609020204030204" pitchFamily="49" charset="0"/>
@@ -4364,7 +4269,7 @@
         </p:spPr>
         <p:txBody>
           <a:bodyPr>
-            <a:normAutofit/>
+            <a:normAutofit lnSpcReduction="10000"/>
           </a:bodyPr>
           <a:lstStyle/>
           <a:p>
@@ -4372,7 +4277,7 @@
               <a:buNone/>
             </a:pPr>
             <a:r>
-              <a:rPr lang="en-US" sz="1000" b="1" u="sng" smtClean="0">
+              <a:rPr lang="en-US" sz="1000" b="1" u="sng">
                 <a:solidFill>
                   <a:schemeClr val="accent2">
                     <a:lumMod val="75000"/>
@@ -4390,7 +4295,7 @@
               <a:buNone/>
             </a:pPr>
             <a:r>
-              <a:rPr lang="en-US" sz="1000" smtClean="0">
+              <a:rPr lang="en-US" sz="1000">
                 <a:solidFill>
                   <a:schemeClr val="accent2">
                     <a:lumMod val="75000"/>
@@ -4408,7 +4313,7 @@
               <a:buNone/>
             </a:pPr>
             <a:r>
-              <a:rPr lang="en-US" sz="1000" smtClean="0">
+              <a:rPr lang="en-US" sz="1000">
                 <a:solidFill>
                   <a:schemeClr val="accent2">
                     <a:lumMod val="75000"/>
@@ -4417,13 +4322,6 @@
               </a:rPr>
               <a:t>betweenss, size, iter, ifault</a:t>
             </a:r>
-            <a:endParaRPr lang="en-US" sz="1000">
-              <a:solidFill>
-                <a:schemeClr val="accent2">
-                  <a:lumMod val="75000"/>
-                </a:schemeClr>
-              </a:solidFill>
-            </a:endParaRPr>
           </a:p>
         </p:txBody>
       </p:sp>
@@ -4495,7 +4393,7 @@
               </a:spcAft>
             </a:pPr>
             <a:r>
-              <a:rPr lang="en-US" sz="1100" b="1" u="sng" smtClean="0"/>
+              <a:rPr lang="en-US" sz="1100" b="1" u="sng"/>
               <a:t>Data Challenges</a:t>
             </a:r>
           </a:p>
@@ -4505,7 +4403,7 @@
               <a:buChar char="Ø"/>
             </a:pPr>
             <a:r>
-              <a:rPr lang="en-US" sz="1100" smtClean="0"/>
+              <a:rPr lang="en-US" sz="1100"/>
               <a:t>Selecting the variables to cluster upon</a:t>
             </a:r>
           </a:p>
@@ -4515,7 +4413,7 @@
               <a:buChar char="Ø"/>
             </a:pPr>
             <a:r>
-              <a:rPr lang="en-US" sz="1100" smtClean="0"/>
+              <a:rPr lang="en-US" sz="1100"/>
               <a:t>Scaling the data</a:t>
             </a:r>
           </a:p>
@@ -4525,7 +4423,7 @@
               <a:buChar char="Ø"/>
             </a:pPr>
             <a:r>
-              <a:rPr lang="en-US" sz="1100" smtClean="0"/>
+              <a:rPr lang="en-US" sz="1100"/>
               <a:t>Determining the number of clusters</a:t>
             </a:r>
           </a:p>
@@ -4535,7 +4433,7 @@
               <a:buChar char="Ø"/>
             </a:pPr>
             <a:r>
-              <a:rPr lang="en-US" sz="1100" smtClean="0"/>
+              <a:rPr lang="en-US" sz="1100"/>
               <a:t>Visualize the results for interpretation</a:t>
             </a:r>
           </a:p>
@@ -4606,17 +4504,16 @@
           <a:p>
             <a:pPr algn="ctr"/>
             <a:r>
-              <a:rPr lang="en-US" sz="900" smtClean="0"/>
+              <a:rPr lang="en-US" sz="900"/>
               <a:t>sum of the squared (Euclidean) distance for each observation with each cluster</a:t>
             </a:r>
           </a:p>
           <a:p>
             <a:pPr algn="ctr"/>
             <a:r>
-              <a:rPr lang="en-US" sz="900" smtClean="0"/>
+              <a:rPr lang="en-US" sz="900"/>
               <a:t>best outcome is the minimum of this metric</a:t>
             </a:r>
-            <a:endParaRPr lang="en-US" sz="900"/>
           </a:p>
         </p:txBody>
       </p:sp>
@@ -4674,7 +4571,7 @@
           <a:p>
             <a:pPr algn="r"/>
             <a:r>
-              <a:rPr lang="en-US" sz="800" smtClean="0">
+              <a:rPr lang="en-US" sz="800" dirty="0">
                 <a:solidFill>
                   <a:schemeClr val="accent1">
                     <a:lumMod val="60000"/>
@@ -4685,15 +4582,6 @@
               </a:rPr>
               <a:t>Unsupervised Learning in R</a:t>
             </a:r>
-            <a:endParaRPr lang="en-US" sz="800" dirty="0">
-              <a:solidFill>
-                <a:schemeClr val="accent1">
-                  <a:lumMod val="60000"/>
-                  <a:lumOff val="40000"/>
-                </a:schemeClr>
-              </a:solidFill>
-              <a:latin typeface="Consolas" panose="020B0609020204030204" pitchFamily="49" charset="0"/>
-            </a:endParaRPr>
           </a:p>
         </p:txBody>
       </p:sp>
@@ -4725,7 +4613,7 @@
               </a:spcAft>
             </a:pPr>
             <a:r>
-              <a:rPr lang="en-US" sz="1100" b="1" u="sng" smtClean="0"/>
+              <a:rPr lang="en-US" sz="1100" b="1" u="sng"/>
               <a:t>Model Selection</a:t>
             </a:r>
           </a:p>
@@ -4735,7 +4623,7 @@
               <a:buChar char="Ø"/>
             </a:pPr>
             <a:r>
-              <a:rPr lang="en-US" sz="1100" smtClean="0"/>
+              <a:rPr lang="en-US" sz="1100"/>
               <a:t>k-means has a random component</a:t>
             </a:r>
           </a:p>
@@ -4745,7 +4633,7 @@
               <a:buChar char="Ø"/>
             </a:pPr>
             <a:r>
-              <a:rPr lang="en-US" sz="1100" smtClean="0"/>
+              <a:rPr lang="en-US" sz="1100"/>
               <a:t>best outcome is based on total within cluster sum of squares</a:t>
             </a:r>
           </a:p>
@@ -4761,7 +4649,7 @@
               <a:buFont typeface="Wingdings" panose="05000000000000000000" pitchFamily="2" charset="2"/>
               <a:buChar char="Ø"/>
             </a:pPr>
-            <a:endParaRPr lang="en-US" sz="1100" smtClean="0"/>
+            <a:endParaRPr lang="en-US" sz="1100"/>
           </a:p>
           <a:p>
             <a:pPr marL="285750" indent="-285750">
@@ -4775,7 +4663,7 @@
               <a:buFont typeface="Wingdings" panose="05000000000000000000" pitchFamily="2" charset="2"/>
               <a:buChar char="Ø"/>
             </a:pPr>
-            <a:endParaRPr lang="en-US" sz="1100" smtClean="0"/>
+            <a:endParaRPr lang="en-US" sz="1100"/>
           </a:p>
           <a:p>
             <a:pPr marL="285750" indent="-285750">
@@ -4783,7 +4671,7 @@
               <a:buChar char="Ø"/>
             </a:pPr>
             <a:r>
-              <a:rPr lang="en-US" sz="1100" smtClean="0"/>
+              <a:rPr lang="en-US" sz="1100"/>
               <a:t>If you don’t know the number of clusters in advance and need to determine it, you’ll have to run the algorithm multiple times with differing number of clusters. From these iterations, you can observe how model quality changes with the number of clusters. A scree plot is used for this purpose.</a:t>
             </a:r>
           </a:p>
@@ -4845,56 +4733,6 @@
       </p:grpSpPr>
       <p:sp>
         <p:nvSpPr>
-          <p:cNvPr id="4" name="Content Placeholder 3"/>
-          <p:cNvSpPr>
-            <a:spLocks noGrp="1"/>
-          </p:cNvSpPr>
-          <p:nvPr>
-            <p:ph sz="half" idx="1"/>
-          </p:nvPr>
-        </p:nvSpPr>
-        <p:spPr>
-          <a:xfrm>
-            <a:off x="411873" y="500654"/>
-            <a:ext cx="2749680" cy="284405"/>
-          </a:xfrm>
-        </p:spPr>
-        <p:txBody>
-          <a:bodyPr>
-            <a:normAutofit/>
-          </a:bodyPr>
-          <a:lstStyle/>
-          <a:p>
-            <a:pPr marL="0" indent="0">
-              <a:buNone/>
-            </a:pPr>
-            <a:r>
-              <a:rPr lang="en-US" sz="1050" b="1">
-                <a:solidFill>
-                  <a:schemeClr val="accent2">
-                    <a:lumMod val="75000"/>
-                  </a:schemeClr>
-                </a:solidFill>
-              </a:rPr>
-              <a:t>grade is a data frame</a:t>
-            </a:r>
-          </a:p>
-          <a:p>
-            <a:pPr marL="0" indent="0">
-              <a:buNone/>
-            </a:pPr>
-            <a:endParaRPr lang="en-US" sz="1050" b="1">
-              <a:solidFill>
-                <a:schemeClr val="accent2">
-                  <a:lumMod val="75000"/>
-                </a:schemeClr>
-              </a:solidFill>
-            </a:endParaRPr>
-          </a:p>
-        </p:txBody>
-      </p:sp>
-      <p:sp>
-        <p:nvSpPr>
           <p:cNvPr id="11" name="TextBox 10">
             <a:extLst>
               <a:ext uri="{FF2B5EF4-FFF2-40B4-BE49-F238E27FC236}">
@@ -4907,8 +4745,8 @@
         </p:nvSpPr>
         <p:spPr>
           <a:xfrm>
-            <a:off x="411873" y="917837"/>
-            <a:ext cx="5002809" cy="4778231"/>
+            <a:off x="457163" y="908459"/>
+            <a:ext cx="5125121" cy="3970318"/>
           </a:xfrm>
           <a:prstGeom prst="rect">
             <a:avLst/>
@@ -4916,1963 +4754,65 @@
           <a:noFill/>
         </p:spPr>
         <p:txBody>
-          <a:bodyPr wrap="square" rtlCol="0">
+          <a:bodyPr wrap="none" rtlCol="0">
             <a:spAutoFit/>
           </a:bodyPr>
           <a:lstStyle/>
           <a:p>
             <a:r>
-              <a:rPr lang="en-US" sz="1050">
-                <a:latin typeface="Consolas" panose="020B0609020204030204" pitchFamily="49" charset="0"/>
-              </a:rPr>
-              <a:t>set.seed(1)</a:t>
-            </a:r>
-          </a:p>
-          <a:p>
-            <a:r>
-              <a:rPr lang="en-US" sz="1050">
-                <a:latin typeface="Consolas" panose="020B0609020204030204" pitchFamily="49" charset="0"/>
-              </a:rPr>
-              <a:t>assignment &lt;- sample(1:3, size = nrow(grade), prob = c(0.7, 0.15, 0.15), replace = TRUE)</a:t>
-            </a:r>
-          </a:p>
-          <a:p>
-            <a:endParaRPr lang="en-US" sz="1050">
-              <a:latin typeface="Consolas" panose="020B0609020204030204" pitchFamily="49" charset="0"/>
-            </a:endParaRPr>
-          </a:p>
-          <a:p>
-            <a:r>
-              <a:rPr lang="en-US" sz="1050">
-                <a:latin typeface="Consolas" panose="020B0609020204030204" pitchFamily="49" charset="0"/>
-              </a:rPr>
-              <a:t>grade_train &lt;- grade[assignment == 1, ]</a:t>
-            </a:r>
-          </a:p>
-          <a:p>
-            <a:r>
-              <a:rPr lang="en-US" sz="1050">
-                <a:latin typeface="Consolas" panose="020B0609020204030204" pitchFamily="49" charset="0"/>
-              </a:rPr>
-              <a:t>grade_valid &lt;- grade[assignment == 2, ]</a:t>
-            </a:r>
-          </a:p>
-          <a:p>
-            <a:r>
-              <a:rPr lang="en-US" sz="1050">
-                <a:latin typeface="Consolas" panose="020B0609020204030204" pitchFamily="49" charset="0"/>
-              </a:rPr>
-              <a:t>grade_test &lt;- grade[assignment == 3, ]</a:t>
-            </a:r>
-          </a:p>
-          <a:p>
-            <a:endParaRPr lang="en-US" sz="1050">
-              <a:latin typeface="Consolas" panose="020B0609020204030204" pitchFamily="49" charset="0"/>
-            </a:endParaRPr>
-          </a:p>
-          <a:p>
-            <a:r>
-              <a:rPr lang="en-US" sz="1050">
-                <a:latin typeface="Consolas" panose="020B0609020204030204" pitchFamily="49" charset="0"/>
-              </a:rPr>
-              <a:t>grade_model &lt;- rpart(formula = final_grade ~ .,</a:t>
-            </a:r>
-          </a:p>
-          <a:p>
-            <a:r>
-              <a:rPr lang="en-US" sz="1050">
-                <a:latin typeface="Consolas" panose="020B0609020204030204" pitchFamily="49" charset="0"/>
-              </a:rPr>
-              <a:t>			   data = grade_train,</a:t>
-            </a:r>
-          </a:p>
-          <a:p>
-            <a:r>
-              <a:rPr lang="en-US" sz="1050">
-                <a:latin typeface="Consolas" panose="020B0609020204030204" pitchFamily="49" charset="0"/>
-              </a:rPr>
-              <a:t>			   method = “anova”)</a:t>
-            </a:r>
-          </a:p>
-          <a:p>
-            <a:endParaRPr lang="en-US" sz="1050">
-              <a:latin typeface="Consolas" panose="020B0609020204030204" pitchFamily="49" charset="0"/>
-            </a:endParaRPr>
-          </a:p>
-          <a:p>
-            <a:r>
-              <a:rPr lang="en-US" sz="1050">
-                <a:latin typeface="Consolas" panose="020B0609020204030204" pitchFamily="49" charset="0"/>
-              </a:rPr>
-              <a:t>rpart.plot(x = grade_model, yesno = 2, type = 0, extra = 0)</a:t>
-            </a:r>
-          </a:p>
-          <a:p>
-            <a:endParaRPr lang="en-US" sz="1050">
-              <a:latin typeface="Consolas" panose="020B0609020204030204" pitchFamily="49" charset="0"/>
-            </a:endParaRPr>
-          </a:p>
-          <a:p>
-            <a:endParaRPr lang="en-US" sz="1050">
-              <a:latin typeface="Consolas" panose="020B0609020204030204" pitchFamily="49" charset="0"/>
-            </a:endParaRPr>
-          </a:p>
-          <a:p>
-            <a:r>
-              <a:rPr lang="en-US" sz="1050">
-                <a:latin typeface="Consolas" panose="020B0609020204030204" pitchFamily="49" charset="0"/>
-              </a:rPr>
-              <a:t>grade_pred &lt;- predict(object = grade_model, newdata = grade_test)</a:t>
-            </a:r>
-          </a:p>
-          <a:p>
-            <a:endParaRPr lang="en-US" sz="1050">
-              <a:latin typeface="Consolas" panose="020B0609020204030204" pitchFamily="49" charset="0"/>
-            </a:endParaRPr>
-          </a:p>
-          <a:p>
-            <a:r>
-              <a:rPr lang="en-US" sz="1050">
-                <a:latin typeface="Consolas" panose="020B0609020204030204" pitchFamily="49" charset="0"/>
-              </a:rPr>
-              <a:t>library(Metrics)</a:t>
-            </a:r>
-          </a:p>
-          <a:p>
-            <a:r>
-              <a:rPr lang="en-US" sz="1050">
-                <a:latin typeface="Consolas" panose="020B0609020204030204" pitchFamily="49" charset="0"/>
-              </a:rPr>
-              <a:t>rmse(actual = grade_test$final_grade, predicted = grade_pred)</a:t>
-            </a:r>
-          </a:p>
-          <a:p>
-            <a:endParaRPr lang="en-US" sz="1050">
-              <a:latin typeface="Consolas" panose="020B0609020204030204" pitchFamily="49" charset="0"/>
-            </a:endParaRPr>
-          </a:p>
-          <a:p>
-            <a:r>
-              <a:rPr lang="en-US" sz="1050">
-                <a:latin typeface="Consolas" panose="020B0609020204030204" pitchFamily="49" charset="0"/>
-              </a:rPr>
-              <a:t>plotcp(grade_model)			print(grade_model$cptable)</a:t>
-            </a:r>
-          </a:p>
-          <a:p>
-            <a:endParaRPr lang="en-US" sz="1050">
-              <a:latin typeface="Consolas" panose="020B0609020204030204" pitchFamily="49" charset="0"/>
-            </a:endParaRPr>
-          </a:p>
-          <a:p>
-            <a:r>
-              <a:rPr lang="en-US" sz="1050">
-                <a:latin typeface="Consolas" panose="020B0609020204030204" pitchFamily="49" charset="0"/>
-              </a:rPr>
-              <a:t>opt_index &lt;- which.min(grade_model$cptable[ , “xerror”])</a:t>
-            </a:r>
-          </a:p>
-          <a:p>
-            <a:endParaRPr lang="en-US" sz="1050">
-              <a:latin typeface="Consolas" panose="020B0609020204030204" pitchFamily="49" charset="0"/>
-            </a:endParaRPr>
-          </a:p>
-          <a:p>
-            <a:r>
-              <a:rPr lang="en-US" sz="1050">
-                <a:latin typeface="Consolas" panose="020B0609020204030204" pitchFamily="49" charset="0"/>
-              </a:rPr>
-              <a:t>cp_opt &lt;- grade_model$cptable[opt_index, “CP”]</a:t>
-            </a:r>
-          </a:p>
-          <a:p>
-            <a:endParaRPr lang="en-US" sz="1050">
-              <a:latin typeface="Consolas" panose="020B0609020204030204" pitchFamily="49" charset="0"/>
-            </a:endParaRPr>
-          </a:p>
-          <a:p>
-            <a:r>
-              <a:rPr lang="en-US" sz="1050">
-                <a:latin typeface="Consolas" panose="020B0609020204030204" pitchFamily="49" charset="0"/>
-              </a:rPr>
-              <a:t>grade_model_opt &lt;- prune(tree = grade_model, cp = cp_opt)</a:t>
-            </a:r>
-          </a:p>
-          <a:p>
-            <a:endParaRPr lang="en-US" sz="1050">
-              <a:latin typeface="Consolas" panose="020B0609020204030204" pitchFamily="49" charset="0"/>
-            </a:endParaRPr>
-          </a:p>
-          <a:p>
-            <a:r>
-              <a:rPr lang="en-US" sz="1050">
-                <a:latin typeface="Consolas" panose="020B0609020204030204" pitchFamily="49" charset="0"/>
-              </a:rPr>
-              <a:t>rpart.plot(x = grade_model_opt, yesno = 2, type = 0, extra = 0)</a:t>
-            </a:r>
+              <a:rPr lang="en-US" sz="1050" dirty="0" err="1">
+                <a:latin typeface="Consolas" panose="020B0609020204030204" pitchFamily="49" charset="0"/>
+              </a:rPr>
+              <a:t>hclust.out</a:t>
+            </a:r>
+            <a:r>
+              <a:rPr lang="en-US" sz="1050" dirty="0">
+                <a:latin typeface="Consolas" panose="020B0609020204030204" pitchFamily="49" charset="0"/>
+              </a:rPr>
+              <a:t> &lt;- </a:t>
+            </a:r>
+            <a:r>
+              <a:rPr lang="en-US" sz="1050" dirty="0" err="1">
+                <a:latin typeface="Consolas" panose="020B0609020204030204" pitchFamily="49" charset="0"/>
+              </a:rPr>
+              <a:t>hclust</a:t>
+            </a:r>
+            <a:r>
+              <a:rPr lang="en-US" sz="1050" dirty="0">
+                <a:latin typeface="Consolas" panose="020B0609020204030204" pitchFamily="49" charset="0"/>
+              </a:rPr>
+              <a:t>(</a:t>
+            </a:r>
+            <a:r>
+              <a:rPr lang="en-US" sz="1050" dirty="0" err="1">
+                <a:latin typeface="Consolas" panose="020B0609020204030204" pitchFamily="49" charset="0"/>
+              </a:rPr>
+              <a:t>dist</a:t>
+            </a:r>
+            <a:r>
+              <a:rPr lang="en-US" sz="1050" dirty="0">
+                <a:latin typeface="Consolas" panose="020B0609020204030204" pitchFamily="49" charset="0"/>
+              </a:rPr>
+              <a:t>(x))</a:t>
+            </a:r>
+          </a:p>
+          <a:p>
             <a:endParaRPr lang="en-US" sz="1050" dirty="0">
               <a:latin typeface="Consolas" panose="020B0609020204030204" pitchFamily="49" charset="0"/>
             </a:endParaRPr>
           </a:p>
-        </p:txBody>
-      </p:sp>
-      <p:sp>
-        <p:nvSpPr>
-          <p:cNvPr id="25" name="TextBox 24">
-            <a:extLst>
-              <a:ext uri="{FF2B5EF4-FFF2-40B4-BE49-F238E27FC236}">
-                <a16:creationId xmlns:a16="http://schemas.microsoft.com/office/drawing/2014/main" id="{8FA4E600-36BF-419F-B739-8B99F6702248}"/>
-              </a:ext>
-            </a:extLst>
-          </p:cNvPr>
-          <p:cNvSpPr txBox="1"/>
-          <p:nvPr/>
-        </p:nvSpPr>
-        <p:spPr>
-          <a:xfrm>
-            <a:off x="7983957" y="6535791"/>
-            <a:ext cx="1082349" cy="215444"/>
-          </a:xfrm>
-          <a:prstGeom prst="rect">
-            <a:avLst/>
-          </a:prstGeom>
-          <a:noFill/>
-        </p:spPr>
-        <p:txBody>
-          <a:bodyPr wrap="none" rtlCol="0">
-            <a:spAutoFit/>
-          </a:bodyPr>
-          <a:lstStyle/>
-          <a:p>
-            <a:pPr algn="r"/>
-            <a:r>
-              <a:rPr lang="en-US" sz="800">
-                <a:solidFill>
-                  <a:schemeClr val="accent1">
-                    <a:lumMod val="60000"/>
-                    <a:lumOff val="40000"/>
-                  </a:schemeClr>
-                </a:solidFill>
-                <a:latin typeface="Consolas" panose="020B0609020204030204" pitchFamily="49" charset="0"/>
-              </a:rPr>
-              <a:t>Regression Trees</a:t>
-            </a:r>
-            <a:endParaRPr lang="en-US" sz="800" dirty="0">
-              <a:solidFill>
-                <a:schemeClr val="accent1">
-                  <a:lumMod val="60000"/>
-                  <a:lumOff val="40000"/>
-                </a:schemeClr>
-              </a:solidFill>
-              <a:latin typeface="Consolas" panose="020B0609020204030204" pitchFamily="49" charset="0"/>
-            </a:endParaRPr>
-          </a:p>
-        </p:txBody>
-      </p:sp>
-      <p:sp>
-        <p:nvSpPr>
-          <p:cNvPr id="27" name="Content Placeholder 3"/>
-          <p:cNvSpPr>
-            <a:spLocks noGrp="1"/>
-          </p:cNvSpPr>
-          <p:nvPr>
-            <p:ph sz="half" idx="1"/>
-          </p:nvPr>
-        </p:nvSpPr>
-        <p:spPr>
-          <a:xfrm>
-            <a:off x="6502400" y="500654"/>
-            <a:ext cx="2311761" cy="274594"/>
-          </a:xfrm>
-        </p:spPr>
-        <p:txBody>
-          <a:bodyPr>
-            <a:normAutofit/>
-          </a:bodyPr>
-          <a:lstStyle/>
-          <a:p>
-            <a:pPr marL="0" indent="0">
-              <a:buNone/>
-            </a:pPr>
-            <a:r>
-              <a:rPr lang="en-US" sz="1000" b="1">
-                <a:solidFill>
-                  <a:schemeClr val="accent2">
-                    <a:lumMod val="75000"/>
-                  </a:schemeClr>
-                </a:solidFill>
-              </a:rPr>
-              <a:t>libraries </a:t>
-            </a:r>
-            <a:r>
-              <a:rPr lang="en-US" sz="1000" b="1">
-                <a:solidFill>
-                  <a:schemeClr val="accent2">
-                    <a:lumMod val="75000"/>
-                  </a:schemeClr>
-                </a:solidFill>
-                <a:sym typeface="Wingdings" panose="05000000000000000000" pitchFamily="2" charset="2"/>
-              </a:rPr>
-              <a:t> </a:t>
-            </a:r>
-            <a:r>
-              <a:rPr lang="en-US" sz="1000" b="1">
-                <a:solidFill>
-                  <a:schemeClr val="accent2">
-                    <a:lumMod val="75000"/>
-                  </a:schemeClr>
-                </a:solidFill>
-              </a:rPr>
-              <a:t>Metrics</a:t>
-            </a:r>
-          </a:p>
-        </p:txBody>
-      </p:sp>
-      <p:sp>
-        <p:nvSpPr>
-          <p:cNvPr id="16" name="Content Placeholder 3"/>
-          <p:cNvSpPr>
-            <a:spLocks noGrp="1"/>
-          </p:cNvSpPr>
-          <p:nvPr>
-            <p:ph sz="half" idx="1"/>
-          </p:nvPr>
-        </p:nvSpPr>
-        <p:spPr>
-          <a:xfrm>
-            <a:off x="4787510" y="2066645"/>
-            <a:ext cx="2796631" cy="274594"/>
-          </a:xfrm>
-        </p:spPr>
-        <p:txBody>
-          <a:bodyPr>
-            <a:normAutofit/>
-          </a:bodyPr>
-          <a:lstStyle/>
-          <a:p>
-            <a:pPr marL="0" indent="0">
-              <a:buNone/>
-            </a:pPr>
-            <a:r>
-              <a:rPr lang="en-US" sz="1000" b="1">
-                <a:solidFill>
-                  <a:schemeClr val="accent2">
-                    <a:lumMod val="75000"/>
-                  </a:schemeClr>
-                </a:solidFill>
-              </a:rPr>
-              <a:t>you can see this model using print(grade_model)</a:t>
-            </a:r>
-          </a:p>
-        </p:txBody>
-      </p:sp>
-      <p:sp>
-        <p:nvSpPr>
-          <p:cNvPr id="17" name="Right Arrow 16"/>
-          <p:cNvSpPr/>
-          <p:nvPr/>
-        </p:nvSpPr>
-        <p:spPr>
-          <a:xfrm rot="10239363">
-            <a:off x="3992033" y="2184944"/>
-            <a:ext cx="788302" cy="152796"/>
-          </a:xfrm>
-          <a:prstGeom prst="rightArrow">
-            <a:avLst/>
-          </a:prstGeom>
-        </p:spPr>
-        <p:style>
-          <a:lnRef idx="2">
-            <a:schemeClr val="accent1">
-              <a:shade val="50000"/>
-            </a:schemeClr>
-          </a:lnRef>
-          <a:fillRef idx="1">
-            <a:schemeClr val="accent1"/>
-          </a:fillRef>
-          <a:effectRef idx="0">
-            <a:schemeClr val="accent1"/>
-          </a:effectRef>
-          <a:fontRef idx="minor">
-            <a:schemeClr val="lt1"/>
-          </a:fontRef>
-        </p:style>
-        <p:txBody>
-          <a:bodyPr rtlCol="0" anchor="ctr"/>
-          <a:lstStyle/>
-          <a:p>
-            <a:pPr algn="ctr"/>
-            <a:endParaRPr lang="en-US"/>
-          </a:p>
-        </p:txBody>
-      </p:sp>
-      <p:pic>
-        <p:nvPicPr>
-          <p:cNvPr id="7" name="Picture 6"/>
-          <p:cNvPicPr>
-            <a:picLocks noChangeAspect="1"/>
-          </p:cNvPicPr>
-          <p:nvPr/>
-        </p:nvPicPr>
-        <p:blipFill>
-          <a:blip r:embed="rId2"/>
-          <a:stretch>
-            <a:fillRect/>
-          </a:stretch>
-        </p:blipFill>
-        <p:spPr>
-          <a:xfrm>
-            <a:off x="5921300" y="2902215"/>
-            <a:ext cx="2777137" cy="1460842"/>
-          </a:xfrm>
-          <a:prstGeom prst="rect">
-            <a:avLst/>
-          </a:prstGeom>
-        </p:spPr>
-      </p:pic>
-      <p:sp>
-        <p:nvSpPr>
-          <p:cNvPr id="22" name="Right Arrow 21"/>
-          <p:cNvSpPr/>
-          <p:nvPr/>
-        </p:nvSpPr>
-        <p:spPr>
-          <a:xfrm>
-            <a:off x="2034738" y="4180424"/>
-            <a:ext cx="788302" cy="152796"/>
-          </a:xfrm>
-          <a:prstGeom prst="rightArrow">
-            <a:avLst/>
-          </a:prstGeom>
-        </p:spPr>
-        <p:style>
-          <a:lnRef idx="2">
-            <a:schemeClr val="accent1">
-              <a:shade val="50000"/>
-            </a:schemeClr>
-          </a:lnRef>
-          <a:fillRef idx="1">
-            <a:schemeClr val="accent1"/>
-          </a:fillRef>
-          <a:effectRef idx="0">
-            <a:schemeClr val="accent1"/>
-          </a:effectRef>
-          <a:fontRef idx="minor">
-            <a:schemeClr val="lt1"/>
-          </a:fontRef>
-        </p:style>
-        <p:txBody>
-          <a:bodyPr rtlCol="0" anchor="ctr"/>
-          <a:lstStyle/>
-          <a:p>
-            <a:pPr algn="ctr"/>
-            <a:endParaRPr lang="en-US"/>
-          </a:p>
-        </p:txBody>
-      </p:sp>
-    </p:spTree>
-    <p:extLst>
-      <p:ext uri="{BB962C8B-B14F-4D97-AF65-F5344CB8AC3E}">
-        <p14:creationId xmlns:p14="http://schemas.microsoft.com/office/powerpoint/2010/main" val="2595855948"/>
-      </p:ext>
-    </p:extLst>
-  </p:cSld>
-  <p:clrMapOvr>
-    <a:masterClrMapping/>
-  </p:clrMapOvr>
-</p:sld>
-</file>
-
-<file path=ppt/slides/slide6.xml><?xml version="1.0" encoding="utf-8"?>
-<p:sld xmlns:a="http://schemas.openxmlformats.org/drawingml/2006/main" xmlns:r="http://schemas.openxmlformats.org/officeDocument/2006/relationships" xmlns:p="http://schemas.openxmlformats.org/presentationml/2006/main">
-  <p:cSld>
-    <p:spTree>
-      <p:nvGrpSpPr>
-        <p:cNvPr id="1" name=""/>
-        <p:cNvGrpSpPr/>
-        <p:nvPr/>
-      </p:nvGrpSpPr>
-      <p:grpSpPr>
-        <a:xfrm>
-          <a:off x="0" y="0"/>
-          <a:ext cx="0" cy="0"/>
-          <a:chOff x="0" y="0"/>
-          <a:chExt cx="0" cy="0"/>
-        </a:xfrm>
-      </p:grpSpPr>
-      <p:sp>
-        <p:nvSpPr>
-          <p:cNvPr id="11" name="TextBox 10">
-            <a:extLst>
-              <a:ext uri="{FF2B5EF4-FFF2-40B4-BE49-F238E27FC236}">
-                <a16:creationId xmlns:a16="http://schemas.microsoft.com/office/drawing/2014/main" id="{8FA4E600-36BF-419F-B739-8B99F6702248}"/>
-              </a:ext>
-            </a:extLst>
-          </p:cNvPr>
-          <p:cNvSpPr txBox="1"/>
-          <p:nvPr/>
-        </p:nvSpPr>
-        <p:spPr>
-          <a:xfrm>
-            <a:off x="465661" y="463625"/>
-            <a:ext cx="6795751" cy="6070893"/>
-          </a:xfrm>
-          <a:prstGeom prst="rect">
-            <a:avLst/>
-          </a:prstGeom>
-          <a:noFill/>
-        </p:spPr>
-        <p:txBody>
-          <a:bodyPr wrap="square" rtlCol="0">
-            <a:spAutoFit/>
-          </a:bodyPr>
-          <a:lstStyle/>
-          <a:p>
-            <a:r>
-              <a:rPr lang="en-US" sz="1050">
-                <a:latin typeface="Consolas" panose="020B0609020204030204" pitchFamily="49" charset="0"/>
-              </a:rPr>
-              <a:t>minsplit &lt;- seq(1, 4, 1)</a:t>
-            </a:r>
-          </a:p>
-          <a:p>
-            <a:r>
-              <a:rPr lang="en-US" sz="1050">
-                <a:latin typeface="Consolas" panose="020B0609020204030204" pitchFamily="49" charset="0"/>
-              </a:rPr>
-              <a:t>maxdepth &lt;- seq(1, 6, 1)</a:t>
-            </a:r>
-          </a:p>
-          <a:p>
-            <a:endParaRPr lang="en-US" sz="1050">
-              <a:latin typeface="Consolas" panose="020B0609020204030204" pitchFamily="49" charset="0"/>
-            </a:endParaRPr>
-          </a:p>
-          <a:p>
-            <a:r>
-              <a:rPr lang="en-US" sz="1050">
-                <a:latin typeface="Consolas" panose="020B0609020204030204" pitchFamily="49" charset="0"/>
-              </a:rPr>
-              <a:t>hyper_grid &lt;- expand.grid(minsplit = minsplit, maxdepth = maxdepth)</a:t>
-            </a:r>
-          </a:p>
-          <a:p>
-            <a:endParaRPr lang="en-US" sz="1050">
-              <a:latin typeface="Consolas" panose="020B0609020204030204" pitchFamily="49" charset="0"/>
-            </a:endParaRPr>
-          </a:p>
-          <a:p>
-            <a:r>
-              <a:rPr lang="en-US" sz="1050">
-                <a:latin typeface="Consolas" panose="020B0609020204030204" pitchFamily="49" charset="0"/>
-              </a:rPr>
-              <a:t>num_models &lt;- nrow(hyper_grid)</a:t>
-            </a:r>
-          </a:p>
-          <a:p>
-            <a:endParaRPr lang="en-US" sz="1050">
-              <a:latin typeface="Consolas" panose="020B0609020204030204" pitchFamily="49" charset="0"/>
-            </a:endParaRPr>
-          </a:p>
-          <a:p>
-            <a:r>
-              <a:rPr lang="en-US" sz="1050">
-                <a:latin typeface="Consolas" panose="020B0609020204030204" pitchFamily="49" charset="0"/>
-              </a:rPr>
-              <a:t>grade_models &lt;- list()</a:t>
-            </a:r>
-          </a:p>
-          <a:p>
-            <a:endParaRPr lang="en-US" sz="1050">
-              <a:latin typeface="Consolas" panose="020B0609020204030204" pitchFamily="49" charset="0"/>
-            </a:endParaRPr>
-          </a:p>
-          <a:p>
-            <a:r>
-              <a:rPr lang="en-US" sz="1050">
-                <a:latin typeface="Consolas" panose="020B0609020204030204" pitchFamily="49" charset="0"/>
-              </a:rPr>
-              <a:t>for (i in 1:num_models) {</a:t>
-            </a:r>
-          </a:p>
-          <a:p>
-            <a:r>
-              <a:rPr lang="en-US" sz="1050">
-                <a:latin typeface="Consolas" panose="020B0609020204030204" pitchFamily="49" charset="0"/>
-              </a:rPr>
-              <a:t>	minsplit &lt;- hyper_grid$minsplit[i]</a:t>
-            </a:r>
-          </a:p>
-          <a:p>
-            <a:r>
-              <a:rPr lang="en-US" sz="1050">
-                <a:latin typeface="Consolas" panose="020B0609020204030204" pitchFamily="49" charset="0"/>
-              </a:rPr>
-              <a:t>	maxdepth &lt;- hyper_grid$maxdepth[i]</a:t>
-            </a:r>
-          </a:p>
-          <a:p>
-            <a:endParaRPr lang="en-US" sz="1050">
-              <a:latin typeface="Consolas" panose="020B0609020204030204" pitchFamily="49" charset="0"/>
-            </a:endParaRPr>
-          </a:p>
-          <a:p>
-            <a:r>
-              <a:rPr lang="en-US" sz="1050">
-                <a:latin typeface="Consolas" panose="020B0609020204030204" pitchFamily="49" charset="0"/>
-              </a:rPr>
-              <a:t>	grade_models[[i]] &lt;- rpart(formula = final_grade ~ .,</a:t>
-            </a:r>
-          </a:p>
-          <a:p>
-            <a:r>
-              <a:rPr lang="en-US" sz="1050">
-                <a:latin typeface="Consolas" panose="020B0609020204030204" pitchFamily="49" charset="0"/>
-              </a:rPr>
-              <a:t>					  data = grade_train,</a:t>
-            </a:r>
-          </a:p>
-          <a:p>
-            <a:r>
-              <a:rPr lang="en-US" sz="1050">
-                <a:latin typeface="Consolas" panose="020B0609020204030204" pitchFamily="49" charset="0"/>
-              </a:rPr>
-              <a:t>					  method = “anova”,</a:t>
-            </a:r>
-          </a:p>
-          <a:p>
-            <a:r>
-              <a:rPr lang="en-US" sz="1050">
-                <a:latin typeface="Consolas" panose="020B0609020204030204" pitchFamily="49" charset="0"/>
-              </a:rPr>
-              <a:t>					  minsplit = minsplit,</a:t>
-            </a:r>
-          </a:p>
-          <a:p>
-            <a:r>
-              <a:rPr lang="en-US" sz="1050">
-                <a:latin typeface="Consolas" panose="020B0609020204030204" pitchFamily="49" charset="0"/>
-              </a:rPr>
-              <a:t>					  maxdepth = maxdepth)</a:t>
-            </a:r>
-          </a:p>
-          <a:p>
-            <a:r>
-              <a:rPr lang="en-US" sz="1050">
-                <a:latin typeface="Consolas" panose="020B0609020204030204" pitchFamily="49" charset="0"/>
-              </a:rPr>
-              <a:t>}</a:t>
-            </a:r>
-          </a:p>
-          <a:p>
-            <a:endParaRPr lang="en-US" sz="1050">
-              <a:latin typeface="Consolas" panose="020B0609020204030204" pitchFamily="49" charset="0"/>
-            </a:endParaRPr>
-          </a:p>
-          <a:p>
-            <a:r>
-              <a:rPr lang="en-US" sz="1050">
-                <a:latin typeface="Consolas" panose="020B0609020204030204" pitchFamily="49" charset="0"/>
-              </a:rPr>
-              <a:t>num_models &lt;- length(grade_models)</a:t>
-            </a:r>
-          </a:p>
-          <a:p>
-            <a:endParaRPr lang="en-US" sz="1050">
-              <a:latin typeface="Consolas" panose="020B0609020204030204" pitchFamily="49" charset="0"/>
-            </a:endParaRPr>
-          </a:p>
-          <a:p>
-            <a:r>
-              <a:rPr lang="en-US" sz="1050">
-                <a:latin typeface="Consolas" panose="020B0609020204030204" pitchFamily="49" charset="0"/>
-              </a:rPr>
-              <a:t>rmse_values &lt;- c()</a:t>
-            </a:r>
-          </a:p>
-          <a:p>
-            <a:endParaRPr lang="en-US" sz="1050">
-              <a:latin typeface="Consolas" panose="020B0609020204030204" pitchFamily="49" charset="0"/>
-            </a:endParaRPr>
-          </a:p>
-          <a:p>
-            <a:r>
-              <a:rPr lang="en-US" sz="1050">
-                <a:latin typeface="Consolas" panose="020B0609020204030204" pitchFamily="49" charset="0"/>
-              </a:rPr>
-              <a:t>for (i in 1:num_models) {</a:t>
-            </a:r>
-          </a:p>
-          <a:p>
-            <a:r>
-              <a:rPr lang="en-US" sz="1050">
-                <a:latin typeface="Consolas" panose="020B0609020204030204" pitchFamily="49" charset="0"/>
-              </a:rPr>
-              <a:t>	model &lt;- grade_models[[i]]</a:t>
-            </a:r>
-          </a:p>
-          <a:p>
-            <a:r>
-              <a:rPr lang="en-US" sz="1050">
-                <a:latin typeface="Consolas" panose="020B0609020204030204" pitchFamily="49" charset="0"/>
-              </a:rPr>
-              <a:t>	</a:t>
-            </a:r>
-          </a:p>
-          <a:p>
-            <a:r>
-              <a:rPr lang="en-US" sz="1050">
-                <a:latin typeface="Consolas" panose="020B0609020204030204" pitchFamily="49" charset="0"/>
-              </a:rPr>
-              <a:t>	pred &lt;- predict(object = model, newdata = grade_valid)</a:t>
-            </a:r>
-          </a:p>
-          <a:p>
-            <a:endParaRPr lang="en-US" sz="1050">
-              <a:latin typeface="Consolas" panose="020B0609020204030204" pitchFamily="49" charset="0"/>
-            </a:endParaRPr>
-          </a:p>
-          <a:p>
-            <a:r>
-              <a:rPr lang="en-US" sz="1050">
-                <a:latin typeface="Consolas" panose="020B0609020204030204" pitchFamily="49" charset="0"/>
-              </a:rPr>
-              <a:t>	rmse_values[i] &lt;- rmse(actual = grade_valid$final_grade, predicted = pred)</a:t>
-            </a:r>
-          </a:p>
-          <a:p>
-            <a:r>
-              <a:rPr lang="en-US" sz="1050">
-                <a:latin typeface="Consolas" panose="020B0609020204030204" pitchFamily="49" charset="0"/>
-              </a:rPr>
-              <a:t>}</a:t>
-            </a:r>
-          </a:p>
-          <a:p>
-            <a:endParaRPr lang="en-US" sz="1050">
-              <a:latin typeface="Consolas" panose="020B0609020204030204" pitchFamily="49" charset="0"/>
-            </a:endParaRPr>
-          </a:p>
-          <a:p>
-            <a:r>
-              <a:rPr lang="en-US" sz="1050">
-                <a:latin typeface="Consolas" panose="020B0609020204030204" pitchFamily="49" charset="0"/>
-              </a:rPr>
-              <a:t>best_model &lt;- grade_mdoels[[which.min(rmse_values)]]			best_model$control</a:t>
-            </a:r>
-          </a:p>
-          <a:p>
-            <a:endParaRPr lang="en-US" sz="1050">
-              <a:latin typeface="Consolas" panose="020B0609020204030204" pitchFamily="49" charset="0"/>
-            </a:endParaRPr>
-          </a:p>
-          <a:p>
-            <a:r>
-              <a:rPr lang="en-US" sz="1050">
-                <a:latin typeface="Consolas" panose="020B0609020204030204" pitchFamily="49" charset="0"/>
-              </a:rPr>
-              <a:t>pred &lt;- predict(object = best_model, newdata = grade_test)</a:t>
-            </a:r>
-          </a:p>
-          <a:p>
-            <a:endParaRPr lang="en-US" sz="1050">
-              <a:latin typeface="Consolas" panose="020B0609020204030204" pitchFamily="49" charset="0"/>
-            </a:endParaRPr>
-          </a:p>
-          <a:p>
-            <a:r>
-              <a:rPr lang="en-US" sz="1050">
-                <a:latin typeface="Consolas" panose="020B0609020204030204" pitchFamily="49" charset="0"/>
-              </a:rPr>
-              <a:t>rmse(actual = grade_test$final_grade, predicted = pred)</a:t>
-            </a:r>
-          </a:p>
-        </p:txBody>
-      </p:sp>
-      <p:sp>
-        <p:nvSpPr>
-          <p:cNvPr id="25" name="TextBox 24">
-            <a:extLst>
-              <a:ext uri="{FF2B5EF4-FFF2-40B4-BE49-F238E27FC236}">
-                <a16:creationId xmlns:a16="http://schemas.microsoft.com/office/drawing/2014/main" id="{8FA4E600-36BF-419F-B739-8B99F6702248}"/>
-              </a:ext>
-            </a:extLst>
-          </p:cNvPr>
-          <p:cNvSpPr txBox="1"/>
-          <p:nvPr/>
-        </p:nvSpPr>
-        <p:spPr>
-          <a:xfrm>
-            <a:off x="7983957" y="6535791"/>
-            <a:ext cx="1082349" cy="215444"/>
-          </a:xfrm>
-          <a:prstGeom prst="rect">
-            <a:avLst/>
-          </a:prstGeom>
-          <a:noFill/>
-        </p:spPr>
-        <p:txBody>
-          <a:bodyPr wrap="none" rtlCol="0">
-            <a:spAutoFit/>
-          </a:bodyPr>
-          <a:lstStyle/>
-          <a:p>
-            <a:pPr algn="r"/>
-            <a:r>
-              <a:rPr lang="en-US" sz="800">
-                <a:solidFill>
-                  <a:schemeClr val="accent1">
-                    <a:lumMod val="60000"/>
-                    <a:lumOff val="40000"/>
-                  </a:schemeClr>
-                </a:solidFill>
-                <a:latin typeface="Consolas" panose="020B0609020204030204" pitchFamily="49" charset="0"/>
-              </a:rPr>
-              <a:t>Regression Trees</a:t>
-            </a:r>
-            <a:endParaRPr lang="en-US" sz="800" dirty="0">
-              <a:solidFill>
-                <a:schemeClr val="accent1">
-                  <a:lumMod val="60000"/>
-                  <a:lumOff val="40000"/>
-                </a:schemeClr>
-              </a:solidFill>
-              <a:latin typeface="Consolas" panose="020B0609020204030204" pitchFamily="49" charset="0"/>
-            </a:endParaRPr>
-          </a:p>
-        </p:txBody>
-      </p:sp>
-      <p:pic>
-        <p:nvPicPr>
-          <p:cNvPr id="8" name="Picture 7"/>
-          <p:cNvPicPr>
-            <a:picLocks noChangeAspect="1"/>
-          </p:cNvPicPr>
-          <p:nvPr/>
-        </p:nvPicPr>
-        <p:blipFill>
-          <a:blip r:embed="rId2"/>
-          <a:stretch>
-            <a:fillRect/>
-          </a:stretch>
-        </p:blipFill>
-        <p:spPr>
-          <a:xfrm>
-            <a:off x="5909280" y="630966"/>
-            <a:ext cx="2833168" cy="784277"/>
-          </a:xfrm>
-          <a:prstGeom prst="rect">
-            <a:avLst/>
-          </a:prstGeom>
-        </p:spPr>
-      </p:pic>
-      <p:sp>
-        <p:nvSpPr>
-          <p:cNvPr id="6" name="TextBox 5"/>
-          <p:cNvSpPr txBox="1"/>
-          <p:nvPr/>
-        </p:nvSpPr>
-        <p:spPr>
-          <a:xfrm>
-            <a:off x="5909281" y="1828800"/>
-            <a:ext cx="2833166" cy="1938992"/>
-          </a:xfrm>
-          <a:prstGeom prst="rect">
-            <a:avLst/>
-          </a:prstGeom>
-          <a:noFill/>
-        </p:spPr>
-        <p:txBody>
-          <a:bodyPr wrap="square" rtlCol="0">
-            <a:spAutoFit/>
-          </a:bodyPr>
-          <a:lstStyle/>
-          <a:p>
-            <a:r>
-              <a:rPr lang="en-US" sz="1200"/>
-              <a:t>Just like a test set, a validation set is used to evaluate the performance of a model. The difference is that a validation set is specifically used to compare the performance of a group o fmodels with the goal of choosing a “best model” from the group. All models in a group are evaluated on the same validation set and the model with the best performance is considered to be the winner.</a:t>
-            </a:r>
-          </a:p>
-        </p:txBody>
-      </p:sp>
-      <p:sp>
-        <p:nvSpPr>
-          <p:cNvPr id="15" name="TextBox 14"/>
-          <p:cNvSpPr txBox="1"/>
-          <p:nvPr/>
-        </p:nvSpPr>
-        <p:spPr>
-          <a:xfrm>
-            <a:off x="5909280" y="4117788"/>
-            <a:ext cx="2833167" cy="646331"/>
-          </a:xfrm>
-          <a:prstGeom prst="rect">
-            <a:avLst/>
-          </a:prstGeom>
-          <a:noFill/>
-        </p:spPr>
-        <p:txBody>
-          <a:bodyPr wrap="square" rtlCol="0">
-            <a:spAutoFit/>
-          </a:bodyPr>
-          <a:lstStyle/>
-          <a:p>
-            <a:r>
-              <a:rPr lang="en-US" sz="1200"/>
-              <a:t>Once you have the best model, a final estimate of performance is computed on the test set.</a:t>
-            </a:r>
-          </a:p>
-        </p:txBody>
-      </p:sp>
-      <p:sp>
-        <p:nvSpPr>
-          <p:cNvPr id="18" name="Right Arrow 17"/>
-          <p:cNvSpPr/>
-          <p:nvPr/>
-        </p:nvSpPr>
-        <p:spPr>
-          <a:xfrm rot="5400000">
-            <a:off x="7113714" y="3866392"/>
-            <a:ext cx="349996" cy="152796"/>
-          </a:xfrm>
-          <a:prstGeom prst="rightArrow">
-            <a:avLst/>
-          </a:prstGeom>
-        </p:spPr>
-        <p:style>
-          <a:lnRef idx="2">
-            <a:schemeClr val="accent1">
-              <a:shade val="50000"/>
-            </a:schemeClr>
-          </a:lnRef>
-          <a:fillRef idx="1">
-            <a:schemeClr val="accent1"/>
-          </a:fillRef>
-          <a:effectRef idx="0">
-            <a:schemeClr val="accent1"/>
-          </a:effectRef>
-          <a:fontRef idx="minor">
-            <a:schemeClr val="lt1"/>
-          </a:fontRef>
-        </p:style>
-        <p:txBody>
-          <a:bodyPr rtlCol="0" anchor="ctr"/>
-          <a:lstStyle/>
-          <a:p>
-            <a:pPr algn="ctr"/>
-            <a:endParaRPr lang="en-US"/>
-          </a:p>
-        </p:txBody>
-      </p:sp>
-      <p:sp>
-        <p:nvSpPr>
-          <p:cNvPr id="19" name="Right Arrow 18"/>
-          <p:cNvSpPr/>
-          <p:nvPr/>
-        </p:nvSpPr>
-        <p:spPr>
-          <a:xfrm>
-            <a:off x="4559793" y="5643091"/>
-            <a:ext cx="788302" cy="152796"/>
-          </a:xfrm>
-          <a:prstGeom prst="rightArrow">
-            <a:avLst/>
-          </a:prstGeom>
-        </p:spPr>
-        <p:style>
-          <a:lnRef idx="2">
-            <a:schemeClr val="accent1">
-              <a:shade val="50000"/>
-            </a:schemeClr>
-          </a:lnRef>
-          <a:fillRef idx="1">
-            <a:schemeClr val="accent1"/>
-          </a:fillRef>
-          <a:effectRef idx="0">
-            <a:schemeClr val="accent1"/>
-          </a:effectRef>
-          <a:fontRef idx="minor">
-            <a:schemeClr val="lt1"/>
-          </a:fontRef>
-        </p:style>
-        <p:txBody>
-          <a:bodyPr rtlCol="0" anchor="ctr"/>
-          <a:lstStyle/>
-          <a:p>
-            <a:pPr algn="ctr"/>
-            <a:endParaRPr lang="en-US"/>
-          </a:p>
-        </p:txBody>
-      </p:sp>
-    </p:spTree>
-    <p:extLst>
-      <p:ext uri="{BB962C8B-B14F-4D97-AF65-F5344CB8AC3E}">
-        <p14:creationId xmlns:p14="http://schemas.microsoft.com/office/powerpoint/2010/main" val="1595928824"/>
-      </p:ext>
-    </p:extLst>
-  </p:cSld>
-  <p:clrMapOvr>
-    <a:masterClrMapping/>
-  </p:clrMapOvr>
-</p:sld>
-</file>
-
-<file path=ppt/slides/slide7.xml><?xml version="1.0" encoding="utf-8"?>
-<p:sld xmlns:a="http://schemas.openxmlformats.org/drawingml/2006/main" xmlns:r="http://schemas.openxmlformats.org/officeDocument/2006/relationships" xmlns:p="http://schemas.openxmlformats.org/presentationml/2006/main">
-  <p:cSld>
-    <p:spTree>
-      <p:nvGrpSpPr>
-        <p:cNvPr id="1" name=""/>
-        <p:cNvGrpSpPr/>
-        <p:nvPr/>
-      </p:nvGrpSpPr>
-      <p:grpSpPr>
-        <a:xfrm>
-          <a:off x="0" y="0"/>
-          <a:ext cx="0" cy="0"/>
-          <a:chOff x="0" y="0"/>
-          <a:chExt cx="0" cy="0"/>
-        </a:xfrm>
-      </p:grpSpPr>
-      <p:sp>
-        <p:nvSpPr>
-          <p:cNvPr id="4" name="Content Placeholder 3"/>
-          <p:cNvSpPr>
-            <a:spLocks noGrp="1"/>
-          </p:cNvSpPr>
-          <p:nvPr>
-            <p:ph sz="half" idx="1"/>
-          </p:nvPr>
-        </p:nvSpPr>
-        <p:spPr>
-          <a:xfrm>
-            <a:off x="411873" y="500654"/>
-            <a:ext cx="2749680" cy="284405"/>
-          </a:xfrm>
-        </p:spPr>
-        <p:txBody>
-          <a:bodyPr>
-            <a:normAutofit/>
-          </a:bodyPr>
-          <a:lstStyle/>
-          <a:p>
-            <a:pPr marL="0" indent="0">
-              <a:buNone/>
-            </a:pPr>
-            <a:r>
-              <a:rPr lang="en-US" sz="1050" b="1">
-                <a:solidFill>
-                  <a:schemeClr val="accent2">
-                    <a:lumMod val="75000"/>
-                  </a:schemeClr>
-                </a:solidFill>
-              </a:rPr>
-              <a:t>creditsub is a data frame</a:t>
-            </a:r>
-          </a:p>
-          <a:p>
-            <a:pPr marL="0" indent="0">
-              <a:buNone/>
-            </a:pPr>
-            <a:endParaRPr lang="en-US" sz="1050" b="1">
-              <a:solidFill>
-                <a:schemeClr val="accent2">
-                  <a:lumMod val="75000"/>
-                </a:schemeClr>
-              </a:solidFill>
-            </a:endParaRPr>
-          </a:p>
-        </p:txBody>
-      </p:sp>
-      <p:sp>
-        <p:nvSpPr>
-          <p:cNvPr id="11" name="TextBox 10">
-            <a:extLst>
-              <a:ext uri="{FF2B5EF4-FFF2-40B4-BE49-F238E27FC236}">
-                <a16:creationId xmlns:a16="http://schemas.microsoft.com/office/drawing/2014/main" id="{8FA4E600-36BF-419F-B739-8B99F6702248}"/>
-              </a:ext>
-            </a:extLst>
-          </p:cNvPr>
-          <p:cNvSpPr txBox="1"/>
-          <p:nvPr/>
-        </p:nvSpPr>
-        <p:spPr>
-          <a:xfrm>
-            <a:off x="411872" y="1333566"/>
-            <a:ext cx="5032693" cy="4939814"/>
-          </a:xfrm>
-          <a:prstGeom prst="rect">
-            <a:avLst/>
-          </a:prstGeom>
-          <a:noFill/>
-        </p:spPr>
-        <p:txBody>
-          <a:bodyPr wrap="square" rtlCol="0">
-            <a:spAutoFit/>
-          </a:bodyPr>
-          <a:lstStyle/>
-          <a:p>
-            <a:r>
-              <a:rPr lang="en-US" sz="1050">
-                <a:latin typeface="Consolas" panose="020B0609020204030204" pitchFamily="49" charset="0"/>
-              </a:rPr>
-              <a:t>set.seed(123)</a:t>
-            </a:r>
-          </a:p>
-          <a:p>
-            <a:r>
-              <a:rPr lang="en-US" sz="1050">
-                <a:latin typeface="Consolas" panose="020B0609020204030204" pitchFamily="49" charset="0"/>
-              </a:rPr>
-              <a:t>credit_model &lt;- bagging(formula = default ~ .,</a:t>
-            </a:r>
-          </a:p>
-          <a:p>
-            <a:r>
-              <a:rPr lang="en-US" sz="1050">
-                <a:latin typeface="Consolas" panose="020B0609020204030204" pitchFamily="49" charset="0"/>
-              </a:rPr>
-              <a:t>			      data = credit_train,  coob = TRUE)</a:t>
-            </a:r>
-          </a:p>
-          <a:p>
-            <a:endParaRPr lang="en-US" sz="1050">
-              <a:latin typeface="Consolas" panose="020B0609020204030204" pitchFamily="49" charset="0"/>
-            </a:endParaRPr>
-          </a:p>
-          <a:p>
-            <a:r>
-              <a:rPr lang="en-US" sz="1050">
-                <a:latin typeface="Consolas" panose="020B0609020204030204" pitchFamily="49" charset="0"/>
-              </a:rPr>
-              <a:t>credit_pred &lt;- predict(object = credit_model,</a:t>
-            </a:r>
-          </a:p>
-          <a:p>
-            <a:r>
-              <a:rPr lang="en-US" sz="1050">
-                <a:latin typeface="Consolas" panose="020B0609020204030204" pitchFamily="49" charset="0"/>
-              </a:rPr>
-              <a:t>			     newdata = credit_test,  type = “class”)</a:t>
-            </a:r>
-          </a:p>
-          <a:p>
-            <a:endParaRPr lang="en-US" sz="1050">
-              <a:latin typeface="Consolas" panose="020B0609020204030204" pitchFamily="49" charset="0"/>
-            </a:endParaRPr>
-          </a:p>
-          <a:p>
-            <a:r>
-              <a:rPr lang="en-US" sz="1050">
-                <a:latin typeface="Consolas" panose="020B0609020204030204" pitchFamily="49" charset="0"/>
-              </a:rPr>
-              <a:t>auc(actual = ifelse(credit_test$default == “yes”, 1, 0),</a:t>
-            </a:r>
-          </a:p>
-          <a:p>
-            <a:r>
-              <a:rPr lang="en-US" sz="1050">
-                <a:latin typeface="Consolas" panose="020B0609020204030204" pitchFamily="49" charset="0"/>
-              </a:rPr>
-              <a:t>	predict = pred[ , “yes”])</a:t>
-            </a:r>
-          </a:p>
-          <a:p>
-            <a:endParaRPr lang="en-US" sz="1050">
-              <a:latin typeface="Consolas" panose="020B0609020204030204" pitchFamily="49" charset="0"/>
-            </a:endParaRPr>
-          </a:p>
-          <a:p>
-            <a:r>
-              <a:rPr lang="en-US" sz="1050">
-                <a:latin typeface="Consolas" panose="020B0609020204030204" pitchFamily="49" charset="0"/>
-              </a:rPr>
-              <a:t>ctrl &lt;- trainControl(method = “cv”,</a:t>
-            </a:r>
-          </a:p>
-          <a:p>
-            <a:r>
-              <a:rPr lang="en-US" sz="1050">
-                <a:latin typeface="Consolas" panose="020B0609020204030204" pitchFamily="49" charset="0"/>
-              </a:rPr>
-              <a:t>			   number = 5,</a:t>
-            </a:r>
-          </a:p>
-          <a:p>
-            <a:r>
-              <a:rPr lang="en-US" sz="1050">
-                <a:latin typeface="Consolas" panose="020B0609020204030204" pitchFamily="49" charset="0"/>
-              </a:rPr>
-              <a:t>			   clasasProbs = TRUE,</a:t>
-            </a:r>
-          </a:p>
-          <a:p>
-            <a:r>
-              <a:rPr lang="en-US" sz="1050">
-                <a:latin typeface="Consolas" panose="020B0609020204030204" pitchFamily="49" charset="0"/>
-              </a:rPr>
-              <a:t>			   summaryFunction = twoClassSummary)</a:t>
-            </a:r>
-          </a:p>
-          <a:p>
-            <a:endParaRPr lang="en-US" sz="1050">
-              <a:latin typeface="Consolas" panose="020B0609020204030204" pitchFamily="49" charset="0"/>
-            </a:endParaRPr>
-          </a:p>
-          <a:p>
-            <a:r>
-              <a:rPr lang="en-US" sz="1050">
-                <a:latin typeface="Consolas" panose="020B0609020204030204" pitchFamily="49" charset="0"/>
-              </a:rPr>
-              <a:t>set.seed(1)</a:t>
-            </a:r>
-          </a:p>
-          <a:p>
-            <a:r>
-              <a:rPr lang="en-US" sz="1050">
-                <a:latin typeface="Consolas" panose="020B0609020204030204" pitchFamily="49" charset="0"/>
-              </a:rPr>
-              <a:t>credit_caret_model &lt;- train(default ~ .,</a:t>
-            </a:r>
-          </a:p>
-          <a:p>
-            <a:r>
-              <a:rPr lang="en-US" sz="1050">
-                <a:latin typeface="Consolas" panose="020B0609020204030204" pitchFamily="49" charset="0"/>
-              </a:rPr>
-              <a:t>				    data = credit_train,</a:t>
-            </a:r>
-          </a:p>
-          <a:p>
-            <a:r>
-              <a:rPr lang="en-US" sz="1050">
-                <a:latin typeface="Consolas" panose="020B0609020204030204" pitchFamily="49" charset="0"/>
-              </a:rPr>
-              <a:t>				    method = “treebag”,</a:t>
-            </a:r>
-          </a:p>
-          <a:p>
-            <a:r>
-              <a:rPr lang="en-US" sz="1050">
-                <a:latin typeface="Consolas" panose="020B0609020204030204" pitchFamily="49" charset="0"/>
-              </a:rPr>
-              <a:t>				    metric = “ROC”,</a:t>
-            </a:r>
-          </a:p>
-          <a:p>
-            <a:r>
-              <a:rPr lang="en-US" sz="1050">
-                <a:latin typeface="Consolas" panose="020B0609020204030204" pitchFamily="49" charset="0"/>
-              </a:rPr>
-              <a:t>				    trControl = ctrl)</a:t>
-            </a:r>
-          </a:p>
-          <a:p>
-            <a:endParaRPr lang="en-US" sz="1050">
-              <a:latin typeface="Consolas" panose="020B0609020204030204" pitchFamily="49" charset="0"/>
-            </a:endParaRPr>
-          </a:p>
-          <a:p>
-            <a:r>
-              <a:rPr lang="en-US" sz="1050">
-                <a:latin typeface="Consolas" panose="020B0609020204030204" pitchFamily="49" charset="0"/>
-              </a:rPr>
-              <a:t>credit_caret_model$results[ , “ROC”]</a:t>
-            </a:r>
-          </a:p>
-          <a:p>
-            <a:endParaRPr lang="en-US" sz="1050">
-              <a:latin typeface="Consolas" panose="020B0609020204030204" pitchFamily="49" charset="0"/>
-            </a:endParaRPr>
-          </a:p>
-          <a:p>
-            <a:r>
-              <a:rPr lang="en-US" sz="1050">
-                <a:latin typeface="Consolas" panose="020B0609020204030204" pitchFamily="49" charset="0"/>
-              </a:rPr>
-              <a:t>credit_pred &lt;- predict(object = credit_caret_model,</a:t>
-            </a:r>
-          </a:p>
-          <a:p>
-            <a:r>
-              <a:rPr lang="en-US" sz="1050">
-                <a:latin typeface="Consolas" panose="020B0609020204030204" pitchFamily="49" charset="0"/>
-              </a:rPr>
-              <a:t>			     newdata = credit_test, type = “prob”)</a:t>
-            </a:r>
-          </a:p>
-          <a:p>
-            <a:endParaRPr lang="en-US" sz="1050">
-              <a:latin typeface="Consolas" panose="020B0609020204030204" pitchFamily="49" charset="0"/>
-            </a:endParaRPr>
-          </a:p>
-          <a:p>
-            <a:r>
-              <a:rPr lang="en-US" sz="1050">
-                <a:latin typeface="Consolas" panose="020B0609020204030204" pitchFamily="49" charset="0"/>
-              </a:rPr>
-              <a:t>auc(actual = ifelse(credit_test$default == “yes”, 1, 0),</a:t>
-            </a:r>
-          </a:p>
-          <a:p>
-            <a:r>
-              <a:rPr lang="en-US" sz="1050">
-                <a:latin typeface="Consolas" panose="020B0609020204030204" pitchFamily="49" charset="0"/>
-              </a:rPr>
-              <a:t>	predict = pred[ , “yes”])</a:t>
-            </a:r>
-          </a:p>
-        </p:txBody>
-      </p:sp>
-      <p:sp>
-        <p:nvSpPr>
-          <p:cNvPr id="25" name="TextBox 24">
-            <a:extLst>
-              <a:ext uri="{FF2B5EF4-FFF2-40B4-BE49-F238E27FC236}">
-                <a16:creationId xmlns:a16="http://schemas.microsoft.com/office/drawing/2014/main" id="{8FA4E600-36BF-419F-B739-8B99F6702248}"/>
-              </a:ext>
-            </a:extLst>
-          </p:cNvPr>
-          <p:cNvSpPr txBox="1"/>
-          <p:nvPr/>
-        </p:nvSpPr>
-        <p:spPr>
-          <a:xfrm>
-            <a:off x="8208378" y="6535791"/>
-            <a:ext cx="857928" cy="215444"/>
-          </a:xfrm>
-          <a:prstGeom prst="rect">
-            <a:avLst/>
-          </a:prstGeom>
-          <a:noFill/>
-        </p:spPr>
-        <p:txBody>
-          <a:bodyPr wrap="none" rtlCol="0">
-            <a:spAutoFit/>
-          </a:bodyPr>
-          <a:lstStyle/>
-          <a:p>
-            <a:pPr algn="r"/>
-            <a:r>
-              <a:rPr lang="en-US" sz="800">
-                <a:solidFill>
-                  <a:schemeClr val="accent1">
-                    <a:lumMod val="60000"/>
-                    <a:lumOff val="40000"/>
-                  </a:schemeClr>
-                </a:solidFill>
-                <a:latin typeface="Consolas" panose="020B0609020204030204" pitchFamily="49" charset="0"/>
-              </a:rPr>
-              <a:t>Bagged Trees</a:t>
-            </a:r>
-            <a:endParaRPr lang="en-US" sz="800" dirty="0">
-              <a:solidFill>
-                <a:schemeClr val="accent1">
-                  <a:lumMod val="60000"/>
-                  <a:lumOff val="40000"/>
-                </a:schemeClr>
-              </a:solidFill>
-              <a:latin typeface="Consolas" panose="020B0609020204030204" pitchFamily="49" charset="0"/>
-            </a:endParaRPr>
-          </a:p>
-        </p:txBody>
-      </p:sp>
-      <p:sp>
-        <p:nvSpPr>
-          <p:cNvPr id="27" name="Content Placeholder 3"/>
-          <p:cNvSpPr>
-            <a:spLocks noGrp="1"/>
-          </p:cNvSpPr>
-          <p:nvPr>
-            <p:ph sz="half" idx="1"/>
-          </p:nvPr>
-        </p:nvSpPr>
-        <p:spPr>
-          <a:xfrm>
-            <a:off x="6502400" y="500654"/>
-            <a:ext cx="2311761" cy="274594"/>
-          </a:xfrm>
-        </p:spPr>
-        <p:txBody>
-          <a:bodyPr>
-            <a:normAutofit/>
-          </a:bodyPr>
-          <a:lstStyle/>
-          <a:p>
-            <a:pPr marL="0" indent="0">
-              <a:buNone/>
-            </a:pPr>
-            <a:r>
-              <a:rPr lang="en-US" sz="1000" b="1">
-                <a:solidFill>
-                  <a:schemeClr val="accent2">
-                    <a:lumMod val="75000"/>
-                  </a:schemeClr>
-                </a:solidFill>
-              </a:rPr>
-              <a:t>libraries </a:t>
-            </a:r>
-            <a:r>
-              <a:rPr lang="en-US" sz="1000" b="1">
-                <a:solidFill>
-                  <a:schemeClr val="accent2">
-                    <a:lumMod val="75000"/>
-                  </a:schemeClr>
-                </a:solidFill>
-                <a:sym typeface="Wingdings" panose="05000000000000000000" pitchFamily="2" charset="2"/>
-              </a:rPr>
-              <a:t> </a:t>
-            </a:r>
-            <a:r>
-              <a:rPr lang="en-US" sz="1000" b="1">
-                <a:solidFill>
-                  <a:schemeClr val="accent2">
-                    <a:lumMod val="75000"/>
-                  </a:schemeClr>
-                </a:solidFill>
-              </a:rPr>
-              <a:t>ipred, Metrics, caret</a:t>
-            </a:r>
-          </a:p>
-        </p:txBody>
-      </p:sp>
-      <p:sp>
-        <p:nvSpPr>
-          <p:cNvPr id="3" name="TextBox 2"/>
-          <p:cNvSpPr txBox="1"/>
-          <p:nvPr/>
-        </p:nvSpPr>
-        <p:spPr>
-          <a:xfrm>
-            <a:off x="411873" y="828480"/>
-            <a:ext cx="4557017" cy="461665"/>
-          </a:xfrm>
-          <a:prstGeom prst="rect">
-            <a:avLst/>
-          </a:prstGeom>
-          <a:noFill/>
-        </p:spPr>
-        <p:txBody>
-          <a:bodyPr wrap="none" rtlCol="0">
-            <a:spAutoFit/>
-          </a:bodyPr>
-          <a:lstStyle/>
-          <a:p>
-            <a:r>
-              <a:rPr lang="en-US" sz="1200" dirty="0"/>
-              <a:t>Bagged trees combines many trees with the goal of reducing variance.</a:t>
-            </a:r>
-          </a:p>
-          <a:p>
-            <a:r>
-              <a:rPr lang="en-US" sz="1200" dirty="0"/>
-              <a:t>Bagging </a:t>
-            </a:r>
-            <a:r>
-              <a:rPr lang="en-US" sz="1200" dirty="0">
-                <a:sym typeface="Wingdings" panose="05000000000000000000" pitchFamily="2" charset="2"/>
-              </a:rPr>
-              <a:t> Bootstrap Aggregating</a:t>
-            </a:r>
-            <a:endParaRPr lang="en-US" sz="1200" dirty="0"/>
-          </a:p>
-        </p:txBody>
-      </p:sp>
-      <p:pic>
-        <p:nvPicPr>
-          <p:cNvPr id="5" name="Picture 4"/>
-          <p:cNvPicPr>
-            <a:picLocks noChangeAspect="1"/>
-          </p:cNvPicPr>
-          <p:nvPr/>
-        </p:nvPicPr>
-        <p:blipFill>
-          <a:blip r:embed="rId2"/>
-          <a:stretch>
-            <a:fillRect/>
-          </a:stretch>
-        </p:blipFill>
-        <p:spPr>
-          <a:xfrm>
-            <a:off x="5646364" y="1010024"/>
-            <a:ext cx="3100646" cy="2265502"/>
-          </a:xfrm>
-          <a:prstGeom prst="rect">
-            <a:avLst/>
-          </a:prstGeom>
-        </p:spPr>
-      </p:pic>
-      <p:sp>
-        <p:nvSpPr>
-          <p:cNvPr id="14" name="Content Placeholder 3"/>
-          <p:cNvSpPr>
-            <a:spLocks noGrp="1"/>
-          </p:cNvSpPr>
-          <p:nvPr>
-            <p:ph sz="half" idx="1"/>
-          </p:nvPr>
-        </p:nvSpPr>
-        <p:spPr>
-          <a:xfrm>
-            <a:off x="6335059" y="3589319"/>
-            <a:ext cx="2600781" cy="1690745"/>
-          </a:xfrm>
-        </p:spPr>
-        <p:txBody>
-          <a:bodyPr>
-            <a:normAutofit/>
-          </a:bodyPr>
-          <a:lstStyle/>
-          <a:p>
-            <a:pPr marL="0" indent="0">
-              <a:buNone/>
-            </a:pPr>
-            <a:r>
-              <a:rPr lang="en-US" sz="1050"/>
-              <a:t>In binary classification, we can predict numeric values instead of class labels. In fact, class labels are created only after you use the model to predict a raw, numeric, predicted value for a test point.</a:t>
-            </a:r>
-          </a:p>
-          <a:p>
-            <a:pPr marL="0" indent="0">
-              <a:buNone/>
-            </a:pPr>
-            <a:r>
-              <a:rPr lang="en-US" sz="1050"/>
-              <a:t>The predicted label is generated by applying a threshold to the predicted value, such that all test points with predicted value greater than the threshold get a label of “1” and points below get a label of “0”.</a:t>
-            </a:r>
-            <a:endParaRPr lang="en-US" sz="800"/>
-          </a:p>
-        </p:txBody>
-      </p:sp>
-      <p:sp>
-        <p:nvSpPr>
-          <p:cNvPr id="15" name="Content Placeholder 3"/>
-          <p:cNvSpPr>
-            <a:spLocks noGrp="1"/>
-          </p:cNvSpPr>
-          <p:nvPr>
-            <p:ph sz="half" idx="1"/>
-          </p:nvPr>
-        </p:nvSpPr>
-        <p:spPr>
-          <a:xfrm>
-            <a:off x="4344602" y="2946497"/>
-            <a:ext cx="1541964" cy="423273"/>
-          </a:xfrm>
-        </p:spPr>
-        <p:txBody>
-          <a:bodyPr>
-            <a:normAutofit fontScale="92500" lnSpcReduction="10000"/>
-          </a:bodyPr>
-          <a:lstStyle/>
-          <a:p>
-            <a:pPr marL="0" indent="0">
-              <a:buNone/>
-            </a:pPr>
-            <a:r>
-              <a:rPr lang="en-US" sz="1000" b="1">
-                <a:solidFill>
-                  <a:schemeClr val="accent2">
-                    <a:lumMod val="75000"/>
-                  </a:schemeClr>
-                </a:solidFill>
-              </a:rPr>
-              <a:t>“prob” changes this to a predicted value as opposed to a class label</a:t>
-            </a:r>
-          </a:p>
-        </p:txBody>
-      </p:sp>
-      <p:sp>
-        <p:nvSpPr>
-          <p:cNvPr id="18" name="Right Arrow 17"/>
-          <p:cNvSpPr/>
-          <p:nvPr/>
-        </p:nvSpPr>
-        <p:spPr>
-          <a:xfrm rot="15023629">
-            <a:off x="4665043" y="2577440"/>
-            <a:ext cx="566914" cy="152796"/>
-          </a:xfrm>
-          <a:prstGeom prst="rightArrow">
-            <a:avLst/>
-          </a:prstGeom>
-        </p:spPr>
-        <p:style>
-          <a:lnRef idx="2">
-            <a:schemeClr val="accent1">
-              <a:shade val="50000"/>
-            </a:schemeClr>
-          </a:lnRef>
-          <a:fillRef idx="1">
-            <a:schemeClr val="accent1"/>
-          </a:fillRef>
-          <a:effectRef idx="0">
-            <a:schemeClr val="accent1"/>
-          </a:effectRef>
-          <a:fontRef idx="minor">
-            <a:schemeClr val="lt1"/>
-          </a:fontRef>
-        </p:style>
-        <p:txBody>
-          <a:bodyPr rtlCol="0" anchor="ctr"/>
-          <a:lstStyle/>
-          <a:p>
-            <a:pPr algn="ctr"/>
-            <a:endParaRPr lang="en-US"/>
-          </a:p>
-        </p:txBody>
-      </p:sp>
-      <p:sp>
-        <p:nvSpPr>
-          <p:cNvPr id="19" name="Content Placeholder 3"/>
-          <p:cNvSpPr>
-            <a:spLocks noGrp="1"/>
-          </p:cNvSpPr>
-          <p:nvPr>
-            <p:ph sz="half" idx="1"/>
-          </p:nvPr>
-        </p:nvSpPr>
-        <p:spPr>
-          <a:xfrm>
-            <a:off x="4536107" y="4517612"/>
-            <a:ext cx="1541964" cy="337042"/>
-          </a:xfrm>
-        </p:spPr>
-        <p:txBody>
-          <a:bodyPr>
-            <a:normAutofit fontScale="92500" lnSpcReduction="10000"/>
-          </a:bodyPr>
-          <a:lstStyle/>
-          <a:p>
-            <a:pPr marL="0" indent="0" algn="ctr">
-              <a:buNone/>
-            </a:pPr>
-            <a:r>
-              <a:rPr lang="en-US" sz="1000" b="1">
-                <a:solidFill>
-                  <a:schemeClr val="accent2">
-                    <a:lumMod val="75000"/>
-                  </a:schemeClr>
-                </a:solidFill>
-              </a:rPr>
-              <a:t>model object</a:t>
-            </a:r>
-            <a:br>
-              <a:rPr lang="en-US" sz="1000" b="1">
-                <a:solidFill>
-                  <a:schemeClr val="accent2">
-                    <a:lumMod val="75000"/>
-                  </a:schemeClr>
-                </a:solidFill>
-              </a:rPr>
-            </a:br>
-            <a:r>
-              <a:rPr lang="en-US" sz="1000" b="1">
-                <a:solidFill>
-                  <a:schemeClr val="accent2">
-                    <a:lumMod val="75000"/>
-                  </a:schemeClr>
-                </a:solidFill>
-              </a:rPr>
-              <a:t>names(credit_caret_model)</a:t>
-            </a:r>
-          </a:p>
-        </p:txBody>
-      </p:sp>
-      <p:sp>
-        <p:nvSpPr>
-          <p:cNvPr id="20" name="Right Arrow 19"/>
-          <p:cNvSpPr/>
-          <p:nvPr/>
-        </p:nvSpPr>
-        <p:spPr>
-          <a:xfrm rot="12064605">
-            <a:off x="4105231" y="4375175"/>
-            <a:ext cx="788302" cy="152796"/>
-          </a:xfrm>
-          <a:prstGeom prst="rightArrow">
-            <a:avLst/>
-          </a:prstGeom>
-        </p:spPr>
-        <p:style>
-          <a:lnRef idx="2">
-            <a:schemeClr val="accent1">
-              <a:shade val="50000"/>
-            </a:schemeClr>
-          </a:lnRef>
-          <a:fillRef idx="1">
-            <a:schemeClr val="accent1"/>
-          </a:fillRef>
-          <a:effectRef idx="0">
-            <a:schemeClr val="accent1"/>
-          </a:effectRef>
-          <a:fontRef idx="minor">
-            <a:schemeClr val="lt1"/>
-          </a:fontRef>
-        </p:style>
-        <p:txBody>
-          <a:bodyPr rtlCol="0" anchor="ctr"/>
-          <a:lstStyle/>
-          <a:p>
-            <a:pPr algn="ctr"/>
-            <a:endParaRPr lang="en-US"/>
-          </a:p>
-        </p:txBody>
-      </p:sp>
-      <p:sp>
-        <p:nvSpPr>
-          <p:cNvPr id="23" name="Content Placeholder 3"/>
-          <p:cNvSpPr>
-            <a:spLocks noGrp="1"/>
-          </p:cNvSpPr>
-          <p:nvPr>
-            <p:ph sz="half" idx="1"/>
-          </p:nvPr>
-        </p:nvSpPr>
-        <p:spPr>
-          <a:xfrm>
-            <a:off x="4104126" y="1166889"/>
-            <a:ext cx="1298330" cy="337042"/>
-          </a:xfrm>
-        </p:spPr>
-        <p:txBody>
-          <a:bodyPr>
-            <a:normAutofit fontScale="92500" lnSpcReduction="10000"/>
-          </a:bodyPr>
-          <a:lstStyle/>
-          <a:p>
-            <a:pPr marL="0" indent="0" algn="ctr">
-              <a:buNone/>
-            </a:pPr>
-            <a:r>
-              <a:rPr lang="en-US" sz="1000" b="1">
-                <a:solidFill>
-                  <a:schemeClr val="accent2">
-                    <a:lumMod val="75000"/>
-                  </a:schemeClr>
-                </a:solidFill>
-              </a:rPr>
-              <a:t>model object</a:t>
-            </a:r>
-            <a:br>
-              <a:rPr lang="en-US" sz="1000" b="1">
-                <a:solidFill>
-                  <a:schemeClr val="accent2">
-                    <a:lumMod val="75000"/>
-                  </a:schemeClr>
-                </a:solidFill>
-              </a:rPr>
-            </a:br>
-            <a:r>
-              <a:rPr lang="en-US" sz="1000" b="1">
-                <a:solidFill>
-                  <a:schemeClr val="accent2">
-                    <a:lumMod val="75000"/>
-                  </a:schemeClr>
-                </a:solidFill>
-              </a:rPr>
-              <a:t>names(credit_model)</a:t>
-            </a:r>
-          </a:p>
-        </p:txBody>
-      </p:sp>
-      <p:sp>
-        <p:nvSpPr>
-          <p:cNvPr id="24" name="Right Arrow 23"/>
-          <p:cNvSpPr/>
-          <p:nvPr/>
-        </p:nvSpPr>
-        <p:spPr>
-          <a:xfrm rot="10282481">
-            <a:off x="3382216" y="1320641"/>
-            <a:ext cx="788302" cy="152796"/>
-          </a:xfrm>
-          <a:prstGeom prst="rightArrow">
-            <a:avLst/>
-          </a:prstGeom>
-        </p:spPr>
-        <p:style>
-          <a:lnRef idx="2">
-            <a:schemeClr val="accent1">
-              <a:shade val="50000"/>
-            </a:schemeClr>
-          </a:lnRef>
-          <a:fillRef idx="1">
-            <a:schemeClr val="accent1"/>
-          </a:fillRef>
-          <a:effectRef idx="0">
-            <a:schemeClr val="accent1"/>
-          </a:effectRef>
-          <a:fontRef idx="minor">
-            <a:schemeClr val="lt1"/>
-          </a:fontRef>
-        </p:style>
-        <p:txBody>
-          <a:bodyPr rtlCol="0" anchor="ctr"/>
-          <a:lstStyle/>
-          <a:p>
-            <a:pPr algn="ctr"/>
-            <a:endParaRPr lang="en-US"/>
-          </a:p>
-        </p:txBody>
-      </p:sp>
-      <p:pic>
-        <p:nvPicPr>
-          <p:cNvPr id="6" name="Picture 5"/>
-          <p:cNvPicPr>
-            <a:picLocks noChangeAspect="1"/>
-          </p:cNvPicPr>
-          <p:nvPr/>
-        </p:nvPicPr>
-        <p:blipFill>
-          <a:blip r:embed="rId3"/>
-          <a:stretch>
-            <a:fillRect/>
-          </a:stretch>
-        </p:blipFill>
-        <p:spPr>
-          <a:xfrm>
-            <a:off x="5307089" y="5559134"/>
-            <a:ext cx="2612903" cy="1024732"/>
-          </a:xfrm>
-          <a:prstGeom prst="rect">
-            <a:avLst/>
-          </a:prstGeom>
-        </p:spPr>
-      </p:pic>
-    </p:spTree>
-    <p:extLst>
-      <p:ext uri="{BB962C8B-B14F-4D97-AF65-F5344CB8AC3E}">
-        <p14:creationId xmlns:p14="http://schemas.microsoft.com/office/powerpoint/2010/main" val="4180235199"/>
-      </p:ext>
-    </p:extLst>
-  </p:cSld>
-  <p:clrMapOvr>
-    <a:masterClrMapping/>
-  </p:clrMapOvr>
-</p:sld>
-</file>
-
-<file path=ppt/slides/slide8.xml><?xml version="1.0" encoding="utf-8"?>
-<p:sld xmlns:a="http://schemas.openxmlformats.org/drawingml/2006/main" xmlns:r="http://schemas.openxmlformats.org/officeDocument/2006/relationships" xmlns:p="http://schemas.openxmlformats.org/presentationml/2006/main">
-  <p:cSld>
-    <p:spTree>
-      <p:nvGrpSpPr>
-        <p:cNvPr id="1" name=""/>
-        <p:cNvGrpSpPr/>
-        <p:nvPr/>
-      </p:nvGrpSpPr>
-      <p:grpSpPr>
-        <a:xfrm>
-          <a:off x="0" y="0"/>
-          <a:ext cx="0" cy="0"/>
-          <a:chOff x="0" y="0"/>
-          <a:chExt cx="0" cy="0"/>
-        </a:xfrm>
-      </p:grpSpPr>
-      <p:sp>
-        <p:nvSpPr>
-          <p:cNvPr id="4" name="Content Placeholder 3"/>
-          <p:cNvSpPr>
-            <a:spLocks noGrp="1"/>
-          </p:cNvSpPr>
-          <p:nvPr>
-            <p:ph sz="half" idx="1"/>
-          </p:nvPr>
-        </p:nvSpPr>
-        <p:spPr>
-          <a:xfrm>
-            <a:off x="411873" y="500654"/>
-            <a:ext cx="2749680" cy="284405"/>
-          </a:xfrm>
-        </p:spPr>
-        <p:txBody>
-          <a:bodyPr>
-            <a:normAutofit/>
-          </a:bodyPr>
-          <a:lstStyle/>
-          <a:p>
-            <a:pPr marL="0" indent="0">
-              <a:buNone/>
-            </a:pPr>
-            <a:r>
-              <a:rPr lang="en-US" sz="1050" b="1">
-                <a:solidFill>
-                  <a:schemeClr val="accent2">
-                    <a:lumMod val="75000"/>
-                  </a:schemeClr>
-                </a:solidFill>
-              </a:rPr>
-              <a:t>creditsub is a data frame</a:t>
-            </a:r>
-          </a:p>
-          <a:p>
-            <a:pPr marL="0" indent="0">
-              <a:buNone/>
-            </a:pPr>
-            <a:endParaRPr lang="en-US" sz="1050" b="1">
-              <a:solidFill>
-                <a:schemeClr val="accent2">
-                  <a:lumMod val="75000"/>
-                </a:schemeClr>
-              </a:solidFill>
-            </a:endParaRPr>
-          </a:p>
-        </p:txBody>
-      </p:sp>
-      <p:sp>
-        <p:nvSpPr>
-          <p:cNvPr id="11" name="TextBox 10">
-            <a:extLst>
-              <a:ext uri="{FF2B5EF4-FFF2-40B4-BE49-F238E27FC236}">
-                <a16:creationId xmlns:a16="http://schemas.microsoft.com/office/drawing/2014/main" id="{8FA4E600-36BF-419F-B739-8B99F6702248}"/>
-              </a:ext>
-            </a:extLst>
-          </p:cNvPr>
-          <p:cNvSpPr txBox="1"/>
-          <p:nvPr/>
-        </p:nvSpPr>
-        <p:spPr>
-          <a:xfrm>
-            <a:off x="411873" y="862459"/>
-            <a:ext cx="5935139" cy="5586145"/>
-          </a:xfrm>
-          <a:prstGeom prst="rect">
-            <a:avLst/>
-          </a:prstGeom>
-          <a:noFill/>
-        </p:spPr>
-        <p:txBody>
-          <a:bodyPr wrap="square" rtlCol="0">
-            <a:spAutoFit/>
-          </a:bodyPr>
-          <a:lstStyle/>
-          <a:p>
+          <a:p>
+            <a:r>
+              <a:rPr lang="en-US" sz="1050" dirty="0">
+                <a:latin typeface="Consolas" panose="020B0609020204030204" pitchFamily="49" charset="0"/>
+              </a:rPr>
+              <a:t>summary(</a:t>
+            </a:r>
             <a:r>
               <a:rPr lang="en-US" sz="1050" dirty="0" err="1">
                 <a:latin typeface="Consolas" panose="020B0609020204030204" pitchFamily="49" charset="0"/>
               </a:rPr>
-              <a:t>set.seed</a:t>
-            </a:r>
-            <a:r>
-              <a:rPr lang="en-US" sz="1050" dirty="0">
-                <a:latin typeface="Consolas" panose="020B0609020204030204" pitchFamily="49" charset="0"/>
-              </a:rPr>
-              <a:t>(1)</a:t>
-            </a:r>
-          </a:p>
-          <a:p>
-            <a:r>
-              <a:rPr lang="en-US" sz="1050" dirty="0">
-                <a:latin typeface="Consolas" panose="020B0609020204030204" pitchFamily="49" charset="0"/>
-              </a:rPr>
-              <a:t>library(</a:t>
-            </a:r>
-            <a:r>
-              <a:rPr lang="en-US" sz="1050" dirty="0" err="1">
-                <a:latin typeface="Consolas" panose="020B0609020204030204" pitchFamily="49" charset="0"/>
-              </a:rPr>
-              <a:t>randomForest</a:t>
+              <a:t>hclust.out</a:t>
             </a:r>
             <a:r>
               <a:rPr lang="en-US" sz="1050" dirty="0">
@@ -6891,37 +4831,25 @@
               <a:rPr lang="en-US" sz="1050" dirty="0" err="1">
                 <a:latin typeface="Consolas" panose="020B0609020204030204" pitchFamily="49" charset="0"/>
               </a:rPr>
-              <a:t>credit_model</a:t>
+              <a:t>cutree</a:t>
             </a:r>
             <a:r>
               <a:rPr lang="en-US" sz="1050" dirty="0">
                 <a:latin typeface="Consolas" panose="020B0609020204030204" pitchFamily="49" charset="0"/>
               </a:rPr>
-              <a:t> &lt;- </a:t>
+              <a:t>(</a:t>
             </a:r>
             <a:r>
               <a:rPr lang="en-US" sz="1050" dirty="0" err="1">
                 <a:latin typeface="Consolas" panose="020B0609020204030204" pitchFamily="49" charset="0"/>
               </a:rPr>
-              <a:t>randomForest</a:t>
+              <a:t>hclust.out</a:t>
             </a:r>
             <a:r>
               <a:rPr lang="en-US" sz="1050" dirty="0">
                 <a:latin typeface="Consolas" panose="020B0609020204030204" pitchFamily="49" charset="0"/>
               </a:rPr>
-              <a:t>(formula = default ~ ., data = </a:t>
-            </a:r>
-            <a:r>
-              <a:rPr lang="en-US" sz="1050" dirty="0" err="1">
-                <a:latin typeface="Consolas" panose="020B0609020204030204" pitchFamily="49" charset="0"/>
-              </a:rPr>
-              <a:t>credit_train</a:t>
-            </a:r>
-            <a:r>
-              <a:rPr lang="en-US" sz="1050" dirty="0">
-                <a:latin typeface="Consolas" panose="020B0609020204030204" pitchFamily="49" charset="0"/>
-              </a:rPr>
-              <a:t>)</a:t>
+              <a:t>, h = 7)</a:t>
             </a:r>
           </a:p>
           <a:p>
@@ -6931,107 +4859,183 @@
           </a:p>
           <a:p>
             <a:r>
+              <a:rPr lang="en-US" sz="1050" dirty="0" err="1">
+                <a:latin typeface="Consolas" panose="020B0609020204030204" pitchFamily="49" charset="0"/>
+              </a:rPr>
+              <a:t>cutree</a:t>
+            </a:r>
+            <a:r>
               <a:rPr lang="en-US" sz="1050" dirty="0">
                 <a:latin typeface="Consolas" panose="020B0609020204030204" pitchFamily="49" charset="0"/>
               </a:rPr>
-              <a:t>err &lt;- </a:t>
+              <a:t>(</a:t>
             </a:r>
             <a:r>
               <a:rPr lang="en-US" sz="1050" dirty="0" err="1">
                 <a:latin typeface="Consolas" panose="020B0609020204030204" pitchFamily="49" charset="0"/>
               </a:rPr>
-              <a:t>credit_model$err.rate</a:t>
-            </a:r>
+              <a:t>hclust.out</a:t>
+            </a:r>
+            <a:r>
+              <a:rPr lang="en-US" sz="1050" dirty="0">
+                <a:latin typeface="Consolas" panose="020B0609020204030204" pitchFamily="49" charset="0"/>
+              </a:rPr>
+              <a:t>, k = 3)</a:t>
+            </a:r>
+          </a:p>
+          <a:p>
             <a:endParaRPr lang="en-US" sz="1050" dirty="0">
               <a:latin typeface="Consolas" panose="020B0609020204030204" pitchFamily="49" charset="0"/>
             </a:endParaRPr>
           </a:p>
           <a:p>
+            <a:r>
+              <a:rPr lang="en-US" sz="1050" dirty="0" err="1">
+                <a:latin typeface="Consolas" panose="020B0609020204030204" pitchFamily="49" charset="0"/>
+              </a:rPr>
+              <a:t>hclust.complete</a:t>
+            </a:r>
+            <a:r>
+              <a:rPr lang="en-US" sz="1050" dirty="0">
+                <a:latin typeface="Consolas" panose="020B0609020204030204" pitchFamily="49" charset="0"/>
+              </a:rPr>
+              <a:t> &lt;- </a:t>
+            </a:r>
+            <a:r>
+              <a:rPr lang="en-US" sz="1050" dirty="0" err="1">
+                <a:latin typeface="Consolas" panose="020B0609020204030204" pitchFamily="49" charset="0"/>
+              </a:rPr>
+              <a:t>hclust</a:t>
+            </a:r>
+            <a:r>
+              <a:rPr lang="en-US" sz="1050" dirty="0">
+                <a:latin typeface="Consolas" panose="020B0609020204030204" pitchFamily="49" charset="0"/>
+              </a:rPr>
+              <a:t>(</a:t>
+            </a:r>
+            <a:r>
+              <a:rPr lang="en-US" sz="1050" dirty="0" err="1">
+                <a:latin typeface="Consolas" panose="020B0609020204030204" pitchFamily="49" charset="0"/>
+              </a:rPr>
+              <a:t>dist</a:t>
+            </a:r>
+            <a:r>
+              <a:rPr lang="en-US" sz="1050" dirty="0">
+                <a:latin typeface="Consolas" panose="020B0609020204030204" pitchFamily="49" charset="0"/>
+              </a:rPr>
+              <a:t>(x), method = “complete”)</a:t>
+            </a:r>
+          </a:p>
+          <a:p>
+            <a:r>
+              <a:rPr lang="en-US" sz="1050" dirty="0" err="1">
+                <a:latin typeface="Consolas" panose="020B0609020204030204" pitchFamily="49" charset="0"/>
+              </a:rPr>
+              <a:t>hclust.average</a:t>
+            </a:r>
+            <a:r>
+              <a:rPr lang="en-US" sz="1050" dirty="0">
+                <a:latin typeface="Consolas" panose="020B0609020204030204" pitchFamily="49" charset="0"/>
+              </a:rPr>
+              <a:t> &lt;- </a:t>
+            </a:r>
+            <a:r>
+              <a:rPr lang="en-US" sz="1050" dirty="0" err="1">
+                <a:latin typeface="Consolas" panose="020B0609020204030204" pitchFamily="49" charset="0"/>
+              </a:rPr>
+              <a:t>hclust</a:t>
+            </a:r>
+            <a:r>
+              <a:rPr lang="en-US" sz="1050" dirty="0">
+                <a:latin typeface="Consolas" panose="020B0609020204030204" pitchFamily="49" charset="0"/>
+              </a:rPr>
+              <a:t>(</a:t>
+            </a:r>
+            <a:r>
+              <a:rPr lang="en-US" sz="1050" dirty="0" err="1">
+                <a:latin typeface="Consolas" panose="020B0609020204030204" pitchFamily="49" charset="0"/>
+              </a:rPr>
+              <a:t>dist</a:t>
+            </a:r>
+            <a:r>
+              <a:rPr lang="en-US" sz="1050" dirty="0">
+                <a:latin typeface="Consolas" panose="020B0609020204030204" pitchFamily="49" charset="0"/>
+              </a:rPr>
+              <a:t>(x), method = “average”)</a:t>
+            </a:r>
+          </a:p>
+          <a:p>
+            <a:r>
+              <a:rPr lang="en-US" sz="1050" dirty="0" err="1">
+                <a:latin typeface="Consolas" panose="020B0609020204030204" pitchFamily="49" charset="0"/>
+              </a:rPr>
+              <a:t>hclust.single</a:t>
+            </a:r>
+            <a:r>
+              <a:rPr lang="en-US" sz="1050" dirty="0">
+                <a:latin typeface="Consolas" panose="020B0609020204030204" pitchFamily="49" charset="0"/>
+              </a:rPr>
+              <a:t> &lt;- </a:t>
+            </a:r>
+            <a:r>
+              <a:rPr lang="en-US" sz="1050" dirty="0" err="1">
+                <a:latin typeface="Consolas" panose="020B0609020204030204" pitchFamily="49" charset="0"/>
+              </a:rPr>
+              <a:t>hclust</a:t>
+            </a:r>
+            <a:r>
+              <a:rPr lang="en-US" sz="1050" dirty="0">
+                <a:latin typeface="Consolas" panose="020B0609020204030204" pitchFamily="49" charset="0"/>
+              </a:rPr>
+              <a:t>(</a:t>
+            </a:r>
+            <a:r>
+              <a:rPr lang="en-US" sz="1050" dirty="0" err="1">
+                <a:latin typeface="Consolas" panose="020B0609020204030204" pitchFamily="49" charset="0"/>
+              </a:rPr>
+              <a:t>dist</a:t>
+            </a:r>
+            <a:r>
+              <a:rPr lang="en-US" sz="1050" dirty="0">
+                <a:latin typeface="Consolas" panose="020B0609020204030204" pitchFamily="49" charset="0"/>
+              </a:rPr>
+              <a:t>(x), method = “single”)</a:t>
+            </a:r>
+          </a:p>
+          <a:p>
             <a:endParaRPr lang="en-US" sz="1050" dirty="0">
               <a:latin typeface="Consolas" panose="020B0609020204030204" pitchFamily="49" charset="0"/>
             </a:endParaRPr>
           </a:p>
           <a:p>
-            <a:r>
-              <a:rPr lang="en-US" sz="1050" dirty="0" err="1">
-                <a:latin typeface="Consolas" panose="020B0609020204030204" pitchFamily="49" charset="0"/>
-              </a:rPr>
-              <a:t>oob_err</a:t>
-            </a:r>
-            <a:r>
-              <a:rPr lang="en-US" sz="1050" dirty="0">
-                <a:latin typeface="Consolas" panose="020B0609020204030204" pitchFamily="49" charset="0"/>
-              </a:rPr>
-              <a:t> &lt;- err[500, “</a:t>
-            </a:r>
-            <a:r>
-              <a:rPr lang="en-US" sz="1050" dirty="0" err="1">
-                <a:latin typeface="Consolas" panose="020B0609020204030204" pitchFamily="49" charset="0"/>
-              </a:rPr>
-              <a:t>OOB</a:t>
-            </a:r>
-            <a:r>
-              <a:rPr lang="en-US" sz="1050" dirty="0">
-                <a:latin typeface="Consolas" panose="020B0609020204030204" pitchFamily="49" charset="0"/>
-              </a:rPr>
-              <a:t>”]</a:t>
-            </a:r>
-          </a:p>
-          <a:p>
             <a:endParaRPr lang="en-US" sz="1050" dirty="0">
               <a:latin typeface="Consolas" panose="020B0609020204030204" pitchFamily="49" charset="0"/>
             </a:endParaRPr>
           </a:p>
           <a:p>
             <a:r>
+              <a:rPr lang="en-US" sz="1050" dirty="0" err="1">
+                <a:latin typeface="Consolas" panose="020B0609020204030204" pitchFamily="49" charset="0"/>
+              </a:rPr>
+              <a:t>colMeans</a:t>
+            </a:r>
+            <a:r>
               <a:rPr lang="en-US" sz="1050" dirty="0">
                 <a:latin typeface="Consolas" panose="020B0609020204030204" pitchFamily="49" charset="0"/>
               </a:rPr>
-              <a:t>plot(</a:t>
+              <a:t>(</a:t>
             </a:r>
             <a:r>
               <a:rPr lang="en-US" sz="1050" dirty="0" err="1">
                 <a:latin typeface="Consolas" panose="020B0609020204030204" pitchFamily="49" charset="0"/>
               </a:rPr>
-              <a:t>credit_model</a:t>
+              <a:t>pokemon</a:t>
             </a:r>
             <a:r>
               <a:rPr lang="en-US" sz="1050" dirty="0">
                 <a:latin typeface="Consolas" panose="020B0609020204030204" pitchFamily="49" charset="0"/>
               </a:rPr>
               <a:t>)</a:t>
-            </a:r>
-          </a:p>
-          <a:p>
-            <a:r>
-              <a:rPr lang="en-US" sz="1050" dirty="0">
-                <a:latin typeface="Consolas" panose="020B0609020204030204" pitchFamily="49" charset="0"/>
-              </a:rPr>
-              <a:t>legend(x = “right”, legend = </a:t>
-            </a:r>
-            <a:r>
-              <a:rPr lang="en-US" sz="1050" dirty="0" err="1">
-                <a:latin typeface="Consolas" panose="020B0609020204030204" pitchFamily="49" charset="0"/>
-              </a:rPr>
-              <a:t>colnames</a:t>
-            </a:r>
-            <a:r>
-              <a:rPr lang="en-US" sz="1050" dirty="0">
-                <a:latin typeface="Consolas" panose="020B0609020204030204" pitchFamily="49" charset="0"/>
-              </a:rPr>
-              <a:t>(err), fill = </a:t>
-            </a:r>
-            <a:r>
-              <a:rPr lang="en-US" sz="1050" dirty="0" err="1">
-                <a:latin typeface="Consolas" panose="020B0609020204030204" pitchFamily="49" charset="0"/>
-              </a:rPr>
-              <a:t>1:ncol</a:t>
-            </a:r>
-            <a:r>
-              <a:rPr lang="en-US" sz="1050" dirty="0">
-                <a:latin typeface="Consolas" panose="020B0609020204030204" pitchFamily="49" charset="0"/>
-              </a:rPr>
-              <a:t>(err))</a:t>
             </a:r>
           </a:p>
           <a:p>
@@ -7041,60 +5045,34 @@
           </a:p>
           <a:p>
             <a:r>
+              <a:rPr lang="en-US" sz="1050" dirty="0">
+                <a:latin typeface="Consolas" panose="020B0609020204030204" pitchFamily="49" charset="0"/>
+              </a:rPr>
+              <a:t>apply(</a:t>
+            </a:r>
+            <a:r>
               <a:rPr lang="en-US" sz="1050" dirty="0" err="1">
                 <a:latin typeface="Consolas" panose="020B0609020204030204" pitchFamily="49" charset="0"/>
               </a:rPr>
-              <a:t>credit_pred</a:t>
+              <a:t>pokemon</a:t>
             </a:r>
             <a:r>
               <a:rPr lang="en-US" sz="1050" dirty="0">
                 <a:latin typeface="Consolas" panose="020B0609020204030204" pitchFamily="49" charset="0"/>
               </a:rPr>
-              <a:t> &lt;- predict(object = </a:t>
+              <a:t>, 2, </a:t>
             </a:r>
             <a:r>
               <a:rPr lang="en-US" sz="1050" dirty="0" err="1">
                 <a:latin typeface="Consolas" panose="020B0609020204030204" pitchFamily="49" charset="0"/>
               </a:rPr>
-              <a:t>credit_model</a:t>
+              <a:t>sd</a:t>
             </a:r>
             <a:r>
               <a:rPr lang="en-US" sz="1050" dirty="0">
                 <a:latin typeface="Consolas" panose="020B0609020204030204" pitchFamily="49" charset="0"/>
               </a:rPr>
-              <a:t>,</a:t>
-            </a:r>
-          </a:p>
-          <a:p>
-            <a:r>
-              <a:rPr lang="en-US" sz="1050" dirty="0">
-                <a:latin typeface="Consolas" panose="020B0609020204030204" pitchFamily="49" charset="0"/>
-              </a:rPr>
-              <a:t>			     </a:t>
-            </a:r>
-            <a:r>
-              <a:rPr lang="en-US" sz="1050" dirty="0" err="1">
-                <a:latin typeface="Consolas" panose="020B0609020204030204" pitchFamily="49" charset="0"/>
-              </a:rPr>
-              <a:t>newdata</a:t>
-            </a:r>
-            <a:r>
-              <a:rPr lang="en-US" sz="1050" dirty="0">
-                <a:latin typeface="Consolas" panose="020B0609020204030204" pitchFamily="49" charset="0"/>
-              </a:rPr>
-              <a:t> = </a:t>
-            </a:r>
-            <a:r>
-              <a:rPr lang="en-US" sz="1050" dirty="0" err="1">
-                <a:latin typeface="Consolas" panose="020B0609020204030204" pitchFamily="49" charset="0"/>
-              </a:rPr>
-              <a:t>credit_test</a:t>
-            </a:r>
-            <a:r>
-              <a:rPr lang="en-US" sz="1050" dirty="0">
-                <a:latin typeface="Consolas" panose="020B0609020204030204" pitchFamily="49" charset="0"/>
-              </a:rPr>
-              <a:t>,  type = “class”)</a:t>
+              <a:t>)</a:t>
             </a:r>
           </a:p>
           <a:p>
@@ -7104,48 +5082,22 @@
           </a:p>
           <a:p>
             <a:r>
+              <a:rPr lang="en-US" sz="1050" dirty="0" err="1">
+                <a:latin typeface="Consolas" panose="020B0609020204030204" pitchFamily="49" charset="0"/>
+              </a:rPr>
+              <a:t>pokemon.scaled</a:t>
+            </a:r>
+            <a:r>
               <a:rPr lang="en-US" sz="1050" dirty="0">
                 <a:latin typeface="Consolas" panose="020B0609020204030204" pitchFamily="49" charset="0"/>
               </a:rPr>
-              <a:t>cm &lt;- </a:t>
+              <a:t> &lt;- scale(</a:t>
             </a:r>
             <a:r>
               <a:rPr lang="en-US" sz="1050" dirty="0" err="1">
                 <a:latin typeface="Consolas" panose="020B0609020204030204" pitchFamily="49" charset="0"/>
               </a:rPr>
-              <a:t>confusionMatrix</a:t>
-            </a:r>
-            <a:r>
-              <a:rPr lang="en-US" sz="1050" dirty="0">
-                <a:latin typeface="Consolas" panose="020B0609020204030204" pitchFamily="49" charset="0"/>
-              </a:rPr>
-              <a:t>(data = </a:t>
-            </a:r>
-            <a:r>
-              <a:rPr lang="en-US" sz="1050" dirty="0" err="1">
-                <a:latin typeface="Consolas" panose="020B0609020204030204" pitchFamily="49" charset="0"/>
-              </a:rPr>
-              <a:t>class_prediction</a:t>
-            </a:r>
-            <a:r>
-              <a:rPr lang="en-US" sz="1050" dirty="0">
-                <a:latin typeface="Consolas" panose="020B0609020204030204" pitchFamily="49" charset="0"/>
-              </a:rPr>
-              <a:t>,</a:t>
-            </a:r>
-          </a:p>
-          <a:p>
-            <a:r>
-              <a:rPr lang="en-US" sz="1050" dirty="0">
-                <a:latin typeface="Consolas" panose="020B0609020204030204" pitchFamily="49" charset="0"/>
-              </a:rPr>
-              <a:t>			    reference = </a:t>
-            </a:r>
-            <a:r>
-              <a:rPr lang="en-US" sz="1050" dirty="0" err="1">
-                <a:latin typeface="Consolas" panose="020B0609020204030204" pitchFamily="49" charset="0"/>
-              </a:rPr>
-              <a:t>credit_test$default</a:t>
+              <a:t>pokemon</a:t>
             </a:r>
             <a:r>
               <a:rPr lang="en-US" sz="1050" dirty="0">
@@ -7164,63 +5116,49 @@
               <a:rPr lang="en-US" sz="1050" dirty="0" err="1">
                 <a:latin typeface="Consolas" panose="020B0609020204030204" pitchFamily="49" charset="0"/>
               </a:rPr>
-              <a:t>paste0</a:t>
+              <a:t>hclust.pokemon</a:t>
             </a:r>
             <a:r>
               <a:rPr lang="en-US" sz="1050" dirty="0">
                 <a:latin typeface="Consolas" panose="020B0609020204030204" pitchFamily="49" charset="0"/>
               </a:rPr>
-              <a:t>(“Test Accuracy: ”, </a:t>
+              <a:t> &lt;- </a:t>
             </a:r>
             <a:r>
               <a:rPr lang="en-US" sz="1050" dirty="0" err="1">
                 <a:latin typeface="Consolas" panose="020B0609020204030204" pitchFamily="49" charset="0"/>
               </a:rPr>
-              <a:t>cm$overall</a:t>
+              <a:t>hclust</a:t>
             </a:r>
             <a:r>
               <a:rPr lang="en-US" sz="1050" dirty="0">
                 <a:latin typeface="Consolas" panose="020B0609020204030204" pitchFamily="49" charset="0"/>
               </a:rPr>
-              <a:t>[1])</a:t>
-            </a:r>
-          </a:p>
-          <a:p>
+              <a:t>(</a:t>
+            </a:r>
             <a:r>
               <a:rPr lang="en-US" sz="1050" dirty="0" err="1">
                 <a:latin typeface="Consolas" panose="020B0609020204030204" pitchFamily="49" charset="0"/>
               </a:rPr>
-              <a:t>paste0</a:t>
+              <a:t>dist</a:t>
             </a:r>
             <a:r>
               <a:rPr lang="en-US" sz="1050" dirty="0">
                 <a:latin typeface="Consolas" panose="020B0609020204030204" pitchFamily="49" charset="0"/>
               </a:rPr>
-              <a:t>(“</a:t>
+              <a:t>(</a:t>
             </a:r>
             <a:r>
               <a:rPr lang="en-US" sz="1050" dirty="0" err="1">
                 <a:latin typeface="Consolas" panose="020B0609020204030204" pitchFamily="49" charset="0"/>
               </a:rPr>
-              <a:t>OOB</a:t>
+              <a:t>pokemon.scaled</a:t>
             </a:r>
             <a:r>
               <a:rPr lang="en-US" sz="1050" dirty="0">
                 <a:latin typeface="Consolas" panose="020B0609020204030204" pitchFamily="49" charset="0"/>
               </a:rPr>
-              <a:t> Accuracy: ”, 1 – </a:t>
-            </a:r>
-            <a:r>
-              <a:rPr lang="en-US" sz="1050" dirty="0" err="1">
-                <a:latin typeface="Consolas" panose="020B0609020204030204" pitchFamily="49" charset="0"/>
-              </a:rPr>
-              <a:t>obb_err</a:t>
-            </a:r>
-            <a:r>
-              <a:rPr lang="en-US" sz="1050" dirty="0">
-                <a:latin typeface="Consolas" panose="020B0609020204030204" pitchFamily="49" charset="0"/>
-              </a:rPr>
-              <a:t>)</a:t>
+              <a:t>), method = “complete”)</a:t>
             </a:r>
           </a:p>
           <a:p>
@@ -7233,57 +5171,37 @@
               <a:rPr lang="en-US" sz="1050" dirty="0" err="1">
                 <a:latin typeface="Consolas" panose="020B0609020204030204" pitchFamily="49" charset="0"/>
               </a:rPr>
-              <a:t>credit_pred</a:t>
+              <a:t>cut.pokemon</a:t>
             </a:r>
             <a:r>
               <a:rPr lang="en-US" sz="1050" dirty="0">
                 <a:latin typeface="Consolas" panose="020B0609020204030204" pitchFamily="49" charset="0"/>
               </a:rPr>
-              <a:t> &lt;- predict(object = </a:t>
+              <a:t> &lt;- </a:t>
             </a:r>
             <a:r>
               <a:rPr lang="en-US" sz="1050" dirty="0" err="1">
                 <a:latin typeface="Consolas" panose="020B0609020204030204" pitchFamily="49" charset="0"/>
               </a:rPr>
-              <a:t>credit_caret_model</a:t>
+              <a:t>cutree</a:t>
             </a:r>
             <a:r>
               <a:rPr lang="en-US" sz="1050" dirty="0">
                 <a:latin typeface="Consolas" panose="020B0609020204030204" pitchFamily="49" charset="0"/>
               </a:rPr>
-              <a:t>,</a:t>
-            </a:r>
-          </a:p>
-          <a:p>
+              <a:t>(</a:t>
+            </a:r>
+            <a:r>
+              <a:rPr lang="en-US" sz="1050" dirty="0" err="1">
+                <a:latin typeface="Consolas" panose="020B0609020204030204" pitchFamily="49" charset="0"/>
+              </a:rPr>
+              <a:t>hclust.pokemon</a:t>
+            </a:r>
             <a:r>
               <a:rPr lang="en-US" sz="1050" dirty="0">
                 <a:latin typeface="Consolas" panose="020B0609020204030204" pitchFamily="49" charset="0"/>
               </a:rPr>
-              <a:t>			     </a:t>
-            </a:r>
-            <a:r>
-              <a:rPr lang="en-US" sz="1050" dirty="0" err="1">
-                <a:latin typeface="Consolas" panose="020B0609020204030204" pitchFamily="49" charset="0"/>
-              </a:rPr>
-              <a:t>newdata</a:t>
-            </a:r>
-            <a:r>
-              <a:rPr lang="en-US" sz="1050" dirty="0">
-                <a:latin typeface="Consolas" panose="020B0609020204030204" pitchFamily="49" charset="0"/>
-              </a:rPr>
-              <a:t> = </a:t>
-            </a:r>
-            <a:r>
-              <a:rPr lang="en-US" sz="1050" dirty="0" err="1">
-                <a:latin typeface="Consolas" panose="020B0609020204030204" pitchFamily="49" charset="0"/>
-              </a:rPr>
-              <a:t>credit_test</a:t>
-            </a:r>
-            <a:r>
-              <a:rPr lang="en-US" sz="1050" dirty="0">
-                <a:latin typeface="Consolas" panose="020B0609020204030204" pitchFamily="49" charset="0"/>
-              </a:rPr>
-              <a:t>, type = “prob”)</a:t>
+              <a:t>, k = 3)</a:t>
             </a:r>
           </a:p>
           <a:p>
@@ -7293,1355 +5211,51 @@
           </a:p>
           <a:p>
             <a:r>
+              <a:rPr lang="en-US" sz="1050" dirty="0">
+                <a:latin typeface="Consolas" panose="020B0609020204030204" pitchFamily="49" charset="0"/>
+              </a:rPr>
+              <a:t>Compare </a:t>
+            </a:r>
+            <a:r>
+              <a:rPr lang="en-US" sz="1050" dirty="0">
+                <a:latin typeface="Consolas" panose="020B0609020204030204" pitchFamily="49" charset="0"/>
+                <a:sym typeface="Wingdings" panose="05000000000000000000" pitchFamily="2" charset="2"/>
+              </a:rPr>
+              <a:t> </a:t>
+            </a:r>
+            <a:r>
               <a:rPr lang="en-US" sz="1050" dirty="0" err="1">
                 <a:latin typeface="Consolas" panose="020B0609020204030204" pitchFamily="49" charset="0"/>
-              </a:rPr>
-              <a:t>auc</a:t>
+                <a:sym typeface="Wingdings" panose="05000000000000000000" pitchFamily="2" charset="2"/>
+              </a:rPr>
+              <a:t>km.pokemon$cluster</a:t>
             </a:r>
             <a:r>
               <a:rPr lang="en-US" sz="1050" dirty="0">
                 <a:latin typeface="Consolas" panose="020B0609020204030204" pitchFamily="49" charset="0"/>
-              </a:rPr>
-              <a:t>(actual = </a:t>
-            </a:r>
-            <a:r>
-              <a:rPr lang="en-US" sz="1050" dirty="0" err="1">
-                <a:latin typeface="Consolas" panose="020B0609020204030204" pitchFamily="49" charset="0"/>
-              </a:rPr>
-              <a:t>ifelse</a:t>
-            </a:r>
-            <a:r>
-              <a:rPr lang="en-US" sz="1050" dirty="0">
-                <a:latin typeface="Consolas" panose="020B0609020204030204" pitchFamily="49" charset="0"/>
-              </a:rPr>
-              <a:t>(</a:t>
-            </a:r>
-            <a:r>
-              <a:rPr lang="en-US" sz="1050" dirty="0" err="1">
-                <a:latin typeface="Consolas" panose="020B0609020204030204" pitchFamily="49" charset="0"/>
-              </a:rPr>
-              <a:t>credit_test$default</a:t>
-            </a:r>
-            <a:r>
-              <a:rPr lang="en-US" sz="1050" dirty="0">
-                <a:latin typeface="Consolas" panose="020B0609020204030204" pitchFamily="49" charset="0"/>
-              </a:rPr>
-              <a:t> == “yes”, 1, 0),</a:t>
-            </a:r>
-          </a:p>
-          <a:p>
-            <a:r>
-              <a:rPr lang="en-US" sz="1050" dirty="0">
-                <a:latin typeface="Consolas" panose="020B0609020204030204" pitchFamily="49" charset="0"/>
-              </a:rPr>
-              <a:t>			  predict = </a:t>
-            </a:r>
-            <a:r>
-              <a:rPr lang="en-US" sz="1050" dirty="0" err="1">
-                <a:latin typeface="Consolas" panose="020B0609020204030204" pitchFamily="49" charset="0"/>
-              </a:rPr>
-              <a:t>pred</a:t>
-            </a:r>
-            <a:r>
-              <a:rPr lang="en-US" sz="1050" dirty="0">
-                <a:latin typeface="Consolas" panose="020B0609020204030204" pitchFamily="49" charset="0"/>
-              </a:rPr>
-              <a:t>[ , “yes”])</a:t>
-            </a:r>
-          </a:p>
-          <a:p>
+                <a:sym typeface="Wingdings" panose="05000000000000000000" pitchFamily="2" charset="2"/>
+              </a:rPr>
+              <a:t> to </a:t>
+            </a:r>
+            <a:r>
+              <a:rPr lang="en-US" sz="1050">
+                <a:latin typeface="Consolas" panose="020B0609020204030204" pitchFamily="49" charset="0"/>
+                <a:sym typeface="Wingdings" panose="05000000000000000000" pitchFamily="2" charset="2"/>
+              </a:rPr>
+              <a:t>cut.pokemon</a:t>
+            </a:r>
             <a:endParaRPr lang="en-US" sz="1050" dirty="0">
               <a:latin typeface="Consolas" panose="020B0609020204030204" pitchFamily="49" charset="0"/>
             </a:endParaRPr>
           </a:p>
-          <a:p>
-            <a:r>
-              <a:rPr lang="en-US" sz="1050" dirty="0" err="1">
-                <a:latin typeface="Consolas" panose="020B0609020204030204" pitchFamily="49" charset="0"/>
-              </a:rPr>
-              <a:t>set.seed</a:t>
-            </a:r>
-            <a:r>
-              <a:rPr lang="en-US" sz="1050" dirty="0">
-                <a:latin typeface="Consolas" panose="020B0609020204030204" pitchFamily="49" charset="0"/>
-              </a:rPr>
-              <a:t>(1)</a:t>
-            </a:r>
-          </a:p>
-          <a:p>
-            <a:endParaRPr lang="en-US" sz="1050" dirty="0">
-              <a:latin typeface="Consolas" panose="020B0609020204030204" pitchFamily="49" charset="0"/>
-            </a:endParaRPr>
-          </a:p>
-          <a:p>
-            <a:r>
-              <a:rPr lang="en-US" sz="1050" dirty="0">
-                <a:latin typeface="Consolas" panose="020B0609020204030204" pitchFamily="49" charset="0"/>
-              </a:rPr>
-              <a:t>res &lt;- </a:t>
-            </a:r>
-            <a:r>
-              <a:rPr lang="en-US" sz="1050" dirty="0" err="1">
-                <a:latin typeface="Consolas" panose="020B0609020204030204" pitchFamily="49" charset="0"/>
-              </a:rPr>
-              <a:t>tuneRF</a:t>
-            </a:r>
-            <a:r>
-              <a:rPr lang="en-US" sz="1050" dirty="0">
-                <a:latin typeface="Consolas" panose="020B0609020204030204" pitchFamily="49" charset="0"/>
-              </a:rPr>
-              <a:t>(x = subset(</a:t>
-            </a:r>
-            <a:r>
-              <a:rPr lang="en-US" sz="1050" dirty="0" err="1">
-                <a:latin typeface="Consolas" panose="020B0609020204030204" pitchFamily="49" charset="0"/>
-              </a:rPr>
-              <a:t>credit_train</a:t>
-            </a:r>
-            <a:r>
-              <a:rPr lang="en-US" sz="1050" dirty="0">
-                <a:latin typeface="Consolas" panose="020B0609020204030204" pitchFamily="49" charset="0"/>
-              </a:rPr>
-              <a:t>, select = -default),</a:t>
-            </a:r>
-          </a:p>
-          <a:p>
-            <a:r>
-              <a:rPr lang="en-US" sz="1050" dirty="0">
-                <a:latin typeface="Consolas" panose="020B0609020204030204" pitchFamily="49" charset="0"/>
-              </a:rPr>
-              <a:t>		  y = </a:t>
-            </a:r>
-            <a:r>
-              <a:rPr lang="en-US" sz="1050" dirty="0" err="1">
-                <a:latin typeface="Consolas" panose="020B0609020204030204" pitchFamily="49" charset="0"/>
-              </a:rPr>
-              <a:t>credit_train$default</a:t>
-            </a:r>
-            <a:r>
-              <a:rPr lang="en-US" sz="1050" dirty="0">
-                <a:latin typeface="Consolas" panose="020B0609020204030204" pitchFamily="49" charset="0"/>
-              </a:rPr>
-              <a:t>, </a:t>
-            </a:r>
-            <a:r>
-              <a:rPr lang="en-US" sz="1050" dirty="0" err="1">
-                <a:latin typeface="Consolas" panose="020B0609020204030204" pitchFamily="49" charset="0"/>
-              </a:rPr>
-              <a:t>ntreeTry</a:t>
-            </a:r>
-            <a:r>
-              <a:rPr lang="en-US" sz="1050" dirty="0">
-                <a:latin typeface="Consolas" panose="020B0609020204030204" pitchFamily="49" charset="0"/>
-              </a:rPr>
-              <a:t> = 500)</a:t>
-            </a:r>
-          </a:p>
-          <a:p>
-            <a:endParaRPr lang="en-US" sz="1050" dirty="0">
-              <a:latin typeface="Consolas" panose="020B0609020204030204" pitchFamily="49" charset="0"/>
-            </a:endParaRPr>
-          </a:p>
-          <a:p>
-            <a:r>
-              <a:rPr lang="en-US" sz="1050" dirty="0" err="1">
-                <a:latin typeface="Consolas" panose="020B0609020204030204" pitchFamily="49" charset="0"/>
-              </a:rPr>
-              <a:t>mtry_opt</a:t>
-            </a:r>
-            <a:r>
-              <a:rPr lang="en-US" sz="1050" dirty="0">
-                <a:latin typeface="Consolas" panose="020B0609020204030204" pitchFamily="49" charset="0"/>
-              </a:rPr>
-              <a:t> &lt;- res[ , “</a:t>
-            </a:r>
-            <a:r>
-              <a:rPr lang="en-US" sz="1050" dirty="0" err="1">
-                <a:latin typeface="Consolas" panose="020B0609020204030204" pitchFamily="49" charset="0"/>
-              </a:rPr>
-              <a:t>mtry</a:t>
-            </a:r>
-            <a:r>
-              <a:rPr lang="en-US" sz="1050" dirty="0">
-                <a:latin typeface="Consolas" panose="020B0609020204030204" pitchFamily="49" charset="0"/>
-              </a:rPr>
-              <a:t>”][</a:t>
-            </a:r>
-            <a:r>
-              <a:rPr lang="en-US" sz="1050" dirty="0" err="1">
-                <a:latin typeface="Consolas" panose="020B0609020204030204" pitchFamily="49" charset="0"/>
-              </a:rPr>
-              <a:t>which.min</a:t>
-            </a:r>
-            <a:r>
-              <a:rPr lang="en-US" sz="1050" dirty="0">
-                <a:latin typeface="Consolas" panose="020B0609020204030204" pitchFamily="49" charset="0"/>
-              </a:rPr>
-              <a:t>(res[ , “</a:t>
-            </a:r>
-            <a:r>
-              <a:rPr lang="en-US" sz="1050" dirty="0" err="1">
-                <a:latin typeface="Consolas" panose="020B0609020204030204" pitchFamily="49" charset="0"/>
-              </a:rPr>
-              <a:t>OOBError</a:t>
-            </a:r>
-            <a:r>
-              <a:rPr lang="en-US" sz="1050" dirty="0">
-                <a:latin typeface="Consolas" panose="020B0609020204030204" pitchFamily="49" charset="0"/>
-              </a:rPr>
-              <a:t>”])]</a:t>
-            </a:r>
-          </a:p>
-          <a:p>
-            <a:endParaRPr lang="en-US" sz="1050" dirty="0">
-              <a:latin typeface="Consolas" panose="020B0609020204030204" pitchFamily="49" charset="0"/>
-            </a:endParaRPr>
-          </a:p>
-        </p:txBody>
-      </p:sp>
-      <p:sp>
-        <p:nvSpPr>
-          <p:cNvPr id="25" name="TextBox 24">
+        </p:txBody>
+      </p:sp>
+      <p:sp>
+        <p:nvSpPr>
+          <p:cNvPr id="17" name="Content Placeholder 2">
             <a:extLst>
               <a:ext uri="{FF2B5EF4-FFF2-40B4-BE49-F238E27FC236}">
-                <a16:creationId xmlns:a16="http://schemas.microsoft.com/office/drawing/2014/main" id="{8FA4E600-36BF-419F-B739-8B99F6702248}"/>
-              </a:ext>
-            </a:extLst>
-          </p:cNvPr>
-          <p:cNvSpPr txBox="1"/>
-          <p:nvPr/>
-        </p:nvSpPr>
-        <p:spPr>
-          <a:xfrm>
-            <a:off x="8096169" y="6535791"/>
-            <a:ext cx="970137" cy="215444"/>
-          </a:xfrm>
-          <a:prstGeom prst="rect">
-            <a:avLst/>
-          </a:prstGeom>
-          <a:noFill/>
-        </p:spPr>
-        <p:txBody>
-          <a:bodyPr wrap="none" rtlCol="0">
-            <a:spAutoFit/>
-          </a:bodyPr>
-          <a:lstStyle/>
-          <a:p>
-            <a:pPr algn="r"/>
-            <a:r>
-              <a:rPr lang="en-US" sz="800">
-                <a:solidFill>
-                  <a:schemeClr val="accent1">
-                    <a:lumMod val="60000"/>
-                    <a:lumOff val="40000"/>
-                  </a:schemeClr>
-                </a:solidFill>
-                <a:latin typeface="Consolas" panose="020B0609020204030204" pitchFamily="49" charset="0"/>
-              </a:rPr>
-              <a:t>Random Forests</a:t>
-            </a:r>
-            <a:endParaRPr lang="en-US" sz="800" dirty="0">
-              <a:solidFill>
-                <a:schemeClr val="accent1">
-                  <a:lumMod val="60000"/>
-                  <a:lumOff val="40000"/>
-                </a:schemeClr>
-              </a:solidFill>
-              <a:latin typeface="Consolas" panose="020B0609020204030204" pitchFamily="49" charset="0"/>
-            </a:endParaRPr>
-          </a:p>
-        </p:txBody>
-      </p:sp>
-      <p:sp>
-        <p:nvSpPr>
-          <p:cNvPr id="27" name="Content Placeholder 3"/>
-          <p:cNvSpPr>
-            <a:spLocks noGrp="1"/>
-          </p:cNvSpPr>
-          <p:nvPr>
-            <p:ph sz="half" idx="1"/>
-          </p:nvPr>
-        </p:nvSpPr>
-        <p:spPr>
-          <a:xfrm>
-            <a:off x="6538259" y="500654"/>
-            <a:ext cx="2311761" cy="274594"/>
-          </a:xfrm>
-        </p:spPr>
-        <p:txBody>
-          <a:bodyPr>
-            <a:normAutofit/>
-          </a:bodyPr>
-          <a:lstStyle/>
-          <a:p>
-            <a:pPr marL="0" indent="0">
-              <a:buNone/>
-            </a:pPr>
-            <a:r>
-              <a:rPr lang="en-US" sz="1000" b="1">
-                <a:solidFill>
-                  <a:schemeClr val="accent2">
-                    <a:lumMod val="75000"/>
-                  </a:schemeClr>
-                </a:solidFill>
-              </a:rPr>
-              <a:t>libraries </a:t>
-            </a:r>
-            <a:r>
-              <a:rPr lang="en-US" sz="1000" b="1">
-                <a:solidFill>
-                  <a:schemeClr val="accent2">
-                    <a:lumMod val="75000"/>
-                  </a:schemeClr>
-                </a:solidFill>
-                <a:sym typeface="Wingdings" panose="05000000000000000000" pitchFamily="2" charset="2"/>
-              </a:rPr>
-              <a:t> r</a:t>
-            </a:r>
-            <a:r>
-              <a:rPr lang="en-US" sz="1000" b="1">
-                <a:solidFill>
-                  <a:schemeClr val="accent2">
-                    <a:lumMod val="75000"/>
-                  </a:schemeClr>
-                </a:solidFill>
-              </a:rPr>
-              <a:t>andomForest, caret</a:t>
-            </a:r>
-          </a:p>
-        </p:txBody>
-      </p:sp>
-      <p:pic>
-        <p:nvPicPr>
-          <p:cNvPr id="2" name="Picture 1"/>
-          <p:cNvPicPr>
-            <a:picLocks noChangeAspect="1"/>
-          </p:cNvPicPr>
-          <p:nvPr/>
-        </p:nvPicPr>
-        <p:blipFill>
-          <a:blip r:embed="rId2"/>
-          <a:stretch>
-            <a:fillRect/>
-          </a:stretch>
-        </p:blipFill>
-        <p:spPr>
-          <a:xfrm>
-            <a:off x="6613540" y="862459"/>
-            <a:ext cx="1931637" cy="879883"/>
-          </a:xfrm>
-          <a:prstGeom prst="rect">
-            <a:avLst/>
-          </a:prstGeom>
-        </p:spPr>
-      </p:pic>
-      <p:sp>
-        <p:nvSpPr>
-          <p:cNvPr id="21" name="Content Placeholder 3"/>
-          <p:cNvSpPr>
-            <a:spLocks noGrp="1"/>
-          </p:cNvSpPr>
-          <p:nvPr>
-            <p:ph sz="half" idx="1"/>
-          </p:nvPr>
-        </p:nvSpPr>
-        <p:spPr>
-          <a:xfrm>
-            <a:off x="4157914" y="862459"/>
-            <a:ext cx="1298330" cy="337042"/>
-          </a:xfrm>
-        </p:spPr>
-        <p:txBody>
-          <a:bodyPr>
-            <a:normAutofit fontScale="92500" lnSpcReduction="10000"/>
-          </a:bodyPr>
-          <a:lstStyle/>
-          <a:p>
-            <a:pPr marL="0" indent="0" algn="ctr">
-              <a:buNone/>
-            </a:pPr>
-            <a:r>
-              <a:rPr lang="en-US" sz="1000" b="1">
-                <a:solidFill>
-                  <a:schemeClr val="accent2">
-                    <a:lumMod val="75000"/>
-                  </a:schemeClr>
-                </a:solidFill>
-              </a:rPr>
-              <a:t>model object</a:t>
-            </a:r>
-            <a:br>
-              <a:rPr lang="en-US" sz="1000" b="1">
-                <a:solidFill>
-                  <a:schemeClr val="accent2">
-                    <a:lumMod val="75000"/>
-                  </a:schemeClr>
-                </a:solidFill>
-              </a:rPr>
-            </a:br>
-            <a:r>
-              <a:rPr lang="en-US" sz="1000" b="1">
-                <a:solidFill>
-                  <a:schemeClr val="accent2">
-                    <a:lumMod val="75000"/>
-                  </a:schemeClr>
-                </a:solidFill>
-              </a:rPr>
-              <a:t>names(credit_model)</a:t>
-            </a:r>
-          </a:p>
-        </p:txBody>
-      </p:sp>
-      <p:sp>
-        <p:nvSpPr>
-          <p:cNvPr id="22" name="Right Arrow 21"/>
-          <p:cNvSpPr/>
-          <p:nvPr/>
-        </p:nvSpPr>
-        <p:spPr>
-          <a:xfrm rot="8934343">
-            <a:off x="3860069" y="1123103"/>
-            <a:ext cx="382926" cy="152796"/>
-          </a:xfrm>
-          <a:prstGeom prst="rightArrow">
-            <a:avLst/>
-          </a:prstGeom>
-        </p:spPr>
-        <p:style>
-          <a:lnRef idx="2">
-            <a:schemeClr val="accent1">
-              <a:shade val="50000"/>
-            </a:schemeClr>
-          </a:lnRef>
-          <a:fillRef idx="1">
-            <a:schemeClr val="accent1"/>
-          </a:fillRef>
-          <a:effectRef idx="0">
-            <a:schemeClr val="accent1"/>
-          </a:effectRef>
-          <a:fontRef idx="minor">
-            <a:schemeClr val="lt1"/>
-          </a:fontRef>
-        </p:style>
-        <p:txBody>
-          <a:bodyPr rtlCol="0" anchor="ctr"/>
-          <a:lstStyle/>
-          <a:p>
-            <a:pPr algn="ctr"/>
-            <a:endParaRPr lang="en-US"/>
-          </a:p>
-        </p:txBody>
-      </p:sp>
-      <p:sp>
-        <p:nvSpPr>
-          <p:cNvPr id="26" name="Content Placeholder 3"/>
-          <p:cNvSpPr>
-            <a:spLocks noGrp="1"/>
-          </p:cNvSpPr>
-          <p:nvPr>
-            <p:ph sz="half" idx="1"/>
-          </p:nvPr>
-        </p:nvSpPr>
-        <p:spPr>
-          <a:xfrm>
-            <a:off x="2841779" y="1673913"/>
-            <a:ext cx="1640574" cy="229893"/>
-          </a:xfrm>
-        </p:spPr>
-        <p:txBody>
-          <a:bodyPr>
-            <a:normAutofit/>
-          </a:bodyPr>
-          <a:lstStyle/>
-          <a:p>
-            <a:pPr marL="0" indent="0" algn="ctr">
-              <a:buNone/>
-            </a:pPr>
-            <a:r>
-              <a:rPr lang="en-US" sz="1000" b="1">
-                <a:solidFill>
-                  <a:schemeClr val="accent2">
-                    <a:lumMod val="75000"/>
-                  </a:schemeClr>
-                </a:solidFill>
-              </a:rPr>
-              <a:t>OOB (out-of-bag error)</a:t>
-            </a:r>
-          </a:p>
-        </p:txBody>
-      </p:sp>
-      <p:sp>
-        <p:nvSpPr>
-          <p:cNvPr id="28" name="Right Arrow 27"/>
-          <p:cNvSpPr/>
-          <p:nvPr/>
-        </p:nvSpPr>
-        <p:spPr>
-          <a:xfrm rot="10800000">
-            <a:off x="2597599" y="1712462"/>
-            <a:ext cx="382926" cy="152796"/>
-          </a:xfrm>
-          <a:prstGeom prst="rightArrow">
-            <a:avLst/>
-          </a:prstGeom>
-        </p:spPr>
-        <p:style>
-          <a:lnRef idx="2">
-            <a:schemeClr val="accent1">
-              <a:shade val="50000"/>
-            </a:schemeClr>
-          </a:lnRef>
-          <a:fillRef idx="1">
-            <a:schemeClr val="accent1"/>
-          </a:fillRef>
-          <a:effectRef idx="0">
-            <a:schemeClr val="accent1"/>
-          </a:effectRef>
-          <a:fontRef idx="minor">
-            <a:schemeClr val="lt1"/>
-          </a:fontRef>
-        </p:style>
-        <p:txBody>
-          <a:bodyPr rtlCol="0" anchor="ctr"/>
-          <a:lstStyle/>
-          <a:p>
-            <a:pPr algn="ctr"/>
-            <a:endParaRPr lang="en-US"/>
-          </a:p>
-        </p:txBody>
-      </p:sp>
-      <p:pic>
-        <p:nvPicPr>
-          <p:cNvPr id="12" name="Picture 11"/>
-          <p:cNvPicPr>
-            <a:picLocks noChangeAspect="1"/>
-          </p:cNvPicPr>
-          <p:nvPr/>
-        </p:nvPicPr>
-        <p:blipFill>
-          <a:blip r:embed="rId3"/>
-          <a:stretch>
-            <a:fillRect/>
-          </a:stretch>
-        </p:blipFill>
-        <p:spPr>
-          <a:xfrm>
-            <a:off x="5881758" y="2023443"/>
-            <a:ext cx="2968262" cy="1084863"/>
-          </a:xfrm>
-          <a:prstGeom prst="rect">
-            <a:avLst/>
-          </a:prstGeom>
-        </p:spPr>
-      </p:pic>
-      <p:sp>
-        <p:nvSpPr>
-          <p:cNvPr id="29" name="Content Placeholder 3"/>
-          <p:cNvSpPr>
-            <a:spLocks noGrp="1"/>
-          </p:cNvSpPr>
-          <p:nvPr>
-            <p:ph sz="half" idx="1"/>
-          </p:nvPr>
-        </p:nvSpPr>
-        <p:spPr>
-          <a:xfrm>
-            <a:off x="2689412" y="6380811"/>
-            <a:ext cx="4806360" cy="409759"/>
-          </a:xfrm>
-        </p:spPr>
-        <p:txBody>
-          <a:bodyPr>
-            <a:normAutofit/>
-          </a:bodyPr>
-          <a:lstStyle/>
-          <a:p>
-            <a:pPr marL="0" indent="0">
-              <a:buNone/>
-            </a:pPr>
-            <a:r>
-              <a:rPr lang="en-US" sz="1000" b="1">
-                <a:solidFill>
-                  <a:schemeClr val="accent2">
-                    <a:lumMod val="75000"/>
-                  </a:schemeClr>
-                </a:solidFill>
-              </a:rPr>
-              <a:t>Note: if you want to evaluate the model based on AUC instead of error (accuracy), then this is not the best way to tune a model, as the selection only considers OOB error.</a:t>
-            </a:r>
-          </a:p>
-        </p:txBody>
-      </p:sp>
-      <p:sp>
-        <p:nvSpPr>
-          <p:cNvPr id="30" name="Right Arrow 29"/>
-          <p:cNvSpPr/>
-          <p:nvPr/>
-        </p:nvSpPr>
-        <p:spPr>
-          <a:xfrm rot="13086595">
-            <a:off x="4710858" y="6156208"/>
-            <a:ext cx="285474" cy="152796"/>
-          </a:xfrm>
-          <a:prstGeom prst="rightArrow">
-            <a:avLst/>
-          </a:prstGeom>
-        </p:spPr>
-        <p:style>
-          <a:lnRef idx="2">
-            <a:schemeClr val="accent1">
-              <a:shade val="50000"/>
-            </a:schemeClr>
-          </a:lnRef>
-          <a:fillRef idx="1">
-            <a:schemeClr val="accent1"/>
-          </a:fillRef>
-          <a:effectRef idx="0">
-            <a:schemeClr val="accent1"/>
-          </a:effectRef>
-          <a:fontRef idx="minor">
-            <a:schemeClr val="lt1"/>
-          </a:fontRef>
-        </p:style>
-        <p:txBody>
-          <a:bodyPr rtlCol="0" anchor="ctr"/>
-          <a:lstStyle/>
-          <a:p>
-            <a:pPr algn="ctr"/>
-            <a:endParaRPr lang="en-US"/>
-          </a:p>
-        </p:txBody>
-      </p:sp>
-      <p:sp>
-        <p:nvSpPr>
-          <p:cNvPr id="14" name="TextBox 13">
-            <a:extLst>
-              <a:ext uri="{FF2B5EF4-FFF2-40B4-BE49-F238E27FC236}">
-                <a16:creationId xmlns:a16="http://schemas.microsoft.com/office/drawing/2014/main" id="{8FA4E600-36BF-419F-B739-8B99F6702248}"/>
-              </a:ext>
-            </a:extLst>
-          </p:cNvPr>
-          <p:cNvSpPr txBox="1"/>
-          <p:nvPr/>
-        </p:nvSpPr>
-        <p:spPr>
-          <a:xfrm>
-            <a:off x="5331012" y="3512750"/>
-            <a:ext cx="3602680" cy="2800767"/>
-          </a:xfrm>
-          <a:prstGeom prst="rect">
-            <a:avLst/>
-          </a:prstGeom>
-          <a:noFill/>
-        </p:spPr>
-        <p:txBody>
-          <a:bodyPr wrap="square" rtlCol="0">
-            <a:spAutoFit/>
-          </a:bodyPr>
-          <a:lstStyle/>
-          <a:p>
-            <a:r>
-              <a:rPr lang="en-US" sz="800">
-                <a:latin typeface="Consolas" panose="020B0609020204030204" pitchFamily="49" charset="0"/>
-              </a:rPr>
-              <a:t>mtry &lt;- seq(4, ncol(credit_train) * 0.8, 2)</a:t>
-            </a:r>
-          </a:p>
-          <a:p>
-            <a:r>
-              <a:rPr lang="en-US" sz="800">
-                <a:latin typeface="Consolas" panose="020B0609020204030204" pitchFamily="49" charset="0"/>
-              </a:rPr>
-              <a:t>nodesize &lt;- seq(3, 8, 2)</a:t>
-            </a:r>
-          </a:p>
-          <a:p>
-            <a:r>
-              <a:rPr lang="en-US" sz="800">
-                <a:latin typeface="Consolas" panose="020B0609020204030204" pitchFamily="49" charset="0"/>
-              </a:rPr>
-              <a:t>sampsize &lt;- nrow(credit_train) * c(0.7, 0.8)</a:t>
-            </a:r>
-          </a:p>
-          <a:p>
-            <a:endParaRPr lang="en-US" sz="800">
-              <a:latin typeface="Consolas" panose="020B0609020204030204" pitchFamily="49" charset="0"/>
-            </a:endParaRPr>
-          </a:p>
-          <a:p>
-            <a:r>
-              <a:rPr lang="en-US" sz="800">
-                <a:latin typeface="Consolas" panose="020B0609020204030204" pitchFamily="49" charset="0"/>
-              </a:rPr>
-              <a:t>hp_grid &lt;- expand.grid(mtry = mtry,</a:t>
-            </a:r>
-          </a:p>
-          <a:p>
-            <a:r>
-              <a:rPr lang="en-US" sz="800">
-                <a:latin typeface="Consolas" panose="020B0609020204030204" pitchFamily="49" charset="0"/>
-              </a:rPr>
-              <a:t>			  nodesize = nodesize,</a:t>
-            </a:r>
-          </a:p>
-          <a:p>
-            <a:r>
-              <a:rPr lang="en-US" sz="800">
-                <a:latin typeface="Consolas" panose="020B0609020204030204" pitchFamily="49" charset="0"/>
-              </a:rPr>
-              <a:t>			  sampsize = sampsize)</a:t>
-            </a:r>
-          </a:p>
-          <a:p>
-            <a:endParaRPr lang="en-US" sz="800">
-              <a:latin typeface="Consolas" panose="020B0609020204030204" pitchFamily="49" charset="0"/>
-            </a:endParaRPr>
-          </a:p>
-          <a:p>
-            <a:r>
-              <a:rPr lang="en-US" sz="800">
-                <a:latin typeface="Consolas" panose="020B0609020204030204" pitchFamily="49" charset="0"/>
-              </a:rPr>
-              <a:t>for (i in 1:nrow(hp_grid) {</a:t>
-            </a:r>
-          </a:p>
-          <a:p>
-            <a:endParaRPr lang="en-US" sz="800">
-              <a:latin typeface="Consolas" panose="020B0609020204030204" pitchFamily="49" charset="0"/>
-            </a:endParaRPr>
-          </a:p>
-          <a:p>
-            <a:r>
-              <a:rPr lang="en-US" sz="800">
-                <a:latin typeface="Consolas" panose="020B0609020204030204" pitchFamily="49" charset="0"/>
-              </a:rPr>
-              <a:t>    model &lt;- randomForest(formula = default ~.,</a:t>
-            </a:r>
-          </a:p>
-          <a:p>
-            <a:r>
-              <a:rPr lang="en-US" sz="800">
-                <a:latin typeface="Consolas" panose="020B0609020204030204" pitchFamily="49" charset="0"/>
-              </a:rPr>
-              <a:t>			 data = credit_train,</a:t>
-            </a:r>
-          </a:p>
-          <a:p>
-            <a:r>
-              <a:rPr lang="en-US" sz="800">
-                <a:latin typeface="Consolas" panose="020B0609020204030204" pitchFamily="49" charset="0"/>
-              </a:rPr>
-              <a:t>			 mtry = hp_grid$mtry[i],</a:t>
-            </a:r>
-          </a:p>
-          <a:p>
-            <a:r>
-              <a:rPr lang="en-US" sz="800">
-                <a:latin typeface="Consolas" panose="020B0609020204030204" pitchFamily="49" charset="0"/>
-              </a:rPr>
-              <a:t>			 nodesize = hp_grid$nodesize[i],</a:t>
-            </a:r>
-          </a:p>
-          <a:p>
-            <a:r>
-              <a:rPr lang="en-US" sz="800">
-                <a:latin typeface="Consolas" panose="020B0609020204030204" pitchFamily="49" charset="0"/>
-              </a:rPr>
-              <a:t>			 sampsize = hp_grid$sampsize[i])</a:t>
-            </a:r>
-          </a:p>
-          <a:p>
-            <a:endParaRPr lang="en-US" sz="800">
-              <a:latin typeface="Consolas" panose="020B0609020204030204" pitchFamily="49" charset="0"/>
-            </a:endParaRPr>
-          </a:p>
-          <a:p>
-            <a:r>
-              <a:rPr lang="en-US" sz="800">
-                <a:latin typeface="Consolas" panose="020B0609020204030204" pitchFamily="49" charset="0"/>
-              </a:rPr>
-              <a:t>    obb_err[i] &lt;- model$err.rate[nrow(model$err.rate), “OOB”]</a:t>
-            </a:r>
-          </a:p>
-          <a:p>
-            <a:endParaRPr lang="en-US" sz="800">
-              <a:latin typeface="Consolas" panose="020B0609020204030204" pitchFamily="49" charset="0"/>
-            </a:endParaRPr>
-          </a:p>
-          <a:p>
-            <a:r>
-              <a:rPr lang="en-US" sz="800">
-                <a:latin typeface="Consolas" panose="020B0609020204030204" pitchFamily="49" charset="0"/>
-              </a:rPr>
-              <a:t>}</a:t>
-            </a:r>
-          </a:p>
-          <a:p>
-            <a:endParaRPr lang="en-US" sz="800">
-              <a:latin typeface="Consolas" panose="020B0609020204030204" pitchFamily="49" charset="0"/>
-            </a:endParaRPr>
-          </a:p>
-          <a:p>
-            <a:r>
-              <a:rPr lang="en-US" sz="800">
-                <a:latin typeface="Consolas" panose="020B0609020204030204" pitchFamily="49" charset="0"/>
-              </a:rPr>
-              <a:t>opt_i &lt;- which.min(obb_err)</a:t>
-            </a:r>
-          </a:p>
-          <a:p>
-            <a:r>
-              <a:rPr lang="en-US" sz="800">
-                <a:latin typeface="Consolas" panose="020B0609020204030204" pitchFamily="49" charset="0"/>
-              </a:rPr>
-              <a:t>print(hp_grid[opt_i, ])</a:t>
-            </a:r>
-          </a:p>
-        </p:txBody>
-      </p:sp>
-    </p:spTree>
-    <p:extLst>
-      <p:ext uri="{BB962C8B-B14F-4D97-AF65-F5344CB8AC3E}">
-        <p14:creationId xmlns:p14="http://schemas.microsoft.com/office/powerpoint/2010/main" val="3235336348"/>
-      </p:ext>
-    </p:extLst>
-  </p:cSld>
-  <p:clrMapOvr>
-    <a:masterClrMapping/>
-  </p:clrMapOvr>
-</p:sld>
-</file>
-
-<file path=ppt/slides/slide9.xml><?xml version="1.0" encoding="utf-8"?>
-<p:sld xmlns:a="http://schemas.openxmlformats.org/drawingml/2006/main" xmlns:r="http://schemas.openxmlformats.org/officeDocument/2006/relationships" xmlns:p="http://schemas.openxmlformats.org/presentationml/2006/main">
-  <p:cSld>
-    <p:spTree>
-      <p:nvGrpSpPr>
-        <p:cNvPr id="1" name=""/>
-        <p:cNvGrpSpPr/>
-        <p:nvPr/>
-      </p:nvGrpSpPr>
-      <p:grpSpPr>
-        <a:xfrm>
-          <a:off x="0" y="0"/>
-          <a:ext cx="0" cy="0"/>
-          <a:chOff x="0" y="0"/>
-          <a:chExt cx="0" cy="0"/>
-        </a:xfrm>
-      </p:grpSpPr>
-      <p:sp>
-        <p:nvSpPr>
-          <p:cNvPr id="4" name="Content Placeholder 3"/>
-          <p:cNvSpPr>
-            <a:spLocks noGrp="1"/>
-          </p:cNvSpPr>
-          <p:nvPr>
-            <p:ph sz="half" idx="1"/>
-          </p:nvPr>
-        </p:nvSpPr>
-        <p:spPr>
-          <a:xfrm>
-            <a:off x="411873" y="500654"/>
-            <a:ext cx="2749680" cy="284405"/>
-          </a:xfrm>
-        </p:spPr>
-        <p:txBody>
-          <a:bodyPr>
-            <a:normAutofit/>
-          </a:bodyPr>
-          <a:lstStyle/>
-          <a:p>
-            <a:pPr marL="0" indent="0">
-              <a:buNone/>
-            </a:pPr>
-            <a:r>
-              <a:rPr lang="en-US" sz="1050" b="1">
-                <a:solidFill>
-                  <a:schemeClr val="accent2">
-                    <a:lumMod val="75000"/>
-                  </a:schemeClr>
-                </a:solidFill>
-              </a:rPr>
-              <a:t>creditsub is a data frame</a:t>
-            </a:r>
-          </a:p>
-          <a:p>
-            <a:pPr marL="0" indent="0">
-              <a:buNone/>
-            </a:pPr>
-            <a:endParaRPr lang="en-US" sz="1050" b="1">
-              <a:solidFill>
-                <a:schemeClr val="accent2">
-                  <a:lumMod val="75000"/>
-                </a:schemeClr>
-              </a:solidFill>
-            </a:endParaRPr>
-          </a:p>
-        </p:txBody>
-      </p:sp>
-      <p:sp>
-        <p:nvSpPr>
-          <p:cNvPr id="11" name="TextBox 10">
-            <a:extLst>
-              <a:ext uri="{FF2B5EF4-FFF2-40B4-BE49-F238E27FC236}">
-                <a16:creationId xmlns:a16="http://schemas.microsoft.com/office/drawing/2014/main" id="{8FA4E600-36BF-419F-B739-8B99F6702248}"/>
-              </a:ext>
-            </a:extLst>
-          </p:cNvPr>
-          <p:cNvSpPr txBox="1"/>
-          <p:nvPr/>
-        </p:nvSpPr>
-        <p:spPr>
-          <a:xfrm>
-            <a:off x="411873" y="862459"/>
-            <a:ext cx="5104409" cy="4293483"/>
-          </a:xfrm>
-          <a:prstGeom prst="rect">
-            <a:avLst/>
-          </a:prstGeom>
-          <a:noFill/>
-        </p:spPr>
-        <p:txBody>
-          <a:bodyPr wrap="square" rtlCol="0">
-            <a:spAutoFit/>
-          </a:bodyPr>
-          <a:lstStyle/>
-          <a:p>
-            <a:r>
-              <a:rPr lang="en-US" sz="1050" dirty="0" err="1">
-                <a:latin typeface="Consolas" panose="020B0609020204030204" pitchFamily="49" charset="0"/>
-              </a:rPr>
-              <a:t>credit_train$default</a:t>
-            </a:r>
-            <a:r>
-              <a:rPr lang="en-US" sz="1050" dirty="0">
-                <a:latin typeface="Consolas" panose="020B0609020204030204" pitchFamily="49" charset="0"/>
-              </a:rPr>
-              <a:t> &lt;- </a:t>
-            </a:r>
-            <a:r>
-              <a:rPr lang="en-US" sz="1050" dirty="0" err="1">
-                <a:latin typeface="Consolas" panose="020B0609020204030204" pitchFamily="49" charset="0"/>
-              </a:rPr>
-              <a:t>ifelse</a:t>
-            </a:r>
-            <a:r>
-              <a:rPr lang="en-US" sz="1050" dirty="0">
-                <a:latin typeface="Consolas" panose="020B0609020204030204" pitchFamily="49" charset="0"/>
-              </a:rPr>
-              <a:t>(</a:t>
-            </a:r>
-            <a:r>
-              <a:rPr lang="en-US" sz="1050" dirty="0" err="1">
-                <a:latin typeface="Consolas" panose="020B0609020204030204" pitchFamily="49" charset="0"/>
-              </a:rPr>
-              <a:t>credit_train$default</a:t>
-            </a:r>
-            <a:r>
-              <a:rPr lang="en-US" sz="1050" dirty="0">
-                <a:latin typeface="Consolas" panose="020B0609020204030204" pitchFamily="49" charset="0"/>
-              </a:rPr>
-              <a:t> == “yes”, 1, 0)</a:t>
-            </a:r>
-          </a:p>
-          <a:p>
-            <a:endParaRPr lang="en-US" sz="1050" dirty="0">
-              <a:latin typeface="Consolas" panose="020B0609020204030204" pitchFamily="49" charset="0"/>
-            </a:endParaRPr>
-          </a:p>
-          <a:p>
-            <a:endParaRPr lang="en-US" sz="1050" dirty="0">
-              <a:latin typeface="Consolas" panose="020B0609020204030204" pitchFamily="49" charset="0"/>
-            </a:endParaRPr>
-          </a:p>
-          <a:p>
-            <a:r>
-              <a:rPr lang="en-US" sz="1050" dirty="0" err="1">
-                <a:latin typeface="Consolas" panose="020B0609020204030204" pitchFamily="49" charset="0"/>
-              </a:rPr>
-              <a:t>set.seed</a:t>
-            </a:r>
-            <a:r>
-              <a:rPr lang="en-US" sz="1050" dirty="0">
-                <a:latin typeface="Consolas" panose="020B0609020204030204" pitchFamily="49" charset="0"/>
-              </a:rPr>
-              <a:t>(1)</a:t>
-            </a:r>
-          </a:p>
-          <a:p>
-            <a:r>
-              <a:rPr lang="en-US" sz="1050" dirty="0">
-                <a:latin typeface="Consolas" panose="020B0609020204030204" pitchFamily="49" charset="0"/>
-              </a:rPr>
-              <a:t>library(</a:t>
-            </a:r>
-            <a:r>
-              <a:rPr lang="en-US" sz="1050" dirty="0" err="1">
-                <a:latin typeface="Consolas" panose="020B0609020204030204" pitchFamily="49" charset="0"/>
-              </a:rPr>
-              <a:t>gbm</a:t>
-            </a:r>
-            <a:r>
-              <a:rPr lang="en-US" sz="1050" dirty="0">
-                <a:latin typeface="Consolas" panose="020B0609020204030204" pitchFamily="49" charset="0"/>
-              </a:rPr>
-              <a:t>)</a:t>
-            </a:r>
-          </a:p>
-          <a:p>
-            <a:endParaRPr lang="en-US" sz="1050" dirty="0">
-              <a:latin typeface="Consolas" panose="020B0609020204030204" pitchFamily="49" charset="0"/>
-            </a:endParaRPr>
-          </a:p>
-          <a:p>
-            <a:r>
-              <a:rPr lang="en-US" sz="1050" dirty="0" err="1">
-                <a:latin typeface="Consolas" panose="020B0609020204030204" pitchFamily="49" charset="0"/>
-              </a:rPr>
-              <a:t>credit_model</a:t>
-            </a:r>
-            <a:r>
-              <a:rPr lang="en-US" sz="1050" dirty="0">
-                <a:latin typeface="Consolas" panose="020B0609020204030204" pitchFamily="49" charset="0"/>
-              </a:rPr>
-              <a:t> &lt;- </a:t>
-            </a:r>
-            <a:r>
-              <a:rPr lang="en-US" sz="1050" dirty="0" err="1">
-                <a:latin typeface="Consolas" panose="020B0609020204030204" pitchFamily="49" charset="0"/>
-              </a:rPr>
-              <a:t>gbm</a:t>
-            </a:r>
-            <a:r>
-              <a:rPr lang="en-US" sz="1050" dirty="0">
-                <a:latin typeface="Consolas" panose="020B0609020204030204" pitchFamily="49" charset="0"/>
-              </a:rPr>
-              <a:t>(formula = default ~ .,</a:t>
-            </a:r>
-          </a:p>
-          <a:p>
-            <a:r>
-              <a:rPr lang="en-US" sz="1050" dirty="0">
-                <a:latin typeface="Consolas" panose="020B0609020204030204" pitchFamily="49" charset="0"/>
-              </a:rPr>
-              <a:t>			  distribution = “Bernoulli”,</a:t>
-            </a:r>
-          </a:p>
-          <a:p>
-            <a:r>
-              <a:rPr lang="en-US" sz="1050" dirty="0">
-                <a:latin typeface="Consolas" panose="020B0609020204030204" pitchFamily="49" charset="0"/>
-              </a:rPr>
-              <a:t>			  data = </a:t>
-            </a:r>
-            <a:r>
-              <a:rPr lang="en-US" sz="1050" dirty="0" err="1">
-                <a:latin typeface="Consolas" panose="020B0609020204030204" pitchFamily="49" charset="0"/>
-              </a:rPr>
-              <a:t>credit_train</a:t>
-            </a:r>
-            <a:r>
-              <a:rPr lang="en-US" sz="1050" dirty="0">
-                <a:latin typeface="Consolas" panose="020B0609020204030204" pitchFamily="49" charset="0"/>
-              </a:rPr>
-              <a:t>,</a:t>
-            </a:r>
-          </a:p>
-          <a:p>
-            <a:r>
-              <a:rPr lang="en-US" sz="1050" dirty="0">
-                <a:latin typeface="Consolas" panose="020B0609020204030204" pitchFamily="49" charset="0"/>
-              </a:rPr>
-              <a:t>			  </a:t>
-            </a:r>
-            <a:r>
-              <a:rPr lang="en-US" sz="1050" dirty="0" err="1">
-                <a:latin typeface="Consolas" panose="020B0609020204030204" pitchFamily="49" charset="0"/>
-              </a:rPr>
-              <a:t>n.trees</a:t>
-            </a:r>
-            <a:r>
-              <a:rPr lang="en-US" sz="1050" dirty="0">
-                <a:latin typeface="Consolas" panose="020B0609020204030204" pitchFamily="49" charset="0"/>
-              </a:rPr>
-              <a:t> = 10000)</a:t>
-            </a:r>
-          </a:p>
-          <a:p>
-            <a:endParaRPr lang="en-US" sz="1050" dirty="0">
-              <a:latin typeface="Consolas" panose="020B0609020204030204" pitchFamily="49" charset="0"/>
-            </a:endParaRPr>
-          </a:p>
-          <a:p>
-            <a:r>
-              <a:rPr lang="en-US" sz="1050" dirty="0">
-                <a:latin typeface="Consolas" panose="020B0609020204030204" pitchFamily="49" charset="0"/>
-              </a:rPr>
-              <a:t>summary(</a:t>
-            </a:r>
-            <a:r>
-              <a:rPr lang="en-US" sz="1050" dirty="0" err="1">
-                <a:latin typeface="Consolas" panose="020B0609020204030204" pitchFamily="49" charset="0"/>
-              </a:rPr>
-              <a:t>credit_model</a:t>
-            </a:r>
-            <a:r>
-              <a:rPr lang="en-US" sz="1050" dirty="0">
-                <a:latin typeface="Consolas" panose="020B0609020204030204" pitchFamily="49" charset="0"/>
-              </a:rPr>
-              <a:t>)			  </a:t>
-            </a:r>
-          </a:p>
-          <a:p>
-            <a:endParaRPr lang="en-US" sz="1050" smtClean="0">
-              <a:latin typeface="Consolas" panose="020B0609020204030204" pitchFamily="49" charset="0"/>
-            </a:endParaRPr>
-          </a:p>
-          <a:p>
-            <a:r>
-              <a:rPr lang="en-US" sz="1050" smtClean="0">
-                <a:latin typeface="Consolas" panose="020B0609020204030204" pitchFamily="49" charset="0"/>
-              </a:rPr>
-              <a:t>credit_test$default &lt;- ifelse(credit_test$default == “yes”, 1, 0)</a:t>
-            </a:r>
-            <a:endParaRPr lang="en-US" sz="1050">
-              <a:latin typeface="Consolas" panose="020B0609020204030204" pitchFamily="49" charset="0"/>
-            </a:endParaRPr>
-          </a:p>
-          <a:p>
-            <a:endParaRPr lang="en-US" sz="1050" dirty="0">
-              <a:latin typeface="Consolas" panose="020B0609020204030204" pitchFamily="49" charset="0"/>
-            </a:endParaRPr>
-          </a:p>
-          <a:p>
-            <a:r>
-              <a:rPr lang="en-US" sz="1050">
-                <a:latin typeface="Consolas" panose="020B0609020204030204" pitchFamily="49" charset="0"/>
-              </a:rPr>
-              <a:t>credit_pred &lt;- predict(object = credit_model,</a:t>
-            </a:r>
-          </a:p>
-          <a:p>
-            <a:r>
-              <a:rPr lang="en-US" sz="1050">
-                <a:latin typeface="Consolas" panose="020B0609020204030204" pitchFamily="49" charset="0"/>
-              </a:rPr>
-              <a:t>			     newdata = </a:t>
-            </a:r>
-            <a:r>
-              <a:rPr lang="en-US" sz="1050" smtClean="0">
-                <a:latin typeface="Consolas" panose="020B0609020204030204" pitchFamily="49" charset="0"/>
-              </a:rPr>
-              <a:t>credit_test,</a:t>
-            </a:r>
-          </a:p>
-          <a:p>
-            <a:r>
-              <a:rPr lang="en-US" sz="1050">
-                <a:latin typeface="Consolas" panose="020B0609020204030204" pitchFamily="49" charset="0"/>
-              </a:rPr>
-              <a:t>	</a:t>
-            </a:r>
-            <a:r>
-              <a:rPr lang="en-US" sz="1050" smtClean="0">
-                <a:latin typeface="Consolas" panose="020B0609020204030204" pitchFamily="49" charset="0"/>
-              </a:rPr>
-              <a:t>		     n.trees = 10000)</a:t>
-            </a:r>
-          </a:p>
-          <a:p>
-            <a:endParaRPr lang="en-US" sz="1050">
-              <a:latin typeface="Consolas" panose="020B0609020204030204" pitchFamily="49" charset="0"/>
-            </a:endParaRPr>
-          </a:p>
-          <a:p>
-            <a:r>
-              <a:rPr lang="en-US" sz="1050">
-                <a:latin typeface="Consolas" panose="020B0609020204030204" pitchFamily="49" charset="0"/>
-              </a:rPr>
-              <a:t>credit_pred &lt;- predict(object = credit_model,</a:t>
-            </a:r>
-          </a:p>
-          <a:p>
-            <a:r>
-              <a:rPr lang="en-US" sz="1050">
-                <a:latin typeface="Consolas" panose="020B0609020204030204" pitchFamily="49" charset="0"/>
-              </a:rPr>
-              <a:t>			     newdata = credit_test,</a:t>
-            </a:r>
-          </a:p>
-          <a:p>
-            <a:r>
-              <a:rPr lang="en-US" sz="1050">
-                <a:latin typeface="Consolas" panose="020B0609020204030204" pitchFamily="49" charset="0"/>
-              </a:rPr>
-              <a:t>			     n.trees = </a:t>
-            </a:r>
-            <a:r>
-              <a:rPr lang="en-US" sz="1050" smtClean="0">
-                <a:latin typeface="Consolas" panose="020B0609020204030204" pitchFamily="49" charset="0"/>
-              </a:rPr>
-              <a:t>10000,</a:t>
-            </a:r>
-          </a:p>
-          <a:p>
-            <a:r>
-              <a:rPr lang="en-US" sz="1050">
-                <a:latin typeface="Consolas" panose="020B0609020204030204" pitchFamily="49" charset="0"/>
-              </a:rPr>
-              <a:t>	</a:t>
-            </a:r>
-            <a:r>
-              <a:rPr lang="en-US" sz="1050" smtClean="0">
-                <a:latin typeface="Consolas" panose="020B0609020204030204" pitchFamily="49" charset="0"/>
-              </a:rPr>
-              <a:t>		     type = “response”)</a:t>
-            </a:r>
-          </a:p>
-          <a:p>
-            <a:endParaRPr lang="en-US" sz="1050">
-              <a:latin typeface="Consolas" panose="020B0609020204030204" pitchFamily="49" charset="0"/>
-            </a:endParaRPr>
-          </a:p>
-          <a:p>
-            <a:r>
-              <a:rPr lang="en-US" sz="1050" smtClean="0">
-                <a:latin typeface="Consolas" panose="020B0609020204030204" pitchFamily="49" charset="0"/>
-              </a:rPr>
-              <a:t>auc(actual = credit_test$default, predicted = credit_pred)</a:t>
-            </a:r>
-            <a:endParaRPr lang="en-US" sz="1050">
-              <a:latin typeface="Consolas" panose="020B0609020204030204" pitchFamily="49" charset="0"/>
-            </a:endParaRPr>
-          </a:p>
-        </p:txBody>
-      </p:sp>
-      <p:sp>
-        <p:nvSpPr>
-          <p:cNvPr id="25" name="TextBox 24">
-            <a:extLst>
-              <a:ext uri="{FF2B5EF4-FFF2-40B4-BE49-F238E27FC236}">
-                <a16:creationId xmlns:a16="http://schemas.microsoft.com/office/drawing/2014/main" id="{8FA4E600-36BF-419F-B739-8B99F6702248}"/>
-              </a:ext>
-            </a:extLst>
-          </p:cNvPr>
-          <p:cNvSpPr txBox="1"/>
-          <p:nvPr/>
-        </p:nvSpPr>
-        <p:spPr>
-          <a:xfrm>
-            <a:off x="8096169" y="6535791"/>
-            <a:ext cx="970137" cy="215444"/>
-          </a:xfrm>
-          <a:prstGeom prst="rect">
-            <a:avLst/>
-          </a:prstGeom>
-          <a:noFill/>
-        </p:spPr>
-        <p:txBody>
-          <a:bodyPr wrap="none" rtlCol="0">
-            <a:spAutoFit/>
-          </a:bodyPr>
-          <a:lstStyle/>
-          <a:p>
-            <a:pPr algn="r"/>
-            <a:r>
-              <a:rPr lang="en-US" sz="800">
-                <a:solidFill>
-                  <a:schemeClr val="accent1">
-                    <a:lumMod val="60000"/>
-                    <a:lumOff val="40000"/>
-                  </a:schemeClr>
-                </a:solidFill>
-                <a:latin typeface="Consolas" panose="020B0609020204030204" pitchFamily="49" charset="0"/>
-              </a:rPr>
-              <a:t>Random Forests</a:t>
-            </a:r>
-            <a:endParaRPr lang="en-US" sz="800" dirty="0">
-              <a:solidFill>
-                <a:schemeClr val="accent1">
-                  <a:lumMod val="60000"/>
-                  <a:lumOff val="40000"/>
-                </a:schemeClr>
-              </a:solidFill>
-              <a:latin typeface="Consolas" panose="020B0609020204030204" pitchFamily="49" charset="0"/>
-            </a:endParaRPr>
-          </a:p>
-        </p:txBody>
-      </p:sp>
-      <p:sp>
-        <p:nvSpPr>
-          <p:cNvPr id="27" name="Content Placeholder 3"/>
-          <p:cNvSpPr>
-            <a:spLocks noGrp="1"/>
-          </p:cNvSpPr>
-          <p:nvPr>
-            <p:ph sz="half" idx="1"/>
-          </p:nvPr>
-        </p:nvSpPr>
-        <p:spPr>
-          <a:xfrm>
-            <a:off x="6538259" y="500654"/>
-            <a:ext cx="2311761" cy="274594"/>
-          </a:xfrm>
-        </p:spPr>
-        <p:txBody>
-          <a:bodyPr>
-            <a:normAutofit/>
-          </a:bodyPr>
-          <a:lstStyle/>
-          <a:p>
-            <a:pPr marL="0" indent="0">
-              <a:buNone/>
-            </a:pPr>
-            <a:r>
-              <a:rPr lang="en-US" sz="1000" b="1" dirty="0">
-                <a:solidFill>
-                  <a:schemeClr val="accent2">
-                    <a:lumMod val="75000"/>
-                  </a:schemeClr>
-                </a:solidFill>
-              </a:rPr>
-              <a:t>libraries </a:t>
-            </a:r>
-            <a:r>
-              <a:rPr lang="en-US" sz="1000" b="1">
-                <a:solidFill>
-                  <a:schemeClr val="accent2">
-                    <a:lumMod val="75000"/>
-                  </a:schemeClr>
-                </a:solidFill>
-                <a:sym typeface="Wingdings" panose="05000000000000000000" pitchFamily="2" charset="2"/>
-              </a:rPr>
-              <a:t> </a:t>
-            </a:r>
-            <a:r>
-              <a:rPr lang="en-US" sz="1000" b="1" smtClean="0">
-                <a:solidFill>
-                  <a:schemeClr val="accent2">
-                    <a:lumMod val="75000"/>
-                  </a:schemeClr>
-                </a:solidFill>
-                <a:sym typeface="Wingdings" panose="05000000000000000000" pitchFamily="2" charset="2"/>
-              </a:rPr>
-              <a:t>gbm, ROCR</a:t>
-            </a:r>
-            <a:endParaRPr lang="en-US" sz="1000" b="1" dirty="0">
-              <a:solidFill>
-                <a:schemeClr val="accent2">
-                  <a:lumMod val="75000"/>
-                </a:schemeClr>
-              </a:solidFill>
-            </a:endParaRPr>
-          </a:p>
-        </p:txBody>
-      </p:sp>
-      <p:sp>
-        <p:nvSpPr>
-          <p:cNvPr id="23" name="Content Placeholder 3">
-            <a:extLst>
-              <a:ext uri="{FF2B5EF4-FFF2-40B4-BE49-F238E27FC236}">
-                <a16:creationId xmlns:a16="http://schemas.microsoft.com/office/drawing/2014/main" id="{AFB6BA3D-BA69-4DBA-B0AE-F910570EF7A1}"/>
+                <a16:creationId xmlns:a16="http://schemas.microsoft.com/office/drawing/2014/main" id="{547EE33B-CFD5-48B2-AFD7-E4EEE3135DFE}"/>
               </a:ext>
             </a:extLst>
           </p:cNvPr>
@@ -8652,282 +5266,8 @@
         </p:nvSpPr>
         <p:spPr>
           <a:xfrm>
-            <a:off x="2222434" y="1357759"/>
-            <a:ext cx="1298330" cy="337042"/>
-          </a:xfrm>
-          <a:prstGeom prst="rect">
-            <a:avLst/>
-          </a:prstGeom>
-        </p:spPr>
-        <p:txBody>
-          <a:bodyPr vert="horz" lIns="91440" tIns="45720" rIns="91440" bIns="45720" rtlCol="0">
-            <a:normAutofit fontScale="92500" lnSpcReduction="10000"/>
-          </a:bodyPr>
-          <a:lstStyle>
-            <a:lvl1pPr marL="228600" indent="-228600" algn="l" defTabSz="914400" rtl="0" eaLnBrk="1" latinLnBrk="0" hangingPunct="1">
-              <a:lnSpc>
-                <a:spcPct val="90000"/>
-              </a:lnSpc>
-              <a:spcBef>
-                <a:spcPts val="1000"/>
-              </a:spcBef>
-              <a:buFont typeface="Arial" panose="020B0604020202020204" pitchFamily="34" charset="0"/>
-              <a:buChar char="•"/>
-              <a:defRPr sz="2800" kern="1200">
-                <a:solidFill>
-                  <a:schemeClr val="tx1"/>
-                </a:solidFill>
-                <a:latin typeface="+mn-lt"/>
-                <a:ea typeface="+mn-ea"/>
-                <a:cs typeface="+mn-cs"/>
-              </a:defRPr>
-            </a:lvl1pPr>
-            <a:lvl2pPr marL="685800" indent="-228600" algn="l" defTabSz="914400" rtl="0" eaLnBrk="1" latinLnBrk="0" hangingPunct="1">
-              <a:lnSpc>
-                <a:spcPct val="90000"/>
-              </a:lnSpc>
-              <a:spcBef>
-                <a:spcPts val="500"/>
-              </a:spcBef>
-              <a:buFont typeface="Arial" panose="020B0604020202020204" pitchFamily="34" charset="0"/>
-              <a:buChar char="•"/>
-              <a:defRPr sz="2400" kern="1200">
-                <a:solidFill>
-                  <a:schemeClr val="tx1"/>
-                </a:solidFill>
-                <a:latin typeface="+mn-lt"/>
-                <a:ea typeface="+mn-ea"/>
-                <a:cs typeface="+mn-cs"/>
-              </a:defRPr>
-            </a:lvl2pPr>
-            <a:lvl3pPr marL="1143000" indent="-228600" algn="l" defTabSz="914400" rtl="0" eaLnBrk="1" latinLnBrk="0" hangingPunct="1">
-              <a:lnSpc>
-                <a:spcPct val="90000"/>
-              </a:lnSpc>
-              <a:spcBef>
-                <a:spcPts val="500"/>
-              </a:spcBef>
-              <a:buFont typeface="Arial" panose="020B0604020202020204" pitchFamily="34" charset="0"/>
-              <a:buChar char="•"/>
-              <a:defRPr sz="2000" kern="1200">
-                <a:solidFill>
-                  <a:schemeClr val="tx1"/>
-                </a:solidFill>
-                <a:latin typeface="+mn-lt"/>
-                <a:ea typeface="+mn-ea"/>
-                <a:cs typeface="+mn-cs"/>
-              </a:defRPr>
-            </a:lvl3pPr>
-            <a:lvl4pPr marL="1600200" indent="-228600" algn="l" defTabSz="914400" rtl="0" eaLnBrk="1" latinLnBrk="0" hangingPunct="1">
-              <a:lnSpc>
-                <a:spcPct val="90000"/>
-              </a:lnSpc>
-              <a:spcBef>
-                <a:spcPts val="500"/>
-              </a:spcBef>
-              <a:buFont typeface="Arial" panose="020B0604020202020204" pitchFamily="34" charset="0"/>
-              <a:buChar char="•"/>
-              <a:defRPr sz="1800" kern="1200">
-                <a:solidFill>
-                  <a:schemeClr val="tx1"/>
-                </a:solidFill>
-                <a:latin typeface="+mn-lt"/>
-                <a:ea typeface="+mn-ea"/>
-                <a:cs typeface="+mn-cs"/>
-              </a:defRPr>
-            </a:lvl4pPr>
-            <a:lvl5pPr marL="2057400" indent="-228600" algn="l" defTabSz="914400" rtl="0" eaLnBrk="1" latinLnBrk="0" hangingPunct="1">
-              <a:lnSpc>
-                <a:spcPct val="90000"/>
-              </a:lnSpc>
-              <a:spcBef>
-                <a:spcPts val="500"/>
-              </a:spcBef>
-              <a:buFont typeface="Arial" panose="020B0604020202020204" pitchFamily="34" charset="0"/>
-              <a:buChar char="•"/>
-              <a:defRPr sz="1800" kern="1200">
-                <a:solidFill>
-                  <a:schemeClr val="tx1"/>
-                </a:solidFill>
-                <a:latin typeface="+mn-lt"/>
-                <a:ea typeface="+mn-ea"/>
-                <a:cs typeface="+mn-cs"/>
-              </a:defRPr>
-            </a:lvl5pPr>
-            <a:lvl6pPr marL="2514600" indent="-228600" algn="l" defTabSz="914400" rtl="0" eaLnBrk="1" latinLnBrk="0" hangingPunct="1">
-              <a:lnSpc>
-                <a:spcPct val="90000"/>
-              </a:lnSpc>
-              <a:spcBef>
-                <a:spcPts val="500"/>
-              </a:spcBef>
-              <a:buFont typeface="Arial" panose="020B0604020202020204" pitchFamily="34" charset="0"/>
-              <a:buChar char="•"/>
-              <a:defRPr sz="1800" kern="1200">
-                <a:solidFill>
-                  <a:schemeClr val="tx1"/>
-                </a:solidFill>
-                <a:latin typeface="+mn-lt"/>
-                <a:ea typeface="+mn-ea"/>
-                <a:cs typeface="+mn-cs"/>
-              </a:defRPr>
-            </a:lvl6pPr>
-            <a:lvl7pPr marL="2971800" indent="-228600" algn="l" defTabSz="914400" rtl="0" eaLnBrk="1" latinLnBrk="0" hangingPunct="1">
-              <a:lnSpc>
-                <a:spcPct val="90000"/>
-              </a:lnSpc>
-              <a:spcBef>
-                <a:spcPts val="500"/>
-              </a:spcBef>
-              <a:buFont typeface="Arial" panose="020B0604020202020204" pitchFamily="34" charset="0"/>
-              <a:buChar char="•"/>
-              <a:defRPr sz="1800" kern="1200">
-                <a:solidFill>
-                  <a:schemeClr val="tx1"/>
-                </a:solidFill>
-                <a:latin typeface="+mn-lt"/>
-                <a:ea typeface="+mn-ea"/>
-                <a:cs typeface="+mn-cs"/>
-              </a:defRPr>
-            </a:lvl7pPr>
-            <a:lvl8pPr marL="3429000" indent="-228600" algn="l" defTabSz="914400" rtl="0" eaLnBrk="1" latinLnBrk="0" hangingPunct="1">
-              <a:lnSpc>
-                <a:spcPct val="90000"/>
-              </a:lnSpc>
-              <a:spcBef>
-                <a:spcPts val="500"/>
-              </a:spcBef>
-              <a:buFont typeface="Arial" panose="020B0604020202020204" pitchFamily="34" charset="0"/>
-              <a:buChar char="•"/>
-              <a:defRPr sz="1800" kern="1200">
-                <a:solidFill>
-                  <a:schemeClr val="tx1"/>
-                </a:solidFill>
-                <a:latin typeface="+mn-lt"/>
-                <a:ea typeface="+mn-ea"/>
-                <a:cs typeface="+mn-cs"/>
-              </a:defRPr>
-            </a:lvl8pPr>
-            <a:lvl9pPr marL="3886200" indent="-228600" algn="l" defTabSz="914400" rtl="0" eaLnBrk="1" latinLnBrk="0" hangingPunct="1">
-              <a:lnSpc>
-                <a:spcPct val="90000"/>
-              </a:lnSpc>
-              <a:spcBef>
-                <a:spcPts val="500"/>
-              </a:spcBef>
-              <a:buFont typeface="Arial" panose="020B0604020202020204" pitchFamily="34" charset="0"/>
-              <a:buChar char="•"/>
-              <a:defRPr sz="1800" kern="1200">
-                <a:solidFill>
-                  <a:schemeClr val="tx1"/>
-                </a:solidFill>
-                <a:latin typeface="+mn-lt"/>
-                <a:ea typeface="+mn-ea"/>
-                <a:cs typeface="+mn-cs"/>
-              </a:defRPr>
-            </a:lvl9pPr>
-          </a:lstStyle>
-          <a:p>
-            <a:pPr marL="0" indent="0" algn="ctr">
-              <a:buFont typeface="Arial" panose="020B0604020202020204" pitchFamily="34" charset="0"/>
-              <a:buNone/>
-            </a:pPr>
-            <a:r>
-              <a:rPr lang="en-US" sz="1000" b="1">
-                <a:solidFill>
-                  <a:schemeClr val="accent2">
-                    <a:lumMod val="75000"/>
-                  </a:schemeClr>
-                </a:solidFill>
-              </a:rPr>
-              <a:t>model object</a:t>
-            </a:r>
-            <a:br>
-              <a:rPr lang="en-US" sz="1000" b="1">
-                <a:solidFill>
-                  <a:schemeClr val="accent2">
-                    <a:lumMod val="75000"/>
-                  </a:schemeClr>
-                </a:solidFill>
-              </a:rPr>
-            </a:br>
-            <a:r>
-              <a:rPr lang="en-US" sz="1000" b="1">
-                <a:solidFill>
-                  <a:schemeClr val="accent2">
-                    <a:lumMod val="75000"/>
-                  </a:schemeClr>
-                </a:solidFill>
-              </a:rPr>
-              <a:t>names(credit_model)</a:t>
-            </a:r>
-          </a:p>
-        </p:txBody>
-      </p:sp>
-      <p:sp>
-        <p:nvSpPr>
-          <p:cNvPr id="24" name="Right Arrow 21">
-            <a:extLst>
-              <a:ext uri="{FF2B5EF4-FFF2-40B4-BE49-F238E27FC236}">
-                <a16:creationId xmlns:a16="http://schemas.microsoft.com/office/drawing/2014/main" id="{03BB4B7A-F108-412F-A17B-F6501262BE19}"/>
-              </a:ext>
-            </a:extLst>
-          </p:cNvPr>
-          <p:cNvSpPr/>
-          <p:nvPr/>
-        </p:nvSpPr>
-        <p:spPr>
-          <a:xfrm rot="8934343">
-            <a:off x="1924589" y="1618403"/>
-            <a:ext cx="382926" cy="152796"/>
-          </a:xfrm>
-          <a:prstGeom prst="rightArrow">
-            <a:avLst/>
-          </a:prstGeom>
-        </p:spPr>
-        <p:style>
-          <a:lnRef idx="2">
-            <a:schemeClr val="accent1">
-              <a:shade val="50000"/>
-            </a:schemeClr>
-          </a:lnRef>
-          <a:fillRef idx="1">
-            <a:schemeClr val="accent1"/>
-          </a:fillRef>
-          <a:effectRef idx="0">
-            <a:schemeClr val="accent1"/>
-          </a:effectRef>
-          <a:fontRef idx="minor">
-            <a:schemeClr val="lt1"/>
-          </a:fontRef>
-        </p:style>
-        <p:txBody>
-          <a:bodyPr rtlCol="0" anchor="ctr"/>
-          <a:lstStyle/>
-          <a:p>
-            <a:pPr algn="ctr"/>
-            <a:endParaRPr lang="en-US"/>
-          </a:p>
-        </p:txBody>
-      </p:sp>
-      <p:sp>
-        <p:nvSpPr>
-          <p:cNvPr id="31" name="Content Placeholder 3">
-            <a:extLst>
-              <a:ext uri="{FF2B5EF4-FFF2-40B4-BE49-F238E27FC236}">
-                <a16:creationId xmlns:a16="http://schemas.microsoft.com/office/drawing/2014/main" id="{9F7009AC-F756-43B8-9518-76D09C0913E4}"/>
-              </a:ext>
-            </a:extLst>
-          </p:cNvPr>
-          <p:cNvSpPr txBox="1">
-            <a:spLocks/>
-          </p:cNvSpPr>
-          <p:nvPr/>
-        </p:nvSpPr>
-        <p:spPr>
-          <a:xfrm>
-            <a:off x="2537460" y="2641653"/>
-            <a:ext cx="2583180" cy="229893"/>
+            <a:off x="457163" y="425660"/>
+            <a:ext cx="7959538" cy="361312"/>
           </a:xfrm>
           <a:prstGeom prst="rect">
             <a:avLst/>
@@ -9107,24 +5447,26 @@
               <a:buNone/>
             </a:pPr>
             <a:r>
-              <a:rPr lang="en-US" sz="1000" b="1" dirty="0">
-                <a:solidFill>
-                  <a:schemeClr val="accent2">
-                    <a:lumMod val="75000"/>
-                  </a:schemeClr>
-                </a:solidFill>
-              </a:rPr>
-              <a:t>displays a variable importance table and plot</a:t>
-            </a:r>
-          </a:p>
-        </p:txBody>
-      </p:sp>
-      <p:sp>
-        <p:nvSpPr>
-          <p:cNvPr id="32" name="Right Arrow 27">
+              <a:rPr lang="en-US" sz="1200" dirty="0"/>
+              <a:t>In hierarchical clustering, the first step is to determine the similarity between observations by using the </a:t>
+            </a:r>
+            <a:r>
+              <a:rPr lang="en-US" sz="1200" dirty="0" err="1"/>
+              <a:t>dist</a:t>
+            </a:r>
+            <a:r>
+              <a:rPr lang="en-US" sz="1200" dirty="0"/>
+              <a:t>() function.</a:t>
+            </a:r>
+          </a:p>
+        </p:txBody>
+      </p:sp>
+      <p:sp>
+        <p:nvSpPr>
+          <p:cNvPr id="19" name="Right Arrow 13">
             <a:extLst>
               <a:ext uri="{FF2B5EF4-FFF2-40B4-BE49-F238E27FC236}">
-                <a16:creationId xmlns:a16="http://schemas.microsoft.com/office/drawing/2014/main" id="{A7460A9A-79C6-492B-9600-A53BF8C6168B}"/>
+                <a16:creationId xmlns:a16="http://schemas.microsoft.com/office/drawing/2014/main" id="{2A6F6FF9-DF43-4238-94F0-6F2F856C7123}"/>
               </a:ext>
             </a:extLst>
           </p:cNvPr>
@@ -9133,8 +5475,8 @@
         </p:nvSpPr>
         <p:spPr>
           <a:xfrm rot="10800000">
-            <a:off x="2097086" y="2680202"/>
-            <a:ext cx="382926" cy="152796"/>
+            <a:off x="2422518" y="1648522"/>
+            <a:ext cx="788302" cy="89457"/>
           </a:xfrm>
           <a:prstGeom prst="rightArrow">
             <a:avLst/>
@@ -9165,36 +5507,12 @@
           </a:p>
         </p:txBody>
       </p:sp>
-      <p:pic>
-        <p:nvPicPr>
-          <p:cNvPr id="2" name="Picture 1"/>
-          <p:cNvPicPr>
-            <a:picLocks noChangeAspect="1"/>
-          </p:cNvPicPr>
-          <p:nvPr/>
-        </p:nvPicPr>
-        <p:blipFill>
-          <a:blip r:embed="rId2"/>
-          <a:stretch>
-            <a:fillRect/>
-          </a:stretch>
-        </p:blipFill>
-        <p:spPr>
-          <a:xfrm>
-            <a:off x="5573963" y="914777"/>
-            <a:ext cx="3276057" cy="1159120"/>
-          </a:xfrm>
-          <a:prstGeom prst="rect">
-            <a:avLst/>
-          </a:prstGeom>
-        </p:spPr>
-      </p:pic>
-      <p:sp>
-        <p:nvSpPr>
-          <p:cNvPr id="12" name="TextBox 11">
+      <p:sp>
+        <p:nvSpPr>
+          <p:cNvPr id="4" name="TextBox 3">
             <a:extLst>
               <a:ext uri="{FF2B5EF4-FFF2-40B4-BE49-F238E27FC236}">
-                <a16:creationId xmlns:a16="http://schemas.microsoft.com/office/drawing/2014/main" id="{8FA4E600-36BF-419F-B739-8B99F6702248}"/>
+                <a16:creationId xmlns:a16="http://schemas.microsoft.com/office/drawing/2014/main" id="{40EDDB20-365C-46BD-85CD-8CE713D0DB82}"/>
               </a:ext>
             </a:extLst>
           </p:cNvPr>
@@ -9203,8 +5521,8 @@
         </p:nvSpPr>
         <p:spPr>
           <a:xfrm>
-            <a:off x="5573963" y="2956582"/>
-            <a:ext cx="3450508" cy="3046988"/>
+            <a:off x="3163251" y="1548537"/>
+            <a:ext cx="2186817" cy="253916"/>
           </a:xfrm>
           <a:prstGeom prst="rect">
             <a:avLst/>
@@ -9212,363 +5530,70 @@
           <a:noFill/>
         </p:spPr>
         <p:txBody>
-          <a:bodyPr wrap="square" rtlCol="0">
+          <a:bodyPr wrap="none" rtlCol="0">
             <a:spAutoFit/>
           </a:bodyPr>
           <a:lstStyle/>
           <a:p>
             <a:r>
-              <a:rPr lang="en-US" sz="800" smtClean="0">
-                <a:latin typeface="Consolas" panose="020B0609020204030204" pitchFamily="49" charset="0"/>
-              </a:rPr>
-              <a:t>ntree_opt_oob &lt;- gbm.perf(object = credit_model,</a:t>
-            </a:r>
-          </a:p>
-          <a:p>
-            <a:r>
-              <a:rPr lang="en-US" sz="800">
-                <a:latin typeface="Consolas" panose="020B0609020204030204" pitchFamily="49" charset="0"/>
-              </a:rPr>
-              <a:t>	</a:t>
-            </a:r>
-            <a:r>
-              <a:rPr lang="en-US" sz="800" smtClean="0">
-                <a:latin typeface="Consolas" panose="020B0609020204030204" pitchFamily="49" charset="0"/>
-              </a:rPr>
-              <a:t>			   method = “OOB”,</a:t>
-            </a:r>
-          </a:p>
-          <a:p>
-            <a:r>
-              <a:rPr lang="en-US" sz="800">
-                <a:latin typeface="Consolas" panose="020B0609020204030204" pitchFamily="49" charset="0"/>
-              </a:rPr>
-              <a:t>	</a:t>
-            </a:r>
-            <a:r>
-              <a:rPr lang="en-US" sz="800" smtClean="0">
-                <a:latin typeface="Consolas" panose="020B0609020204030204" pitchFamily="49" charset="0"/>
-              </a:rPr>
-              <a:t>			   oobag.curve = TRUE)</a:t>
-            </a:r>
-            <a:endParaRPr lang="en-US" sz="800" dirty="0">
-              <a:latin typeface="Consolas" panose="020B0609020204030204" pitchFamily="49" charset="0"/>
-            </a:endParaRPr>
-          </a:p>
-          <a:p>
-            <a:endParaRPr lang="en-US" sz="800" dirty="0">
-              <a:latin typeface="Consolas" panose="020B0609020204030204" pitchFamily="49" charset="0"/>
-            </a:endParaRPr>
-          </a:p>
-          <a:p>
-            <a:r>
-              <a:rPr lang="en-US" sz="800" smtClean="0">
-                <a:latin typeface="Consolas" panose="020B0609020204030204" pitchFamily="49" charset="0"/>
-              </a:rPr>
-              <a:t>set.seed(1</a:t>
-            </a:r>
-            <a:r>
-              <a:rPr lang="en-US" sz="800" dirty="0">
-                <a:latin typeface="Consolas" panose="020B0609020204030204" pitchFamily="49" charset="0"/>
-              </a:rPr>
-              <a:t>)</a:t>
-            </a:r>
-          </a:p>
-          <a:p>
-            <a:r>
-              <a:rPr lang="en-US" sz="800" smtClean="0">
-                <a:latin typeface="Consolas" panose="020B0609020204030204" pitchFamily="49" charset="0"/>
-              </a:rPr>
-              <a:t>credit_model_cv </a:t>
-            </a:r>
-            <a:r>
-              <a:rPr lang="en-US" sz="800" dirty="0">
-                <a:latin typeface="Consolas" panose="020B0609020204030204" pitchFamily="49" charset="0"/>
-              </a:rPr>
-              <a:t>&lt;- </a:t>
-            </a:r>
-            <a:r>
-              <a:rPr lang="en-US" sz="800" dirty="0" err="1">
-                <a:latin typeface="Consolas" panose="020B0609020204030204" pitchFamily="49" charset="0"/>
-              </a:rPr>
-              <a:t>gbm</a:t>
-            </a:r>
-            <a:r>
-              <a:rPr lang="en-US" sz="800" dirty="0">
-                <a:latin typeface="Consolas" panose="020B0609020204030204" pitchFamily="49" charset="0"/>
-              </a:rPr>
-              <a:t>(formula = default ~ .,</a:t>
-            </a:r>
-          </a:p>
-          <a:p>
-            <a:r>
-              <a:rPr lang="en-US" sz="800" dirty="0">
-                <a:latin typeface="Consolas" panose="020B0609020204030204" pitchFamily="49" charset="0"/>
-              </a:rPr>
-              <a:t>			  distribution = “Bernoulli”,</a:t>
-            </a:r>
-          </a:p>
-          <a:p>
-            <a:r>
-              <a:rPr lang="en-US" sz="800" dirty="0">
-                <a:latin typeface="Consolas" panose="020B0609020204030204" pitchFamily="49" charset="0"/>
-              </a:rPr>
-              <a:t>			  data = </a:t>
-            </a:r>
-            <a:r>
-              <a:rPr lang="en-US" sz="800" err="1">
-                <a:latin typeface="Consolas" panose="020B0609020204030204" pitchFamily="49" charset="0"/>
-              </a:rPr>
-              <a:t>credit_train</a:t>
-            </a:r>
-            <a:r>
-              <a:rPr lang="en-US" sz="800" smtClean="0">
-                <a:latin typeface="Consolas" panose="020B0609020204030204" pitchFamily="49" charset="0"/>
-              </a:rPr>
-              <a:t>,</a:t>
-            </a:r>
-          </a:p>
-          <a:p>
-            <a:r>
-              <a:rPr lang="en-US" sz="800">
-                <a:latin typeface="Consolas" panose="020B0609020204030204" pitchFamily="49" charset="0"/>
-              </a:rPr>
-              <a:t>	</a:t>
-            </a:r>
-            <a:r>
-              <a:rPr lang="en-US" sz="800" smtClean="0">
-                <a:latin typeface="Consolas" panose="020B0609020204030204" pitchFamily="49" charset="0"/>
-              </a:rPr>
-              <a:t>		  n.trees = 10000,</a:t>
-            </a:r>
-          </a:p>
-          <a:p>
-            <a:r>
-              <a:rPr lang="en-US" sz="800">
-                <a:latin typeface="Consolas" panose="020B0609020204030204" pitchFamily="49" charset="0"/>
-              </a:rPr>
-              <a:t>	</a:t>
-            </a:r>
-            <a:r>
-              <a:rPr lang="en-US" sz="800" smtClean="0">
-                <a:latin typeface="Consolas" panose="020B0609020204030204" pitchFamily="49" charset="0"/>
-              </a:rPr>
-              <a:t>		  cv.folds = 2)</a:t>
-            </a:r>
-          </a:p>
-          <a:p>
-            <a:endParaRPr lang="en-US" sz="800">
-              <a:latin typeface="Consolas" panose="020B0609020204030204" pitchFamily="49" charset="0"/>
-            </a:endParaRPr>
-          </a:p>
-          <a:p>
-            <a:r>
-              <a:rPr lang="en-US" sz="800" smtClean="0">
-                <a:latin typeface="Consolas" panose="020B0609020204030204" pitchFamily="49" charset="0"/>
-              </a:rPr>
-              <a:t>ntree_opt_cv &lt;- gbm.perf(object = credit_model,</a:t>
-            </a:r>
-          </a:p>
-          <a:p>
-            <a:r>
-              <a:rPr lang="en-US" sz="800">
-                <a:latin typeface="Consolas" panose="020B0609020204030204" pitchFamily="49" charset="0"/>
-              </a:rPr>
-              <a:t>	</a:t>
-            </a:r>
-            <a:r>
-              <a:rPr lang="en-US" sz="800" smtClean="0">
-                <a:latin typeface="Consolas" panose="020B0609020204030204" pitchFamily="49" charset="0"/>
-              </a:rPr>
-              <a:t>		    method = “cv”)</a:t>
-            </a:r>
-          </a:p>
-          <a:p>
-            <a:endParaRPr lang="en-US" sz="800">
-              <a:latin typeface="Consolas" panose="020B0609020204030204" pitchFamily="49" charset="0"/>
-            </a:endParaRPr>
-          </a:p>
-          <a:p>
-            <a:r>
-              <a:rPr lang="en-US" sz="800" smtClean="0">
-                <a:latin typeface="Consolas" panose="020B0609020204030204" pitchFamily="49" charset="0"/>
-              </a:rPr>
-              <a:t>pr1 </a:t>
-            </a:r>
-            <a:r>
-              <a:rPr lang="en-US" sz="800">
-                <a:latin typeface="Consolas" panose="020B0609020204030204" pitchFamily="49" charset="0"/>
-              </a:rPr>
-              <a:t>&lt;- predict(object = credit_model,</a:t>
-            </a:r>
-          </a:p>
-          <a:p>
-            <a:r>
-              <a:rPr lang="en-US" sz="800" smtClean="0">
-                <a:latin typeface="Consolas" panose="020B0609020204030204" pitchFamily="49" charset="0"/>
-              </a:rPr>
-              <a:t>		newdata </a:t>
-            </a:r>
-            <a:r>
-              <a:rPr lang="en-US" sz="800">
-                <a:latin typeface="Consolas" panose="020B0609020204030204" pitchFamily="49" charset="0"/>
-              </a:rPr>
-              <a:t>= credit_test,</a:t>
-            </a:r>
-          </a:p>
-          <a:p>
-            <a:r>
-              <a:rPr lang="en-US" sz="800">
-                <a:latin typeface="Consolas" panose="020B0609020204030204" pitchFamily="49" charset="0"/>
-              </a:rPr>
-              <a:t>		</a:t>
-            </a:r>
-            <a:r>
-              <a:rPr lang="en-US" sz="800" smtClean="0">
-                <a:latin typeface="Consolas" panose="020B0609020204030204" pitchFamily="49" charset="0"/>
-              </a:rPr>
-              <a:t>n.trees </a:t>
-            </a:r>
-            <a:r>
-              <a:rPr lang="en-US" sz="800">
-                <a:latin typeface="Consolas" panose="020B0609020204030204" pitchFamily="49" charset="0"/>
-              </a:rPr>
-              <a:t>= ntree_opt_oob)</a:t>
-            </a:r>
-          </a:p>
-          <a:p>
-            <a:endParaRPr lang="en-US" sz="800">
-              <a:latin typeface="Consolas" panose="020B0609020204030204" pitchFamily="49" charset="0"/>
-            </a:endParaRPr>
-          </a:p>
-          <a:p>
-            <a:r>
-              <a:rPr lang="en-US" sz="800" smtClean="0">
-                <a:latin typeface="Consolas" panose="020B0609020204030204" pitchFamily="49" charset="0"/>
-              </a:rPr>
-              <a:t>pr2 </a:t>
-            </a:r>
-            <a:r>
-              <a:rPr lang="en-US" sz="800">
-                <a:latin typeface="Consolas" panose="020B0609020204030204" pitchFamily="49" charset="0"/>
-              </a:rPr>
-              <a:t>&lt;- predict(object = credit_model,</a:t>
-            </a:r>
-          </a:p>
-          <a:p>
-            <a:r>
-              <a:rPr lang="en-US" sz="800">
-                <a:latin typeface="Consolas" panose="020B0609020204030204" pitchFamily="49" charset="0"/>
-              </a:rPr>
-              <a:t>		</a:t>
-            </a:r>
-            <a:r>
-              <a:rPr lang="en-US" sz="800" smtClean="0">
-                <a:latin typeface="Consolas" panose="020B0609020204030204" pitchFamily="49" charset="0"/>
-              </a:rPr>
-              <a:t>newdata </a:t>
-            </a:r>
-            <a:r>
-              <a:rPr lang="en-US" sz="800">
-                <a:latin typeface="Consolas" panose="020B0609020204030204" pitchFamily="49" charset="0"/>
-              </a:rPr>
-              <a:t>= credit_test,</a:t>
-            </a:r>
-          </a:p>
-          <a:p>
-            <a:r>
-              <a:rPr lang="en-US" sz="800">
-                <a:latin typeface="Consolas" panose="020B0609020204030204" pitchFamily="49" charset="0"/>
-              </a:rPr>
-              <a:t>		</a:t>
-            </a:r>
-            <a:r>
-              <a:rPr lang="en-US" sz="800" smtClean="0">
-                <a:latin typeface="Consolas" panose="020B0609020204030204" pitchFamily="49" charset="0"/>
-              </a:rPr>
-              <a:t>n.trees </a:t>
-            </a:r>
-            <a:r>
-              <a:rPr lang="en-US" sz="800">
-                <a:latin typeface="Consolas" panose="020B0609020204030204" pitchFamily="49" charset="0"/>
-              </a:rPr>
-              <a:t>= ntree_opt_cv)</a:t>
-            </a:r>
-          </a:p>
-          <a:p>
-            <a:endParaRPr lang="en-US" sz="800">
-              <a:latin typeface="Consolas" panose="020B0609020204030204" pitchFamily="49" charset="0"/>
-            </a:endParaRPr>
-          </a:p>
-          <a:p>
-            <a:r>
-              <a:rPr lang="en-US" sz="800">
-                <a:latin typeface="Consolas" panose="020B0609020204030204" pitchFamily="49" charset="0"/>
-              </a:rPr>
-              <a:t>auc1 &lt;- auc(actual = credit_test$default, predicted </a:t>
-            </a:r>
-            <a:r>
-              <a:rPr lang="en-US" sz="800" smtClean="0">
-                <a:latin typeface="Consolas" panose="020B0609020204030204" pitchFamily="49" charset="0"/>
-              </a:rPr>
-              <a:t>= pr1</a:t>
-            </a:r>
-            <a:r>
-              <a:rPr lang="en-US" sz="800">
-                <a:latin typeface="Consolas" panose="020B0609020204030204" pitchFamily="49" charset="0"/>
-              </a:rPr>
-              <a:t>)</a:t>
-            </a:r>
-          </a:p>
-          <a:p>
-            <a:r>
-              <a:rPr lang="en-US" sz="800">
-                <a:latin typeface="Consolas" panose="020B0609020204030204" pitchFamily="49" charset="0"/>
-              </a:rPr>
-              <a:t>auc2 &lt;- auc(actual = credit_test$default, predicted = </a:t>
-            </a:r>
-            <a:r>
-              <a:rPr lang="en-US" sz="800" smtClean="0">
-                <a:latin typeface="Consolas" panose="020B0609020204030204" pitchFamily="49" charset="0"/>
-              </a:rPr>
-              <a:t>pr2)</a:t>
-            </a:r>
-            <a:endParaRPr lang="en-US" sz="800">
-              <a:latin typeface="Consolas" panose="020B0609020204030204" pitchFamily="49" charset="0"/>
-            </a:endParaRPr>
-          </a:p>
-        </p:txBody>
-      </p:sp>
-      <p:pic>
-        <p:nvPicPr>
-          <p:cNvPr id="3" name="Picture 2"/>
-          <p:cNvPicPr>
-            <a:picLocks noChangeAspect="1"/>
-          </p:cNvPicPr>
+              <a:rPr lang="en-US" sz="1050" dirty="0"/>
+              <a:t>cuts the dendrogram at a height of 7</a:t>
+            </a:r>
+          </a:p>
+        </p:txBody>
+      </p:sp>
+      <p:sp>
+        <p:nvSpPr>
+          <p:cNvPr id="20" name="Right Arrow 13">
+            <a:extLst>
+              <a:ext uri="{FF2B5EF4-FFF2-40B4-BE49-F238E27FC236}">
+                <a16:creationId xmlns:a16="http://schemas.microsoft.com/office/drawing/2014/main" id="{FAF1459E-6BEC-47C6-9E98-8742F342ABBC}"/>
+              </a:ext>
+            </a:extLst>
+          </p:cNvPr>
+          <p:cNvSpPr/>
           <p:nvPr/>
-        </p:nvPicPr>
-        <p:blipFill>
-          <a:blip r:embed="rId3"/>
-          <a:stretch>
-            <a:fillRect/>
-          </a:stretch>
-        </p:blipFill>
+        </p:nvSpPr>
         <p:spPr>
-          <a:xfrm>
-            <a:off x="7451783" y="1743224"/>
-            <a:ext cx="1614523" cy="1213358"/>
+          <a:xfrm rot="10800000">
+            <a:off x="2422518" y="1953120"/>
+            <a:ext cx="788302" cy="89457"/>
           </a:xfrm>
-          <a:prstGeom prst="rect">
+          <a:prstGeom prst="rightArrow">
             <a:avLst/>
           </a:prstGeom>
         </p:spPr>
-      </p:pic>
-      <p:sp>
-        <p:nvSpPr>
-          <p:cNvPr id="14" name="TextBox 13">
+        <p:style>
+          <a:lnRef idx="2">
+            <a:schemeClr val="accent1">
+              <a:shade val="50000"/>
+            </a:schemeClr>
+          </a:lnRef>
+          <a:fillRef idx="1">
+            <a:schemeClr val="accent1"/>
+          </a:fillRef>
+          <a:effectRef idx="0">
+            <a:schemeClr val="accent1"/>
+          </a:effectRef>
+          <a:fontRef idx="minor">
+            <a:schemeClr val="lt1"/>
+          </a:fontRef>
+        </p:style>
+        <p:txBody>
+          <a:bodyPr rtlCol="0" anchor="ctr"/>
+          <a:lstStyle/>
+          <a:p>
+            <a:pPr algn="ctr"/>
+            <a:endParaRPr lang="en-US"/>
+          </a:p>
+        </p:txBody>
+      </p:sp>
+      <p:sp>
+        <p:nvSpPr>
+          <p:cNvPr id="21" name="TextBox 20">
             <a:extLst>
               <a:ext uri="{FF2B5EF4-FFF2-40B4-BE49-F238E27FC236}">
-                <a16:creationId xmlns:a16="http://schemas.microsoft.com/office/drawing/2014/main" id="{8FA4E600-36BF-419F-B739-8B99F6702248}"/>
+                <a16:creationId xmlns:a16="http://schemas.microsoft.com/office/drawing/2014/main" id="{368F7C76-45E0-4073-A937-A3E8FCB65C40}"/>
               </a:ext>
             </a:extLst>
           </p:cNvPr>
@@ -9577,8 +5602,8 @@
         </p:nvSpPr>
         <p:spPr>
           <a:xfrm>
-            <a:off x="563293" y="5227937"/>
-            <a:ext cx="6303672" cy="1446550"/>
+            <a:off x="3163251" y="1853135"/>
+            <a:ext cx="3342582" cy="253916"/>
           </a:xfrm>
           <a:prstGeom prst="rect">
             <a:avLst/>
@@ -9586,104 +5611,40 @@
           <a:noFill/>
         </p:spPr>
         <p:txBody>
-          <a:bodyPr wrap="square" rtlCol="0">
+          <a:bodyPr wrap="none" rtlCol="0">
             <a:spAutoFit/>
           </a:bodyPr>
           <a:lstStyle/>
           <a:p>
             <a:r>
-              <a:rPr lang="en-US" sz="800" smtClean="0">
-                <a:latin typeface="Consolas" panose="020B0609020204030204" pitchFamily="49" charset="0"/>
-              </a:rPr>
-              <a:t>preds_list &lt;- list(dt_pred, bag_preds, rf_preds, gbm_preds)</a:t>
-            </a:r>
-          </a:p>
-          <a:p>
-            <a:endParaRPr lang="en-US" sz="800">
-              <a:latin typeface="Consolas" panose="020B0609020204030204" pitchFamily="49" charset="0"/>
-            </a:endParaRPr>
-          </a:p>
-          <a:p>
-            <a:r>
-              <a:rPr lang="en-US" sz="800" smtClean="0">
-                <a:latin typeface="Consolas" panose="020B0609020204030204" pitchFamily="49" charset="0"/>
-              </a:rPr>
-              <a:t>m &lt;- length(preds_list)</a:t>
-            </a:r>
-          </a:p>
-          <a:p>
-            <a:r>
-              <a:rPr lang="en-US" sz="800" smtClean="0">
-                <a:latin typeface="Consolas" panose="020B0609020204030204" pitchFamily="49" charset="0"/>
-              </a:rPr>
-              <a:t>actuals_list &lt;- rep(list(credit_test$default), m)</a:t>
-            </a:r>
-          </a:p>
-          <a:p>
-            <a:endParaRPr lang="en-US" sz="800">
-              <a:latin typeface="Consolas" panose="020B0609020204030204" pitchFamily="49" charset="0"/>
-            </a:endParaRPr>
-          </a:p>
-          <a:p>
-            <a:r>
-              <a:rPr lang="en-US" sz="800" smtClean="0">
-                <a:latin typeface="Consolas" panose="020B0609020204030204" pitchFamily="49" charset="0"/>
-              </a:rPr>
-              <a:t>preds &lt;- prediction(preds_list, actuals_list)</a:t>
-            </a:r>
-          </a:p>
-          <a:p>
-            <a:r>
-              <a:rPr lang="en-US" sz="800" smtClean="0">
-                <a:latin typeface="Consolas" panose="020B0609020204030204" pitchFamily="49" charset="0"/>
-              </a:rPr>
-              <a:t>rocs &lt;- performance(pred, “tpr”, “fpr”)</a:t>
-            </a:r>
-          </a:p>
-          <a:p>
-            <a:endParaRPr lang="en-US" sz="800">
-              <a:latin typeface="Consolas" panose="020B0609020204030204" pitchFamily="49" charset="0"/>
-            </a:endParaRPr>
-          </a:p>
-          <a:p>
-            <a:r>
-              <a:rPr lang="en-US" sz="800" smtClean="0">
-                <a:latin typeface="Consolas" panose="020B0609020204030204" pitchFamily="49" charset="0"/>
-              </a:rPr>
-              <a:t>plot(rocs, col = as.list(1:m), main = “Test Set ROC Curves”)</a:t>
-            </a:r>
-          </a:p>
-          <a:p>
-            <a:endParaRPr lang="en-US" sz="800" smtClean="0">
-              <a:latin typeface="Consolas" panose="020B0609020204030204" pitchFamily="49" charset="0"/>
-            </a:endParaRPr>
-          </a:p>
-          <a:p>
-            <a:r>
-              <a:rPr lang="en-US" sz="800" smtClean="0">
-                <a:latin typeface="Consolas" panose="020B0609020204030204" pitchFamily="49" charset="0"/>
-              </a:rPr>
-              <a:t>legend(x = “bottomright”, legend = c(“Decision Tree”, “Bagged Trees”, “Random Forest”, “GBM”), fill = 1:m)	</a:t>
-            </a:r>
-            <a:endParaRPr lang="en-US" sz="800">
-              <a:latin typeface="Consolas" panose="020B0609020204030204" pitchFamily="49" charset="0"/>
-            </a:endParaRPr>
-          </a:p>
-        </p:txBody>
-      </p:sp>
-      <p:cxnSp>
-        <p:nvCxnSpPr>
-          <p:cNvPr id="6" name="Straight Connector 5"/>
-          <p:cNvCxnSpPr/>
+              <a:rPr lang="en-US" sz="1050" dirty="0"/>
+              <a:t>cuts the dendrogram at a height at which 3 clusters form</a:t>
+            </a:r>
+          </a:p>
+        </p:txBody>
+      </p:sp>
+      <p:sp>
+        <p:nvSpPr>
+          <p:cNvPr id="5" name="Right Brace 4">
+            <a:extLst>
+              <a:ext uri="{FF2B5EF4-FFF2-40B4-BE49-F238E27FC236}">
+                <a16:creationId xmlns:a16="http://schemas.microsoft.com/office/drawing/2014/main" id="{1FEE6FD9-7256-499A-8CF8-6B2FB1F49E11}"/>
+              </a:ext>
+            </a:extLst>
+          </p:cNvPr>
+          <p:cNvSpPr/>
           <p:nvPr/>
-        </p:nvCxnSpPr>
+        </p:nvSpPr>
         <p:spPr>
           <a:xfrm>
-            <a:off x="573741" y="5155942"/>
-            <a:ext cx="4201459" cy="0"/>
+            <a:off x="4630643" y="2246358"/>
+            <a:ext cx="133566" cy="486271"/>
           </a:xfrm>
-          <a:prstGeom prst="line">
-            <a:avLst/>
+          <a:prstGeom prst="rightBrace">
+            <a:avLst>
+              <a:gd name="adj1" fmla="val 20169"/>
+              <a:gd name="adj2" fmla="val 50000"/>
+            </a:avLst>
           </a:prstGeom>
         </p:spPr>
         <p:style>
@@ -9700,11 +5661,674 @@
             <a:schemeClr val="tx1"/>
           </a:fontRef>
         </p:style>
-      </p:cxnSp>
+        <p:txBody>
+          <a:bodyPr rtlCol="0" anchor="ctr"/>
+          <a:lstStyle/>
+          <a:p>
+            <a:pPr algn="ctr"/>
+            <a:endParaRPr lang="en-US"/>
+          </a:p>
+        </p:txBody>
+      </p:sp>
+      <p:sp>
+        <p:nvSpPr>
+          <p:cNvPr id="22" name="TextBox 21">
+            <a:extLst>
+              <a:ext uri="{FF2B5EF4-FFF2-40B4-BE49-F238E27FC236}">
+                <a16:creationId xmlns:a16="http://schemas.microsoft.com/office/drawing/2014/main" id="{F2A2DDA8-36B1-467D-BE34-3C0F2443522C}"/>
+              </a:ext>
+            </a:extLst>
+          </p:cNvPr>
+          <p:cNvSpPr txBox="1"/>
+          <p:nvPr/>
+        </p:nvSpPr>
+        <p:spPr>
+          <a:xfrm>
+            <a:off x="4727210" y="2374750"/>
+            <a:ext cx="1487908" cy="253916"/>
+          </a:xfrm>
+          <a:prstGeom prst="rect">
+            <a:avLst/>
+          </a:prstGeom>
+          <a:noFill/>
+        </p:spPr>
+        <p:txBody>
+          <a:bodyPr wrap="none" rtlCol="0">
+            <a:spAutoFit/>
+          </a:bodyPr>
+          <a:lstStyle/>
+          <a:p>
+            <a:r>
+              <a:rPr lang="en-US" sz="1050" dirty="0"/>
+              <a:t>cluster linkage methods</a:t>
+            </a:r>
+          </a:p>
+        </p:txBody>
+      </p:sp>
+      <p:sp>
+        <p:nvSpPr>
+          <p:cNvPr id="23" name="TextBox 22">
+            <a:extLst>
+              <a:ext uri="{FF2B5EF4-FFF2-40B4-BE49-F238E27FC236}">
+                <a16:creationId xmlns:a16="http://schemas.microsoft.com/office/drawing/2014/main" id="{6F4B0C6A-02F4-46CA-B2B4-D8B488F31F3B}"/>
+              </a:ext>
+            </a:extLst>
+          </p:cNvPr>
+          <p:cNvSpPr txBox="1"/>
+          <p:nvPr/>
+        </p:nvSpPr>
+        <p:spPr>
+          <a:xfrm>
+            <a:off x="6395514" y="2169843"/>
+            <a:ext cx="2357355" cy="1200329"/>
+          </a:xfrm>
+          <a:prstGeom prst="rect">
+            <a:avLst/>
+          </a:prstGeom>
+          <a:noFill/>
+        </p:spPr>
+        <p:txBody>
+          <a:bodyPr wrap="square" rtlCol="0">
+            <a:spAutoFit/>
+          </a:bodyPr>
+          <a:lstStyle/>
+          <a:p>
+            <a:r>
+              <a:rPr lang="en-US" sz="800" dirty="0"/>
+              <a:t>The choice of linkage method can result in balanced (even number of observations assigned to each cluster) or unbalanced trees. The nature of the tree that is desired depends on the context of the problem you’re trying to solve. Unbalanced trees are desirable when outlier detection is important because pruning an unbalanced tree can result in most observations assigned to one cluster and only a few observations assigned to other clusters.</a:t>
+            </a:r>
+          </a:p>
+        </p:txBody>
+      </p:sp>
+      <p:sp>
+        <p:nvSpPr>
+          <p:cNvPr id="12" name="TextBox 11">
+            <a:extLst>
+              <a:ext uri="{FF2B5EF4-FFF2-40B4-BE49-F238E27FC236}">
+                <a16:creationId xmlns:a16="http://schemas.microsoft.com/office/drawing/2014/main" id="{10162C1B-B009-44D9-BB2B-8948AE263C8E}"/>
+              </a:ext>
+            </a:extLst>
+          </p:cNvPr>
+          <p:cNvSpPr txBox="1"/>
+          <p:nvPr/>
+        </p:nvSpPr>
+        <p:spPr>
+          <a:xfrm>
+            <a:off x="7535117" y="6535791"/>
+            <a:ext cx="1531189" cy="215444"/>
+          </a:xfrm>
+          <a:prstGeom prst="rect">
+            <a:avLst/>
+          </a:prstGeom>
+          <a:noFill/>
+        </p:spPr>
+        <p:txBody>
+          <a:bodyPr wrap="none" rtlCol="0">
+            <a:spAutoFit/>
+          </a:bodyPr>
+          <a:lstStyle/>
+          <a:p>
+            <a:pPr algn="r"/>
+            <a:r>
+              <a:rPr lang="en-US" sz="800" dirty="0">
+                <a:solidFill>
+                  <a:schemeClr val="accent1">
+                    <a:lumMod val="60000"/>
+                    <a:lumOff val="40000"/>
+                  </a:schemeClr>
+                </a:solidFill>
+                <a:latin typeface="Consolas" panose="020B0609020204030204" pitchFamily="49" charset="0"/>
+              </a:rPr>
+              <a:t>Hierarchical Clustering </a:t>
+            </a:r>
+          </a:p>
+        </p:txBody>
+      </p:sp>
     </p:spTree>
     <p:extLst>
       <p:ext uri="{BB962C8B-B14F-4D97-AF65-F5344CB8AC3E}">
-        <p14:creationId xmlns:p14="http://schemas.microsoft.com/office/powerpoint/2010/main" val="809850394"/>
+        <p14:creationId xmlns:p14="http://schemas.microsoft.com/office/powerpoint/2010/main" val="3019078116"/>
+      </p:ext>
+    </p:extLst>
+  </p:cSld>
+  <p:clrMapOvr>
+    <a:masterClrMapping/>
+  </p:clrMapOvr>
+</p:sld>
+</file>
+
+<file path=ppt/slides/slide6.xml><?xml version="1.0" encoding="utf-8"?>
+<p:sld xmlns:a="http://schemas.openxmlformats.org/drawingml/2006/main" xmlns:r="http://schemas.openxmlformats.org/officeDocument/2006/relationships" xmlns:p="http://schemas.openxmlformats.org/presentationml/2006/main">
+  <p:cSld>
+    <p:spTree>
+      <p:nvGrpSpPr>
+        <p:cNvPr id="1" name=""/>
+        <p:cNvGrpSpPr/>
+        <p:nvPr/>
+      </p:nvGrpSpPr>
+      <p:grpSpPr>
+        <a:xfrm>
+          <a:off x="0" y="0"/>
+          <a:ext cx="0" cy="0"/>
+          <a:chOff x="0" y="0"/>
+          <a:chExt cx="0" cy="0"/>
+        </a:xfrm>
+      </p:grpSpPr>
+      <p:sp>
+        <p:nvSpPr>
+          <p:cNvPr id="11" name="TextBox 10">
+            <a:extLst>
+              <a:ext uri="{FF2B5EF4-FFF2-40B4-BE49-F238E27FC236}">
+                <a16:creationId xmlns:a16="http://schemas.microsoft.com/office/drawing/2014/main" id="{8FA4E600-36BF-419F-B739-8B99F6702248}"/>
+              </a:ext>
+            </a:extLst>
+          </p:cNvPr>
+          <p:cNvSpPr txBox="1"/>
+          <p:nvPr/>
+        </p:nvSpPr>
+        <p:spPr>
+          <a:xfrm>
+            <a:off x="412714" y="1338018"/>
+            <a:ext cx="5272597" cy="2839239"/>
+          </a:xfrm>
+          <a:prstGeom prst="rect">
+            <a:avLst/>
+          </a:prstGeom>
+          <a:noFill/>
+        </p:spPr>
+        <p:txBody>
+          <a:bodyPr wrap="none" rtlCol="0">
+            <a:spAutoFit/>
+          </a:bodyPr>
+          <a:lstStyle/>
+          <a:p>
+            <a:r>
+              <a:rPr lang="en-US" sz="1050" dirty="0" err="1">
+                <a:latin typeface="Consolas" panose="020B0609020204030204" pitchFamily="49" charset="0"/>
+              </a:rPr>
+              <a:t>pr.out</a:t>
+            </a:r>
+            <a:r>
+              <a:rPr lang="en-US" sz="1050" dirty="0">
+                <a:latin typeface="Consolas" panose="020B0609020204030204" pitchFamily="49" charset="0"/>
+              </a:rPr>
+              <a:t> &lt;- </a:t>
+            </a:r>
+            <a:r>
+              <a:rPr lang="en-US" sz="1050" dirty="0" err="1">
+                <a:latin typeface="Consolas" panose="020B0609020204030204" pitchFamily="49" charset="0"/>
+              </a:rPr>
+              <a:t>prcomp</a:t>
+            </a:r>
+            <a:r>
+              <a:rPr lang="en-US" sz="1050" dirty="0">
+                <a:latin typeface="Consolas" panose="020B0609020204030204" pitchFamily="49" charset="0"/>
+              </a:rPr>
+              <a:t>(</a:t>
+            </a:r>
+            <a:r>
+              <a:rPr lang="en-US" sz="1050" dirty="0" err="1">
+                <a:latin typeface="Consolas" panose="020B0609020204030204" pitchFamily="49" charset="0"/>
+              </a:rPr>
+              <a:t>pokemon</a:t>
+            </a:r>
+            <a:r>
+              <a:rPr lang="en-US" sz="1050" dirty="0">
+                <a:latin typeface="Consolas" panose="020B0609020204030204" pitchFamily="49" charset="0"/>
+              </a:rPr>
+              <a:t>, scale = TRUE)</a:t>
+            </a:r>
+          </a:p>
+          <a:p>
+            <a:endParaRPr lang="en-US" sz="1050" dirty="0">
+              <a:latin typeface="Consolas" panose="020B0609020204030204" pitchFamily="49" charset="0"/>
+            </a:endParaRPr>
+          </a:p>
+          <a:p>
+            <a:r>
+              <a:rPr lang="en-US" sz="1050" dirty="0">
+                <a:latin typeface="Consolas" panose="020B0609020204030204" pitchFamily="49" charset="0"/>
+              </a:rPr>
+              <a:t>summary(</a:t>
+            </a:r>
+            <a:r>
+              <a:rPr lang="en-US" sz="1050" dirty="0" err="1">
+                <a:latin typeface="Consolas" panose="020B0609020204030204" pitchFamily="49" charset="0"/>
+              </a:rPr>
+              <a:t>pr.out</a:t>
+            </a:r>
+            <a:r>
+              <a:rPr lang="en-US" sz="1050" dirty="0">
+                <a:latin typeface="Consolas" panose="020B0609020204030204" pitchFamily="49" charset="0"/>
+              </a:rPr>
+              <a:t>)</a:t>
+            </a:r>
+          </a:p>
+          <a:p>
+            <a:endParaRPr lang="en-US" sz="1050" dirty="0">
+              <a:latin typeface="Consolas" panose="020B0609020204030204" pitchFamily="49" charset="0"/>
+            </a:endParaRPr>
+          </a:p>
+          <a:p>
+            <a:r>
+              <a:rPr lang="en-US" sz="1050" dirty="0" err="1">
+                <a:latin typeface="Consolas" panose="020B0609020204030204" pitchFamily="49" charset="0"/>
+              </a:rPr>
+              <a:t>PCA</a:t>
+            </a:r>
+            <a:r>
+              <a:rPr lang="en-US" sz="1050" dirty="0">
+                <a:latin typeface="Consolas" panose="020B0609020204030204" pitchFamily="49" charset="0"/>
+              </a:rPr>
+              <a:t> models in R produce additional diagnostics and output components:</a:t>
+            </a:r>
+          </a:p>
+          <a:p>
+            <a:endParaRPr lang="en-US" sz="1050" dirty="0">
+              <a:latin typeface="Consolas" panose="020B0609020204030204" pitchFamily="49" charset="0"/>
+            </a:endParaRPr>
+          </a:p>
+          <a:p>
+            <a:r>
+              <a:rPr lang="en-US" sz="1050" dirty="0">
+                <a:latin typeface="Consolas" panose="020B0609020204030204" pitchFamily="49" charset="0"/>
+              </a:rPr>
+              <a:t>	center, scale, rotation, and x</a:t>
+            </a:r>
+          </a:p>
+          <a:p>
+            <a:endParaRPr lang="en-US" sz="1050" dirty="0">
+              <a:latin typeface="Consolas" panose="020B0609020204030204" pitchFamily="49" charset="0"/>
+            </a:endParaRPr>
+          </a:p>
+          <a:p>
+            <a:r>
+              <a:rPr lang="en-US" sz="1050" dirty="0">
+                <a:latin typeface="Consolas" panose="020B0609020204030204" pitchFamily="49" charset="0"/>
+              </a:rPr>
+              <a:t>Each of these components can be accessed using $ &lt;- </a:t>
+            </a:r>
+            <a:r>
+              <a:rPr lang="en-US" sz="1050" dirty="0" err="1">
+                <a:latin typeface="Consolas" panose="020B0609020204030204" pitchFamily="49" charset="0"/>
+              </a:rPr>
+              <a:t>pr.out$rotation</a:t>
+            </a:r>
+            <a:endParaRPr lang="en-US" sz="1050" dirty="0">
+              <a:latin typeface="Consolas" panose="020B0609020204030204" pitchFamily="49" charset="0"/>
+            </a:endParaRPr>
+          </a:p>
+          <a:p>
+            <a:endParaRPr lang="en-US" sz="1050" dirty="0">
+              <a:latin typeface="Consolas" panose="020B0609020204030204" pitchFamily="49" charset="0"/>
+            </a:endParaRPr>
+          </a:p>
+          <a:p>
+            <a:r>
+              <a:rPr lang="en-US" sz="1050" dirty="0">
+                <a:latin typeface="Consolas" panose="020B0609020204030204" pitchFamily="49" charset="0"/>
+              </a:rPr>
+              <a:t>biplot(</a:t>
+            </a:r>
+            <a:r>
+              <a:rPr lang="en-US" sz="1050" dirty="0" err="1">
+                <a:latin typeface="Consolas" panose="020B0609020204030204" pitchFamily="49" charset="0"/>
+              </a:rPr>
+              <a:t>pr.out</a:t>
+            </a:r>
+            <a:r>
+              <a:rPr lang="en-US" sz="1050" dirty="0">
+                <a:latin typeface="Consolas" panose="020B0609020204030204" pitchFamily="49" charset="0"/>
+              </a:rPr>
+              <a:t>)</a:t>
+            </a:r>
+          </a:p>
+          <a:p>
+            <a:endParaRPr lang="en-US" sz="1050" dirty="0">
+              <a:latin typeface="Consolas" panose="020B0609020204030204" pitchFamily="49" charset="0"/>
+            </a:endParaRPr>
+          </a:p>
+          <a:p>
+            <a:r>
+              <a:rPr lang="en-US" sz="1050" dirty="0" err="1">
+                <a:latin typeface="Consolas" panose="020B0609020204030204" pitchFamily="49" charset="0"/>
+              </a:rPr>
+              <a:t>pr.var</a:t>
+            </a:r>
+            <a:r>
+              <a:rPr lang="en-US" sz="1050" dirty="0">
+                <a:latin typeface="Consolas" panose="020B0609020204030204" pitchFamily="49" charset="0"/>
+              </a:rPr>
+              <a:t> &lt;- </a:t>
+            </a:r>
+            <a:r>
+              <a:rPr lang="en-US" sz="1050" dirty="0" err="1">
+                <a:latin typeface="Consolas" panose="020B0609020204030204" pitchFamily="49" charset="0"/>
+              </a:rPr>
+              <a:t>pr.out$sdev</a:t>
+            </a:r>
+            <a:r>
+              <a:rPr lang="en-US" sz="1050" dirty="0">
+                <a:latin typeface="Consolas" panose="020B0609020204030204" pitchFamily="49" charset="0"/>
+              </a:rPr>
+              <a:t> ^ 2</a:t>
+            </a:r>
+          </a:p>
+          <a:p>
+            <a:endParaRPr lang="en-US" sz="1050" dirty="0">
+              <a:latin typeface="Consolas" panose="020B0609020204030204" pitchFamily="49" charset="0"/>
+            </a:endParaRPr>
+          </a:p>
+          <a:p>
+            <a:r>
+              <a:rPr lang="en-US" sz="1050" dirty="0" err="1">
+                <a:latin typeface="Consolas" panose="020B0609020204030204" pitchFamily="49" charset="0"/>
+              </a:rPr>
+              <a:t>pve</a:t>
+            </a:r>
+            <a:r>
+              <a:rPr lang="en-US" sz="1050" dirty="0">
+                <a:latin typeface="Consolas" panose="020B0609020204030204" pitchFamily="49" charset="0"/>
+              </a:rPr>
+              <a:t> &lt;- </a:t>
+            </a:r>
+            <a:r>
+              <a:rPr lang="en-US" sz="1050" dirty="0" err="1">
+                <a:latin typeface="Consolas" panose="020B0609020204030204" pitchFamily="49" charset="0"/>
+              </a:rPr>
+              <a:t>pr.var</a:t>
+            </a:r>
+            <a:r>
+              <a:rPr lang="en-US" sz="1050" dirty="0">
+                <a:latin typeface="Consolas" panose="020B0609020204030204" pitchFamily="49" charset="0"/>
+              </a:rPr>
+              <a:t> / sum(</a:t>
+            </a:r>
+            <a:r>
+              <a:rPr lang="en-US" sz="1050" dirty="0" err="1">
+                <a:latin typeface="Consolas" panose="020B0609020204030204" pitchFamily="49" charset="0"/>
+              </a:rPr>
+              <a:t>pr.var</a:t>
+            </a:r>
+            <a:r>
+              <a:rPr lang="en-US" sz="1050" dirty="0">
+                <a:latin typeface="Consolas" panose="020B0609020204030204" pitchFamily="49" charset="0"/>
+              </a:rPr>
+              <a:t>)</a:t>
+            </a:r>
+          </a:p>
+          <a:p>
+            <a:endParaRPr lang="en-US" sz="1050" dirty="0">
+              <a:latin typeface="Consolas" panose="020B0609020204030204" pitchFamily="49" charset="0"/>
+            </a:endParaRPr>
+          </a:p>
+          <a:p>
+            <a:r>
+              <a:rPr lang="en-US" sz="1050" dirty="0">
+                <a:latin typeface="Consolas" panose="020B0609020204030204" pitchFamily="49" charset="0"/>
+              </a:rPr>
+              <a:t>		</a:t>
+            </a:r>
+          </a:p>
+        </p:txBody>
+      </p:sp>
+      <p:sp>
+        <p:nvSpPr>
+          <p:cNvPr id="12" name="TextBox 11">
+            <a:extLst>
+              <a:ext uri="{FF2B5EF4-FFF2-40B4-BE49-F238E27FC236}">
+                <a16:creationId xmlns:a16="http://schemas.microsoft.com/office/drawing/2014/main" id="{F17DF0FE-B7C7-4118-8F2A-17789CB47CCD}"/>
+              </a:ext>
+            </a:extLst>
+          </p:cNvPr>
+          <p:cNvSpPr txBox="1"/>
+          <p:nvPr/>
+        </p:nvSpPr>
+        <p:spPr>
+          <a:xfrm>
+            <a:off x="7030171" y="6535791"/>
+            <a:ext cx="2036135" cy="215444"/>
+          </a:xfrm>
+          <a:prstGeom prst="rect">
+            <a:avLst/>
+          </a:prstGeom>
+          <a:noFill/>
+        </p:spPr>
+        <p:txBody>
+          <a:bodyPr wrap="none" rtlCol="0">
+            <a:spAutoFit/>
+          </a:bodyPr>
+          <a:lstStyle/>
+          <a:p>
+            <a:pPr algn="r"/>
+            <a:r>
+              <a:rPr lang="en-US" sz="800" dirty="0">
+                <a:solidFill>
+                  <a:schemeClr val="accent1">
+                    <a:lumMod val="60000"/>
+                    <a:lumOff val="40000"/>
+                  </a:schemeClr>
+                </a:solidFill>
+                <a:latin typeface="Consolas" panose="020B0609020204030204" pitchFamily="49" charset="0"/>
+              </a:rPr>
+              <a:t>Dimensionality Reduction with </a:t>
+            </a:r>
+            <a:r>
+              <a:rPr lang="en-US" sz="800" dirty="0" err="1">
+                <a:solidFill>
+                  <a:schemeClr val="accent1">
+                    <a:lumMod val="60000"/>
+                    <a:lumOff val="40000"/>
+                  </a:schemeClr>
+                </a:solidFill>
+                <a:latin typeface="Consolas" panose="020B0609020204030204" pitchFamily="49" charset="0"/>
+              </a:rPr>
+              <a:t>PCA</a:t>
+            </a:r>
+            <a:endParaRPr lang="en-US" sz="800" dirty="0">
+              <a:solidFill>
+                <a:schemeClr val="accent1">
+                  <a:lumMod val="60000"/>
+                  <a:lumOff val="40000"/>
+                </a:schemeClr>
+              </a:solidFill>
+              <a:latin typeface="Consolas" panose="020B0609020204030204" pitchFamily="49" charset="0"/>
+            </a:endParaRPr>
+          </a:p>
+        </p:txBody>
+      </p:sp>
+      <p:sp>
+        <p:nvSpPr>
+          <p:cNvPr id="2" name="TextBox 1">
+            <a:extLst>
+              <a:ext uri="{FF2B5EF4-FFF2-40B4-BE49-F238E27FC236}">
+                <a16:creationId xmlns:a16="http://schemas.microsoft.com/office/drawing/2014/main" id="{224C612D-6C14-4FF8-BCA4-256081112085}"/>
+              </a:ext>
+            </a:extLst>
+          </p:cNvPr>
+          <p:cNvSpPr txBox="1"/>
+          <p:nvPr/>
+        </p:nvSpPr>
+        <p:spPr>
+          <a:xfrm>
+            <a:off x="412714" y="343722"/>
+            <a:ext cx="8599147" cy="769441"/>
+          </a:xfrm>
+          <a:prstGeom prst="rect">
+            <a:avLst/>
+          </a:prstGeom>
+          <a:noFill/>
+        </p:spPr>
+        <p:txBody>
+          <a:bodyPr wrap="square" rtlCol="0">
+            <a:spAutoFit/>
+          </a:bodyPr>
+          <a:lstStyle/>
+          <a:p>
+            <a:r>
+              <a:rPr lang="en-US" sz="1100" dirty="0"/>
+              <a:t>Dimensionality Reduction has two main goals – (1) find structure in features and (2) aid in visualization.</a:t>
+            </a:r>
+          </a:p>
+          <a:p>
+            <a:endParaRPr lang="en-US" sz="1100" dirty="0"/>
+          </a:p>
+          <a:p>
+            <a:r>
+              <a:rPr lang="en-US" sz="1100" dirty="0"/>
+              <a:t>Principal Component Analysis (</a:t>
+            </a:r>
+            <a:r>
+              <a:rPr lang="en-US" sz="1100" dirty="0" err="1"/>
+              <a:t>PCA</a:t>
+            </a:r>
+            <a:r>
+              <a:rPr lang="en-US" sz="1100" dirty="0"/>
+              <a:t>) is a popular method for dimensionality reduction with three main goals – (1) find linear combination of variables to create principal components, (2) maintain the most variance in the data, and (3) derive uncorrelated (orthogonal) principal components.</a:t>
+            </a:r>
+          </a:p>
+        </p:txBody>
+      </p:sp>
+      <p:pic>
+        <p:nvPicPr>
+          <p:cNvPr id="3" name="Picture 2">
+            <a:extLst>
+              <a:ext uri="{FF2B5EF4-FFF2-40B4-BE49-F238E27FC236}">
+                <a16:creationId xmlns:a16="http://schemas.microsoft.com/office/drawing/2014/main" id="{9170EFA0-B5C7-40EF-B2C4-73503D3B19DC}"/>
+              </a:ext>
+            </a:extLst>
+          </p:cNvPr>
+          <p:cNvPicPr>
+            <a:picLocks noChangeAspect="1"/>
+          </p:cNvPicPr>
+          <p:nvPr/>
+        </p:nvPicPr>
+        <p:blipFill>
+          <a:blip r:embed="rId2"/>
+          <a:stretch>
+            <a:fillRect/>
+          </a:stretch>
+        </p:blipFill>
+        <p:spPr>
+          <a:xfrm>
+            <a:off x="5956813" y="1645029"/>
+            <a:ext cx="2888511" cy="2925753"/>
+          </a:xfrm>
+          <a:prstGeom prst="rect">
+            <a:avLst/>
+          </a:prstGeom>
+        </p:spPr>
+      </p:pic>
+      <p:sp>
+        <p:nvSpPr>
+          <p:cNvPr id="13" name="Right Arrow 13">
+            <a:extLst>
+              <a:ext uri="{FF2B5EF4-FFF2-40B4-BE49-F238E27FC236}">
+                <a16:creationId xmlns:a16="http://schemas.microsoft.com/office/drawing/2014/main" id="{D4047899-EE6E-4AC0-BBE6-7FE008A92B6F}"/>
+              </a:ext>
+            </a:extLst>
+          </p:cNvPr>
+          <p:cNvSpPr/>
+          <p:nvPr/>
+        </p:nvSpPr>
+        <p:spPr>
+          <a:xfrm>
+            <a:off x="1582116" y="3054480"/>
+            <a:ext cx="4321841" cy="53426"/>
+          </a:xfrm>
+          <a:prstGeom prst="rightArrow">
+            <a:avLst/>
+          </a:prstGeom>
+        </p:spPr>
+        <p:style>
+          <a:lnRef idx="2">
+            <a:schemeClr val="accent1">
+              <a:shade val="50000"/>
+            </a:schemeClr>
+          </a:lnRef>
+          <a:fillRef idx="1">
+            <a:schemeClr val="accent1"/>
+          </a:fillRef>
+          <a:effectRef idx="0">
+            <a:schemeClr val="accent1"/>
+          </a:effectRef>
+          <a:fontRef idx="minor">
+            <a:schemeClr val="lt1"/>
+          </a:fontRef>
+        </p:style>
+        <p:txBody>
+          <a:bodyPr rtlCol="0" anchor="ctr"/>
+          <a:lstStyle/>
+          <a:p>
+            <a:pPr algn="ctr"/>
+            <a:endParaRPr lang="en-US"/>
+          </a:p>
+        </p:txBody>
+      </p:sp>
+      <p:pic>
+        <p:nvPicPr>
+          <p:cNvPr id="6" name="Picture 5">
+            <a:extLst>
+              <a:ext uri="{FF2B5EF4-FFF2-40B4-BE49-F238E27FC236}">
+                <a16:creationId xmlns:a16="http://schemas.microsoft.com/office/drawing/2014/main" id="{BFCC3A1C-3A34-4607-98F7-DBBC936B1259}"/>
+              </a:ext>
+            </a:extLst>
+          </p:cNvPr>
+          <p:cNvPicPr>
+            <a:picLocks noChangeAspect="1"/>
+          </p:cNvPicPr>
+          <p:nvPr/>
+        </p:nvPicPr>
+        <p:blipFill>
+          <a:blip r:embed="rId3"/>
+          <a:stretch>
+            <a:fillRect/>
+          </a:stretch>
+        </p:blipFill>
+        <p:spPr>
+          <a:xfrm>
+            <a:off x="675451" y="3908583"/>
+            <a:ext cx="3023489" cy="1087214"/>
+          </a:xfrm>
+          <a:prstGeom prst="rect">
+            <a:avLst/>
+          </a:prstGeom>
+        </p:spPr>
+      </p:pic>
+      <p:pic>
+        <p:nvPicPr>
+          <p:cNvPr id="7" name="Picture 6">
+            <a:extLst>
+              <a:ext uri="{FF2B5EF4-FFF2-40B4-BE49-F238E27FC236}">
+                <a16:creationId xmlns:a16="http://schemas.microsoft.com/office/drawing/2014/main" id="{2DD934EA-1E7A-4AD8-882F-9F80696E2AC9}"/>
+              </a:ext>
+            </a:extLst>
+          </p:cNvPr>
+          <p:cNvPicPr>
+            <a:picLocks noChangeAspect="1"/>
+          </p:cNvPicPr>
+          <p:nvPr/>
+        </p:nvPicPr>
+        <p:blipFill>
+          <a:blip r:embed="rId4"/>
+          <a:stretch>
+            <a:fillRect/>
+          </a:stretch>
+        </p:blipFill>
+        <p:spPr>
+          <a:xfrm>
+            <a:off x="3961677" y="4824368"/>
+            <a:ext cx="2813729" cy="1832697"/>
+          </a:xfrm>
+          <a:prstGeom prst="rect">
+            <a:avLst/>
+          </a:prstGeom>
+        </p:spPr>
+      </p:pic>
+    </p:spTree>
+    <p:extLst>
+      <p:ext uri="{BB962C8B-B14F-4D97-AF65-F5344CB8AC3E}">
+        <p14:creationId xmlns:p14="http://schemas.microsoft.com/office/powerpoint/2010/main" val="1538321539"/>
       </p:ext>
     </p:extLst>
   </p:cSld>

--- a/Track - Machine Learning/Unsupervised-Learning-in-R/Unsupervised Learning in R.pptx
+++ b/Track - Machine Learning/Unsupervised-Learning-in-R/Unsupervised Learning in R.pptx
@@ -11,6 +11,8 @@
     <p:sldId id="258" r:id="rId5"/>
     <p:sldId id="271" r:id="rId6"/>
     <p:sldId id="272" r:id="rId7"/>
+    <p:sldId id="273" r:id="rId8"/>
+    <p:sldId id="274" r:id="rId9"/>
   </p:sldIdLst>
   <p:sldSz cx="9144000" cy="6858000" type="screen4x3"/>
   <p:notesSz cx="7010400" cy="9296400"/>
@@ -260,7 +262,7 @@
             <a:fld id="{B61BEF0D-F0BB-DE4B-95CE-6DB70DBA9567}" type="datetimeFigureOut">
               <a:rPr lang="en-US" smtClean="0"/>
               <a:pPr/>
-              <a:t>6/17/2019</a:t>
+              <a:t>6/20/2019</a:t>
             </a:fld>
             <a:endParaRPr lang="en-US" dirty="0"/>
           </a:p>
@@ -432,7 +434,7 @@
             <a:fld id="{B61BEF0D-F0BB-DE4B-95CE-6DB70DBA9567}" type="datetimeFigureOut">
               <a:rPr lang="en-US" smtClean="0"/>
               <a:pPr/>
-              <a:t>6/17/2019</a:t>
+              <a:t>6/20/2019</a:t>
             </a:fld>
             <a:endParaRPr lang="en-US" dirty="0"/>
           </a:p>
@@ -614,7 +616,7 @@
             <a:fld id="{B61BEF0D-F0BB-DE4B-95CE-6DB70DBA9567}" type="datetimeFigureOut">
               <a:rPr lang="en-US" smtClean="0"/>
               <a:pPr/>
-              <a:t>6/17/2019</a:t>
+              <a:t>6/20/2019</a:t>
             </a:fld>
             <a:endParaRPr lang="en-US" dirty="0"/>
           </a:p>
@@ -786,7 +788,7 @@
             <a:fld id="{B61BEF0D-F0BB-DE4B-95CE-6DB70DBA9567}" type="datetimeFigureOut">
               <a:rPr lang="en-US" smtClean="0"/>
               <a:pPr/>
-              <a:t>6/17/2019</a:t>
+              <a:t>6/20/2019</a:t>
             </a:fld>
             <a:endParaRPr lang="en-US" dirty="0"/>
           </a:p>
@@ -1032,7 +1034,7 @@
             <a:fld id="{B61BEF0D-F0BB-DE4B-95CE-6DB70DBA9567}" type="datetimeFigureOut">
               <a:rPr lang="en-US" smtClean="0"/>
               <a:pPr/>
-              <a:t>6/17/2019</a:t>
+              <a:t>6/20/2019</a:t>
             </a:fld>
             <a:endParaRPr lang="en-US" dirty="0"/>
           </a:p>
@@ -1266,7 +1268,7 @@
             <a:fld id="{B61BEF0D-F0BB-DE4B-95CE-6DB70DBA9567}" type="datetimeFigureOut">
               <a:rPr lang="en-US" smtClean="0"/>
               <a:pPr/>
-              <a:t>6/17/2019</a:t>
+              <a:t>6/20/2019</a:t>
             </a:fld>
             <a:endParaRPr lang="en-US" dirty="0"/>
           </a:p>
@@ -1635,7 +1637,7 @@
             <a:fld id="{B61BEF0D-F0BB-DE4B-95CE-6DB70DBA9567}" type="datetimeFigureOut">
               <a:rPr lang="en-US" smtClean="0"/>
               <a:pPr/>
-              <a:t>6/17/2019</a:t>
+              <a:t>6/20/2019</a:t>
             </a:fld>
             <a:endParaRPr lang="en-US" dirty="0"/>
           </a:p>
@@ -1755,7 +1757,7 @@
             <a:fld id="{B61BEF0D-F0BB-DE4B-95CE-6DB70DBA9567}" type="datetimeFigureOut">
               <a:rPr lang="en-US" smtClean="0"/>
               <a:pPr/>
-              <a:t>6/17/2019</a:t>
+              <a:t>6/20/2019</a:t>
             </a:fld>
             <a:endParaRPr lang="en-US" dirty="0"/>
           </a:p>
@@ -1852,7 +1854,7 @@
             <a:fld id="{B61BEF0D-F0BB-DE4B-95CE-6DB70DBA9567}" type="datetimeFigureOut">
               <a:rPr lang="en-US" smtClean="0"/>
               <a:pPr/>
-              <a:t>6/17/2019</a:t>
+              <a:t>6/20/2019</a:t>
             </a:fld>
             <a:endParaRPr lang="en-US" dirty="0"/>
           </a:p>
@@ -2131,7 +2133,7 @@
             <a:fld id="{B61BEF0D-F0BB-DE4B-95CE-6DB70DBA9567}" type="datetimeFigureOut">
               <a:rPr lang="en-US" smtClean="0"/>
               <a:pPr/>
-              <a:t>6/17/2019</a:t>
+              <a:t>6/20/2019</a:t>
             </a:fld>
             <a:endParaRPr lang="en-US" dirty="0"/>
           </a:p>
@@ -2390,7 +2392,7 @@
             <a:fld id="{B61BEF0D-F0BB-DE4B-95CE-6DB70DBA9567}" type="datetimeFigureOut">
               <a:rPr lang="en-US" smtClean="0"/>
               <a:pPr/>
-              <a:t>6/17/2019</a:t>
+              <a:t>6/20/2019</a:t>
             </a:fld>
             <a:endParaRPr lang="en-US" dirty="0"/>
           </a:p>
@@ -2605,7 +2607,7 @@
             <a:fld id="{B61BEF0D-F0BB-DE4B-95CE-6DB70DBA9567}" type="datetimeFigureOut">
               <a:rPr lang="en-US" smtClean="0"/>
               <a:pPr/>
-              <a:t>6/17/2019</a:t>
+              <a:t>6/20/2019</a:t>
             </a:fld>
             <a:endParaRPr lang="en-US" dirty="0"/>
           </a:p>
@@ -4269,7 +4271,7 @@
         </p:spPr>
         <p:txBody>
           <a:bodyPr>
-            <a:normAutofit lnSpcReduction="10000"/>
+            <a:normAutofit/>
           </a:bodyPr>
           <a:lstStyle/>
           <a:p>
@@ -4593,7 +4595,7 @@
         </p:nvSpPr>
         <p:spPr>
           <a:xfrm>
-            <a:off x="4987366" y="653054"/>
+            <a:off x="4987366" y="492524"/>
             <a:ext cx="3920564" cy="2200602"/>
           </a:xfrm>
           <a:prstGeom prst="rect">
@@ -6329,6 +6331,685 @@
     <p:extLst>
       <p:ext uri="{BB962C8B-B14F-4D97-AF65-F5344CB8AC3E}">
         <p14:creationId xmlns:p14="http://schemas.microsoft.com/office/powerpoint/2010/main" val="1538321539"/>
+      </p:ext>
+    </p:extLst>
+  </p:cSld>
+  <p:clrMapOvr>
+    <a:masterClrMapping/>
+  </p:clrMapOvr>
+</p:sld>
+</file>
+
+<file path=ppt/slides/slide7.xml><?xml version="1.0" encoding="utf-8"?>
+<p:sld xmlns:a="http://schemas.openxmlformats.org/drawingml/2006/main" xmlns:r="http://schemas.openxmlformats.org/officeDocument/2006/relationships" xmlns:p="http://schemas.openxmlformats.org/presentationml/2006/main">
+  <p:cSld>
+    <p:spTree>
+      <p:nvGrpSpPr>
+        <p:cNvPr id="1" name=""/>
+        <p:cNvGrpSpPr/>
+        <p:nvPr/>
+      </p:nvGrpSpPr>
+      <p:grpSpPr>
+        <a:xfrm>
+          <a:off x="0" y="0"/>
+          <a:ext cx="0" cy="0"/>
+          <a:chOff x="0" y="0"/>
+          <a:chExt cx="0" cy="0"/>
+        </a:xfrm>
+      </p:grpSpPr>
+      <p:sp>
+        <p:nvSpPr>
+          <p:cNvPr id="12" name="TextBox 11">
+            <a:extLst>
+              <a:ext uri="{FF2B5EF4-FFF2-40B4-BE49-F238E27FC236}">
+                <a16:creationId xmlns:a16="http://schemas.microsoft.com/office/drawing/2014/main" id="{F17DF0FE-B7C7-4118-8F2A-17789CB47CCD}"/>
+              </a:ext>
+            </a:extLst>
+          </p:cNvPr>
+          <p:cNvSpPr txBox="1"/>
+          <p:nvPr/>
+        </p:nvSpPr>
+        <p:spPr>
+          <a:xfrm>
+            <a:off x="6581330" y="6535791"/>
+            <a:ext cx="2484976" cy="215444"/>
+          </a:xfrm>
+          <a:prstGeom prst="rect">
+            <a:avLst/>
+          </a:prstGeom>
+          <a:noFill/>
+        </p:spPr>
+        <p:txBody>
+          <a:bodyPr wrap="none" rtlCol="0">
+            <a:spAutoFit/>
+          </a:bodyPr>
+          <a:lstStyle/>
+          <a:p>
+            <a:pPr algn="r"/>
+            <a:r>
+              <a:rPr lang="en-US" sz="800" smtClean="0">
+                <a:solidFill>
+                  <a:schemeClr val="accent1">
+                    <a:lumMod val="60000"/>
+                    <a:lumOff val="40000"/>
+                  </a:schemeClr>
+                </a:solidFill>
+                <a:latin typeface="Consolas" panose="020B0609020204030204" pitchFamily="49" charset="0"/>
+              </a:rPr>
+              <a:t>Putting It All Together with a Case Study</a:t>
+            </a:r>
+            <a:endParaRPr lang="en-US" sz="800" dirty="0">
+              <a:solidFill>
+                <a:schemeClr val="accent1">
+                  <a:lumMod val="60000"/>
+                  <a:lumOff val="40000"/>
+                </a:schemeClr>
+              </a:solidFill>
+              <a:latin typeface="Consolas" panose="020B0609020204030204" pitchFamily="49" charset="0"/>
+            </a:endParaRPr>
+          </a:p>
+        </p:txBody>
+      </p:sp>
+      <p:sp>
+        <p:nvSpPr>
+          <p:cNvPr id="2" name="TextBox 1">
+            <a:extLst>
+              <a:ext uri="{FF2B5EF4-FFF2-40B4-BE49-F238E27FC236}">
+                <a16:creationId xmlns:a16="http://schemas.microsoft.com/office/drawing/2014/main" id="{224C612D-6C14-4FF8-BCA4-256081112085}"/>
+              </a:ext>
+            </a:extLst>
+          </p:cNvPr>
+          <p:cNvSpPr txBox="1"/>
+          <p:nvPr/>
+        </p:nvSpPr>
+        <p:spPr>
+          <a:xfrm>
+            <a:off x="412714" y="343722"/>
+            <a:ext cx="8599147" cy="1446550"/>
+          </a:xfrm>
+          <a:prstGeom prst="rect">
+            <a:avLst/>
+          </a:prstGeom>
+          <a:noFill/>
+        </p:spPr>
+        <p:txBody>
+          <a:bodyPr wrap="square" rtlCol="0">
+            <a:spAutoFit/>
+          </a:bodyPr>
+          <a:lstStyle/>
+          <a:p>
+            <a:r>
+              <a:rPr lang="en-US" sz="1100" smtClean="0"/>
+              <a:t>Overall Steps</a:t>
+            </a:r>
+          </a:p>
+          <a:p>
+            <a:endParaRPr lang="en-US" sz="1100"/>
+          </a:p>
+          <a:p>
+            <a:pPr marL="228600" indent="-228600">
+              <a:buFont typeface="+mj-lt"/>
+              <a:buAutoNum type="arabicPeriod"/>
+            </a:pPr>
+            <a:r>
+              <a:rPr lang="en-US" sz="1100" smtClean="0"/>
+              <a:t>Download data and prepare data for modeling</a:t>
+            </a:r>
+          </a:p>
+          <a:p>
+            <a:pPr marL="228600" indent="-228600">
+              <a:buFont typeface="+mj-lt"/>
+              <a:buAutoNum type="arabicPeriod"/>
+            </a:pPr>
+            <a:r>
+              <a:rPr lang="en-US" sz="1100" smtClean="0"/>
+              <a:t>Exploratory data analysis</a:t>
+            </a:r>
+          </a:p>
+          <a:p>
+            <a:pPr marL="228600" indent="-228600">
+              <a:buFont typeface="+mj-lt"/>
+              <a:buAutoNum type="arabicPeriod"/>
+            </a:pPr>
+            <a:r>
+              <a:rPr lang="en-US" sz="1100" smtClean="0"/>
+              <a:t>Perform PCA and interpret results</a:t>
+            </a:r>
+          </a:p>
+          <a:p>
+            <a:pPr marL="228600" indent="-228600">
+              <a:buFont typeface="+mj-lt"/>
+              <a:buAutoNum type="arabicPeriod"/>
+            </a:pPr>
+            <a:r>
+              <a:rPr lang="en-US" sz="1100" smtClean="0"/>
+              <a:t>Complete two types of clustering</a:t>
+            </a:r>
+          </a:p>
+          <a:p>
+            <a:pPr marL="228600" indent="-228600">
+              <a:buFont typeface="+mj-lt"/>
+              <a:buAutoNum type="arabicPeriod"/>
+            </a:pPr>
+            <a:r>
+              <a:rPr lang="en-US" sz="1100" smtClean="0"/>
+              <a:t>Understand and compare the two types</a:t>
+            </a:r>
+          </a:p>
+          <a:p>
+            <a:pPr marL="228600" indent="-228600">
+              <a:buFont typeface="+mj-lt"/>
+              <a:buAutoNum type="arabicPeriod"/>
+            </a:pPr>
+            <a:r>
+              <a:rPr lang="en-US" sz="1100" smtClean="0"/>
+              <a:t>Combine PCA and clustering</a:t>
+            </a:r>
+            <a:endParaRPr lang="en-US" sz="1100" smtClean="0"/>
+          </a:p>
+        </p:txBody>
+      </p:sp>
+      <p:pic>
+        <p:nvPicPr>
+          <p:cNvPr id="4" name="Picture 3"/>
+          <p:cNvPicPr>
+            <a:picLocks noChangeAspect="1"/>
+          </p:cNvPicPr>
+          <p:nvPr/>
+        </p:nvPicPr>
+        <p:blipFill>
+          <a:blip r:embed="rId2"/>
+          <a:stretch>
+            <a:fillRect/>
+          </a:stretch>
+        </p:blipFill>
+        <p:spPr>
+          <a:xfrm>
+            <a:off x="3807011" y="726034"/>
+            <a:ext cx="5118198" cy="1448119"/>
+          </a:xfrm>
+          <a:prstGeom prst="rect">
+            <a:avLst/>
+          </a:prstGeom>
+        </p:spPr>
+      </p:pic>
+      <p:pic>
+        <p:nvPicPr>
+          <p:cNvPr id="5" name="Picture 4"/>
+          <p:cNvPicPr>
+            <a:picLocks noChangeAspect="1"/>
+          </p:cNvPicPr>
+          <p:nvPr/>
+        </p:nvPicPr>
+        <p:blipFill>
+          <a:blip r:embed="rId3"/>
+          <a:stretch>
+            <a:fillRect/>
+          </a:stretch>
+        </p:blipFill>
+        <p:spPr>
+          <a:xfrm>
+            <a:off x="412714" y="2216696"/>
+            <a:ext cx="2596465" cy="1265462"/>
+          </a:xfrm>
+          <a:prstGeom prst="rect">
+            <a:avLst/>
+          </a:prstGeom>
+        </p:spPr>
+      </p:pic>
+      <p:sp>
+        <p:nvSpPr>
+          <p:cNvPr id="8" name="Right Arrow 7"/>
+          <p:cNvSpPr/>
+          <p:nvPr/>
+        </p:nvSpPr>
+        <p:spPr>
+          <a:xfrm rot="9889949">
+            <a:off x="3108518" y="2055331"/>
+            <a:ext cx="579718" cy="322729"/>
+          </a:xfrm>
+          <a:prstGeom prst="rightArrow">
+            <a:avLst/>
+          </a:prstGeom>
+        </p:spPr>
+        <p:style>
+          <a:lnRef idx="2">
+            <a:schemeClr val="accent1">
+              <a:shade val="50000"/>
+            </a:schemeClr>
+          </a:lnRef>
+          <a:fillRef idx="1">
+            <a:schemeClr val="accent1"/>
+          </a:fillRef>
+          <a:effectRef idx="0">
+            <a:schemeClr val="accent1"/>
+          </a:effectRef>
+          <a:fontRef idx="minor">
+            <a:schemeClr val="lt1"/>
+          </a:fontRef>
+        </p:style>
+        <p:txBody>
+          <a:bodyPr rtlCol="0" anchor="ctr"/>
+          <a:lstStyle/>
+          <a:p>
+            <a:pPr algn="ctr"/>
+            <a:endParaRPr lang="en-US"/>
+          </a:p>
+        </p:txBody>
+      </p:sp>
+      <p:pic>
+        <p:nvPicPr>
+          <p:cNvPr id="9" name="Picture 8"/>
+          <p:cNvPicPr>
+            <a:picLocks noChangeAspect="1"/>
+          </p:cNvPicPr>
+          <p:nvPr/>
+        </p:nvPicPr>
+        <p:blipFill>
+          <a:blip r:embed="rId4"/>
+          <a:stretch>
+            <a:fillRect/>
+          </a:stretch>
+        </p:blipFill>
+        <p:spPr>
+          <a:xfrm>
+            <a:off x="750991" y="4036239"/>
+            <a:ext cx="2629263" cy="1199059"/>
+          </a:xfrm>
+          <a:prstGeom prst="rect">
+            <a:avLst/>
+          </a:prstGeom>
+        </p:spPr>
+      </p:pic>
+      <p:sp>
+        <p:nvSpPr>
+          <p:cNvPr id="14" name="Right Arrow 13"/>
+          <p:cNvSpPr/>
+          <p:nvPr/>
+        </p:nvSpPr>
+        <p:spPr>
+          <a:xfrm rot="5400000">
+            <a:off x="1713015" y="3597834"/>
+            <a:ext cx="382487" cy="322729"/>
+          </a:xfrm>
+          <a:prstGeom prst="rightArrow">
+            <a:avLst/>
+          </a:prstGeom>
+        </p:spPr>
+        <p:style>
+          <a:lnRef idx="2">
+            <a:schemeClr val="accent1">
+              <a:shade val="50000"/>
+            </a:schemeClr>
+          </a:lnRef>
+          <a:fillRef idx="1">
+            <a:schemeClr val="accent1"/>
+          </a:fillRef>
+          <a:effectRef idx="0">
+            <a:schemeClr val="accent1"/>
+          </a:effectRef>
+          <a:fontRef idx="minor">
+            <a:schemeClr val="lt1"/>
+          </a:fontRef>
+        </p:style>
+        <p:txBody>
+          <a:bodyPr rtlCol="0" anchor="ctr"/>
+          <a:lstStyle/>
+          <a:p>
+            <a:pPr algn="ctr"/>
+            <a:endParaRPr lang="en-US"/>
+          </a:p>
+        </p:txBody>
+      </p:sp>
+      <p:pic>
+        <p:nvPicPr>
+          <p:cNvPr id="10" name="Picture 9"/>
+          <p:cNvPicPr>
+            <a:picLocks noChangeAspect="1"/>
+          </p:cNvPicPr>
+          <p:nvPr/>
+        </p:nvPicPr>
+        <p:blipFill>
+          <a:blip r:embed="rId5"/>
+          <a:stretch>
+            <a:fillRect/>
+          </a:stretch>
+        </p:blipFill>
+        <p:spPr>
+          <a:xfrm>
+            <a:off x="3902636" y="4635768"/>
+            <a:ext cx="2854932" cy="1996646"/>
+          </a:xfrm>
+          <a:prstGeom prst="rect">
+            <a:avLst/>
+          </a:prstGeom>
+        </p:spPr>
+      </p:pic>
+      <p:sp>
+        <p:nvSpPr>
+          <p:cNvPr id="15" name="Right Arrow 14"/>
+          <p:cNvSpPr/>
+          <p:nvPr/>
+        </p:nvSpPr>
+        <p:spPr>
+          <a:xfrm rot="2149541">
+            <a:off x="3078910" y="5409958"/>
+            <a:ext cx="701119" cy="322729"/>
+          </a:xfrm>
+          <a:prstGeom prst="rightArrow">
+            <a:avLst/>
+          </a:prstGeom>
+        </p:spPr>
+        <p:style>
+          <a:lnRef idx="2">
+            <a:schemeClr val="accent1">
+              <a:shade val="50000"/>
+            </a:schemeClr>
+          </a:lnRef>
+          <a:fillRef idx="1">
+            <a:schemeClr val="accent1"/>
+          </a:fillRef>
+          <a:effectRef idx="0">
+            <a:schemeClr val="accent1"/>
+          </a:effectRef>
+          <a:fontRef idx="minor">
+            <a:schemeClr val="lt1"/>
+          </a:fontRef>
+        </p:style>
+        <p:txBody>
+          <a:bodyPr rtlCol="0" anchor="ctr"/>
+          <a:lstStyle/>
+          <a:p>
+            <a:pPr algn="ctr"/>
+            <a:endParaRPr lang="en-US"/>
+          </a:p>
+        </p:txBody>
+      </p:sp>
+      <p:pic>
+        <p:nvPicPr>
+          <p:cNvPr id="16" name="Picture 15"/>
+          <p:cNvPicPr>
+            <a:picLocks noChangeAspect="1"/>
+          </p:cNvPicPr>
+          <p:nvPr/>
+        </p:nvPicPr>
+        <p:blipFill>
+          <a:blip r:embed="rId6"/>
+          <a:stretch>
+            <a:fillRect/>
+          </a:stretch>
+        </p:blipFill>
+        <p:spPr>
+          <a:xfrm>
+            <a:off x="6037158" y="3459226"/>
+            <a:ext cx="2888051" cy="982431"/>
+          </a:xfrm>
+          <a:prstGeom prst="rect">
+            <a:avLst/>
+          </a:prstGeom>
+        </p:spPr>
+      </p:pic>
+      <p:sp>
+        <p:nvSpPr>
+          <p:cNvPr id="17" name="Right Arrow 16"/>
+          <p:cNvSpPr/>
+          <p:nvPr/>
+        </p:nvSpPr>
+        <p:spPr>
+          <a:xfrm rot="18551883">
+            <a:off x="6451337" y="4670212"/>
+            <a:ext cx="486230" cy="322729"/>
+          </a:xfrm>
+          <a:prstGeom prst="rightArrow">
+            <a:avLst/>
+          </a:prstGeom>
+        </p:spPr>
+        <p:style>
+          <a:lnRef idx="2">
+            <a:schemeClr val="accent1">
+              <a:shade val="50000"/>
+            </a:schemeClr>
+          </a:lnRef>
+          <a:fillRef idx="1">
+            <a:schemeClr val="accent1"/>
+          </a:fillRef>
+          <a:effectRef idx="0">
+            <a:schemeClr val="accent1"/>
+          </a:effectRef>
+          <a:fontRef idx="minor">
+            <a:schemeClr val="lt1"/>
+          </a:fontRef>
+        </p:style>
+        <p:txBody>
+          <a:bodyPr rtlCol="0" anchor="ctr"/>
+          <a:lstStyle/>
+          <a:p>
+            <a:pPr algn="ctr"/>
+            <a:endParaRPr lang="en-US"/>
+          </a:p>
+        </p:txBody>
+      </p:sp>
+    </p:spTree>
+    <p:extLst>
+      <p:ext uri="{BB962C8B-B14F-4D97-AF65-F5344CB8AC3E}">
+        <p14:creationId xmlns:p14="http://schemas.microsoft.com/office/powerpoint/2010/main" val="3507810910"/>
+      </p:ext>
+    </p:extLst>
+  </p:cSld>
+  <p:clrMapOvr>
+    <a:masterClrMapping/>
+  </p:clrMapOvr>
+</p:sld>
+</file>
+
+<file path=ppt/slides/slide8.xml><?xml version="1.0" encoding="utf-8"?>
+<p:sld xmlns:a="http://schemas.openxmlformats.org/drawingml/2006/main" xmlns:r="http://schemas.openxmlformats.org/officeDocument/2006/relationships" xmlns:p="http://schemas.openxmlformats.org/presentationml/2006/main">
+  <p:cSld>
+    <p:spTree>
+      <p:nvGrpSpPr>
+        <p:cNvPr id="1" name=""/>
+        <p:cNvGrpSpPr/>
+        <p:nvPr/>
+      </p:nvGrpSpPr>
+      <p:grpSpPr>
+        <a:xfrm>
+          <a:off x="0" y="0"/>
+          <a:ext cx="0" cy="0"/>
+          <a:chOff x="0" y="0"/>
+          <a:chExt cx="0" cy="0"/>
+        </a:xfrm>
+      </p:grpSpPr>
+      <p:sp>
+        <p:nvSpPr>
+          <p:cNvPr id="2" name="TextBox 1">
+            <a:extLst>
+              <a:ext uri="{FF2B5EF4-FFF2-40B4-BE49-F238E27FC236}">
+                <a16:creationId xmlns:a16="http://schemas.microsoft.com/office/drawing/2014/main" id="{224C612D-6C14-4FF8-BCA4-256081112085}"/>
+              </a:ext>
+            </a:extLst>
+          </p:cNvPr>
+          <p:cNvSpPr txBox="1"/>
+          <p:nvPr/>
+        </p:nvSpPr>
+        <p:spPr>
+          <a:xfrm>
+            <a:off x="412714" y="343722"/>
+            <a:ext cx="8599147" cy="769441"/>
+          </a:xfrm>
+          <a:prstGeom prst="rect">
+            <a:avLst/>
+          </a:prstGeom>
+          <a:noFill/>
+        </p:spPr>
+        <p:txBody>
+          <a:bodyPr wrap="square" rtlCol="0">
+            <a:spAutoFit/>
+          </a:bodyPr>
+          <a:lstStyle/>
+          <a:p>
+            <a:r>
+              <a:rPr lang="en-US" sz="1100" smtClean="0"/>
+              <a:t>When a target variable (label) is available, you can compare the outputs from your hierarchical clustering model to observation labels in order to check the performance of the clustering model. When performning supervised learning – that is, when you’re trying to predict some target variable of interest and that target variable is available in the original data – using clustering to create new features may or may not improve the performance of the final model.</a:t>
+            </a:r>
+          </a:p>
+        </p:txBody>
+      </p:sp>
+      <p:pic>
+        <p:nvPicPr>
+          <p:cNvPr id="3" name="Picture 2"/>
+          <p:cNvPicPr>
+            <a:picLocks noChangeAspect="1"/>
+          </p:cNvPicPr>
+          <p:nvPr/>
+        </p:nvPicPr>
+        <p:blipFill>
+          <a:blip r:embed="rId2"/>
+          <a:stretch>
+            <a:fillRect/>
+          </a:stretch>
+        </p:blipFill>
+        <p:spPr>
+          <a:xfrm>
+            <a:off x="687294" y="1475524"/>
+            <a:ext cx="4273332" cy="1878961"/>
+          </a:xfrm>
+          <a:prstGeom prst="rect">
+            <a:avLst/>
+          </a:prstGeom>
+        </p:spPr>
+      </p:pic>
+      <p:pic>
+        <p:nvPicPr>
+          <p:cNvPr id="6" name="Picture 5"/>
+          <p:cNvPicPr>
+            <a:picLocks noChangeAspect="1"/>
+          </p:cNvPicPr>
+          <p:nvPr/>
+        </p:nvPicPr>
+        <p:blipFill>
+          <a:blip r:embed="rId3"/>
+          <a:stretch>
+            <a:fillRect/>
+          </a:stretch>
+        </p:blipFill>
+        <p:spPr>
+          <a:xfrm>
+            <a:off x="3523092" y="4124548"/>
+            <a:ext cx="3450465" cy="2217795"/>
+          </a:xfrm>
+          <a:prstGeom prst="rect">
+            <a:avLst/>
+          </a:prstGeom>
+        </p:spPr>
+      </p:pic>
+      <p:sp>
+        <p:nvSpPr>
+          <p:cNvPr id="18" name="Right Arrow 17"/>
+          <p:cNvSpPr/>
+          <p:nvPr/>
+        </p:nvSpPr>
+        <p:spPr>
+          <a:xfrm rot="2149541" flipV="1">
+            <a:off x="2699134" y="3498530"/>
+            <a:ext cx="701119" cy="646358"/>
+          </a:xfrm>
+          <a:prstGeom prst="rightArrow">
+            <a:avLst/>
+          </a:prstGeom>
+        </p:spPr>
+        <p:style>
+          <a:lnRef idx="2">
+            <a:schemeClr val="accent1">
+              <a:shade val="50000"/>
+            </a:schemeClr>
+          </a:lnRef>
+          <a:fillRef idx="1">
+            <a:schemeClr val="accent1"/>
+          </a:fillRef>
+          <a:effectRef idx="0">
+            <a:schemeClr val="accent1"/>
+          </a:effectRef>
+          <a:fontRef idx="minor">
+            <a:schemeClr val="lt1"/>
+          </a:fontRef>
+        </p:style>
+        <p:txBody>
+          <a:bodyPr rtlCol="0" anchor="ctr"/>
+          <a:lstStyle/>
+          <a:p>
+            <a:pPr algn="ctr"/>
+            <a:endParaRPr lang="en-US"/>
+          </a:p>
+        </p:txBody>
+      </p:sp>
+      <p:pic>
+        <p:nvPicPr>
+          <p:cNvPr id="7" name="Picture 6"/>
+          <p:cNvPicPr>
+            <a:picLocks noChangeAspect="1"/>
+          </p:cNvPicPr>
+          <p:nvPr/>
+        </p:nvPicPr>
+        <p:blipFill>
+          <a:blip r:embed="rId4"/>
+          <a:stretch>
+            <a:fillRect/>
+          </a:stretch>
+        </p:blipFill>
+        <p:spPr>
+          <a:xfrm>
+            <a:off x="5545064" y="1529976"/>
+            <a:ext cx="3145235" cy="2354831"/>
+          </a:xfrm>
+          <a:prstGeom prst="rect">
+            <a:avLst/>
+          </a:prstGeom>
+        </p:spPr>
+      </p:pic>
+      <p:sp>
+        <p:nvSpPr>
+          <p:cNvPr id="19" name="Right Arrow 18"/>
+          <p:cNvSpPr/>
+          <p:nvPr/>
+        </p:nvSpPr>
+        <p:spPr>
+          <a:xfrm rot="19298827" flipV="1">
+            <a:off x="4679797" y="3330407"/>
+            <a:ext cx="701119" cy="646358"/>
+          </a:xfrm>
+          <a:prstGeom prst="rightArrow">
+            <a:avLst/>
+          </a:prstGeom>
+        </p:spPr>
+        <p:style>
+          <a:lnRef idx="2">
+            <a:schemeClr val="accent1">
+              <a:shade val="50000"/>
+            </a:schemeClr>
+          </a:lnRef>
+          <a:fillRef idx="1">
+            <a:schemeClr val="accent1"/>
+          </a:fillRef>
+          <a:effectRef idx="0">
+            <a:schemeClr val="accent1"/>
+          </a:effectRef>
+          <a:fontRef idx="minor">
+            <a:schemeClr val="lt1"/>
+          </a:fontRef>
+        </p:style>
+        <p:txBody>
+          <a:bodyPr rtlCol="0" anchor="ctr"/>
+          <a:lstStyle/>
+          <a:p>
+            <a:pPr algn="ctr"/>
+            <a:endParaRPr lang="en-US"/>
+          </a:p>
+        </p:txBody>
+      </p:sp>
+    </p:spTree>
+    <p:extLst>
+      <p:ext uri="{BB962C8B-B14F-4D97-AF65-F5344CB8AC3E}">
+        <p14:creationId xmlns:p14="http://schemas.microsoft.com/office/powerpoint/2010/main" val="265050430"/>
       </p:ext>
     </p:extLst>
   </p:cSld>
